--- a/The Online Voting System Presentation.pptx
+++ b/The Online Voting System Presentation.pptx
@@ -5,7 +5,7 @@
     <p:sldMasterId id="2147483660" r:id="rId1"/>
   </p:sldMasterIdLst>
   <p:notesMasterIdLst>
-    <p:notesMasterId r:id="rId11"/>
+    <p:notesMasterId r:id="rId19"/>
   </p:notesMasterIdLst>
   <p:sldIdLst>
     <p:sldId id="256" r:id="rId2"/>
@@ -16,7 +16,15 @@
     <p:sldId id="260" r:id="rId7"/>
     <p:sldId id="262" r:id="rId8"/>
     <p:sldId id="263" r:id="rId9"/>
-    <p:sldId id="259" r:id="rId10"/>
+    <p:sldId id="265" r:id="rId10"/>
+    <p:sldId id="266" r:id="rId11"/>
+    <p:sldId id="267" r:id="rId12"/>
+    <p:sldId id="272" r:id="rId13"/>
+    <p:sldId id="268" r:id="rId14"/>
+    <p:sldId id="269" r:id="rId15"/>
+    <p:sldId id="270" r:id="rId16"/>
+    <p:sldId id="271" r:id="rId17"/>
+    <p:sldId id="259" r:id="rId18"/>
   </p:sldIdLst>
   <p:sldSz cx="12192000" cy="6858000"/>
   <p:notesSz cx="6858000" cy="9144000"/>
@@ -3525,6 +3533,788 @@
 </file>
 
 <file path=ppt/diagrams/colors5.xml><?xml version="1.0" encoding="utf-8"?>
+<dgm:colorsDef xmlns:dgm="http://schemas.openxmlformats.org/drawingml/2006/diagram" xmlns:a="http://schemas.openxmlformats.org/drawingml/2006/main" uniqueId="urn:microsoft.com/office/officeart/2005/8/colors/colorful2">
+  <dgm:title val=""/>
+  <dgm:desc val=""/>
+  <dgm:catLst>
+    <dgm:cat type="colorful" pri="10200"/>
+  </dgm:catLst>
+  <dgm:styleLbl name="node0">
+    <dgm:fillClrLst meth="repeat">
+      <a:schemeClr val="accent1"/>
+    </dgm:fillClrLst>
+    <dgm:linClrLst meth="repeat">
+      <a:schemeClr val="lt1"/>
+    </dgm:linClrLst>
+    <dgm:effectClrLst/>
+    <dgm:txLinClrLst/>
+    <dgm:txFillClrLst/>
+    <dgm:txEffectClrLst/>
+  </dgm:styleLbl>
+  <dgm:styleLbl name="node1">
+    <dgm:fillClrLst>
+      <a:schemeClr val="accent2"/>
+      <a:schemeClr val="accent3"/>
+    </dgm:fillClrLst>
+    <dgm:linClrLst meth="repeat">
+      <a:schemeClr val="lt1"/>
+    </dgm:linClrLst>
+    <dgm:effectClrLst/>
+    <dgm:txLinClrLst/>
+    <dgm:txFillClrLst/>
+    <dgm:txEffectClrLst/>
+  </dgm:styleLbl>
+  <dgm:styleLbl name="alignNode1">
+    <dgm:fillClrLst>
+      <a:schemeClr val="accent2"/>
+      <a:schemeClr val="accent3"/>
+    </dgm:fillClrLst>
+    <dgm:linClrLst>
+      <a:schemeClr val="accent2"/>
+      <a:schemeClr val="accent3"/>
+    </dgm:linClrLst>
+    <dgm:effectClrLst/>
+    <dgm:txLinClrLst/>
+    <dgm:txFillClrLst/>
+    <dgm:txEffectClrLst/>
+  </dgm:styleLbl>
+  <dgm:styleLbl name="lnNode1">
+    <dgm:fillClrLst>
+      <a:schemeClr val="accent2"/>
+      <a:schemeClr val="accent3"/>
+    </dgm:fillClrLst>
+    <dgm:linClrLst meth="repeat">
+      <a:schemeClr val="lt1"/>
+    </dgm:linClrLst>
+    <dgm:effectClrLst/>
+    <dgm:txLinClrLst/>
+    <dgm:txFillClrLst/>
+    <dgm:txEffectClrLst/>
+  </dgm:styleLbl>
+  <dgm:styleLbl name="vennNode1">
+    <dgm:fillClrLst>
+      <a:schemeClr val="accent2">
+        <a:alpha val="50000"/>
+      </a:schemeClr>
+      <a:schemeClr val="accent3">
+        <a:alpha val="50000"/>
+      </a:schemeClr>
+    </dgm:fillClrLst>
+    <dgm:linClrLst meth="repeat">
+      <a:schemeClr val="lt1"/>
+    </dgm:linClrLst>
+    <dgm:effectClrLst/>
+    <dgm:txLinClrLst/>
+    <dgm:txFillClrLst/>
+    <dgm:txEffectClrLst/>
+  </dgm:styleLbl>
+  <dgm:styleLbl name="node2">
+    <dgm:fillClrLst>
+      <a:schemeClr val="accent3"/>
+    </dgm:fillClrLst>
+    <dgm:linClrLst meth="repeat">
+      <a:schemeClr val="lt1"/>
+    </dgm:linClrLst>
+    <dgm:effectClrLst/>
+    <dgm:txLinClrLst/>
+    <dgm:txFillClrLst/>
+    <dgm:txEffectClrLst/>
+  </dgm:styleLbl>
+  <dgm:styleLbl name="node3">
+    <dgm:fillClrLst>
+      <a:schemeClr val="accent4"/>
+    </dgm:fillClrLst>
+    <dgm:linClrLst meth="repeat">
+      <a:schemeClr val="lt1"/>
+    </dgm:linClrLst>
+    <dgm:effectClrLst/>
+    <dgm:txLinClrLst/>
+    <dgm:txFillClrLst/>
+    <dgm:txEffectClrLst/>
+  </dgm:styleLbl>
+  <dgm:styleLbl name="node4">
+    <dgm:fillClrLst>
+      <a:schemeClr val="accent5"/>
+    </dgm:fillClrLst>
+    <dgm:linClrLst meth="repeat">
+      <a:schemeClr val="lt1"/>
+    </dgm:linClrLst>
+    <dgm:effectClrLst/>
+    <dgm:txLinClrLst/>
+    <dgm:txFillClrLst/>
+    <dgm:txEffectClrLst/>
+  </dgm:styleLbl>
+  <dgm:styleLbl name="fgImgPlace1">
+    <dgm:fillClrLst>
+      <a:schemeClr val="accent2">
+        <a:tint val="50000"/>
+      </a:schemeClr>
+      <a:schemeClr val="accent3">
+        <a:tint val="50000"/>
+      </a:schemeClr>
+    </dgm:fillClrLst>
+    <dgm:linClrLst meth="repeat">
+      <a:schemeClr val="lt1"/>
+    </dgm:linClrLst>
+    <dgm:effectClrLst/>
+    <dgm:txLinClrLst/>
+    <dgm:txFillClrLst meth="repeat">
+      <a:schemeClr val="lt1"/>
+    </dgm:txFillClrLst>
+    <dgm:txEffectClrLst/>
+  </dgm:styleLbl>
+  <dgm:styleLbl name="alignImgPlace1">
+    <dgm:fillClrLst>
+      <a:schemeClr val="accent2">
+        <a:tint val="50000"/>
+      </a:schemeClr>
+      <a:schemeClr val="accent3">
+        <a:tint val="20000"/>
+      </a:schemeClr>
+    </dgm:fillClrLst>
+    <dgm:linClrLst meth="repeat">
+      <a:schemeClr val="lt1"/>
+    </dgm:linClrLst>
+    <dgm:effectClrLst/>
+    <dgm:txLinClrLst/>
+    <dgm:txFillClrLst meth="repeat">
+      <a:schemeClr val="lt1"/>
+    </dgm:txFillClrLst>
+    <dgm:txEffectClrLst/>
+  </dgm:styleLbl>
+  <dgm:styleLbl name="bgImgPlace1">
+    <dgm:fillClrLst>
+      <a:schemeClr val="accent2">
+        <a:tint val="50000"/>
+      </a:schemeClr>
+      <a:schemeClr val="accent3">
+        <a:tint val="20000"/>
+      </a:schemeClr>
+    </dgm:fillClrLst>
+    <dgm:linClrLst meth="repeat">
+      <a:schemeClr val="lt1"/>
+    </dgm:linClrLst>
+    <dgm:effectClrLst/>
+    <dgm:txLinClrLst/>
+    <dgm:txFillClrLst meth="repeat">
+      <a:schemeClr val="lt1"/>
+    </dgm:txFillClrLst>
+    <dgm:txEffectClrLst/>
+  </dgm:styleLbl>
+  <dgm:styleLbl name="sibTrans2D1">
+    <dgm:fillClrLst>
+      <a:schemeClr val="accent2"/>
+      <a:schemeClr val="accent3"/>
+    </dgm:fillClrLst>
+    <dgm:linClrLst meth="repeat">
+      <a:schemeClr val="lt1"/>
+    </dgm:linClrLst>
+    <dgm:effectClrLst/>
+    <dgm:txLinClrLst/>
+    <dgm:txFillClrLst/>
+    <dgm:txEffectClrLst/>
+  </dgm:styleLbl>
+  <dgm:styleLbl name="fgSibTrans2D1">
+    <dgm:fillClrLst>
+      <a:schemeClr val="accent2"/>
+      <a:schemeClr val="accent3"/>
+    </dgm:fillClrLst>
+    <dgm:linClrLst meth="repeat">
+      <a:schemeClr val="lt1"/>
+    </dgm:linClrLst>
+    <dgm:effectClrLst/>
+    <dgm:txLinClrLst/>
+    <dgm:txFillClrLst meth="repeat">
+      <a:schemeClr val="lt1"/>
+    </dgm:txFillClrLst>
+    <dgm:txEffectClrLst/>
+  </dgm:styleLbl>
+  <dgm:styleLbl name="bgSibTrans2D1">
+    <dgm:fillClrLst>
+      <a:schemeClr val="accent2"/>
+      <a:schemeClr val="accent3"/>
+    </dgm:fillClrLst>
+    <dgm:linClrLst meth="repeat">
+      <a:schemeClr val="lt1"/>
+    </dgm:linClrLst>
+    <dgm:effectClrLst/>
+    <dgm:txLinClrLst/>
+    <dgm:txFillClrLst meth="repeat">
+      <a:schemeClr val="lt1"/>
+    </dgm:txFillClrLst>
+    <dgm:txEffectClrLst/>
+  </dgm:styleLbl>
+  <dgm:styleLbl name="sibTrans1D1">
+    <dgm:fillClrLst/>
+    <dgm:linClrLst>
+      <a:schemeClr val="accent2"/>
+      <a:schemeClr val="accent3"/>
+    </dgm:linClrLst>
+    <dgm:effectClrLst/>
+    <dgm:txLinClrLst/>
+    <dgm:txFillClrLst meth="repeat">
+      <a:schemeClr val="tx1"/>
+    </dgm:txFillClrLst>
+    <dgm:txEffectClrLst/>
+  </dgm:styleLbl>
+  <dgm:styleLbl name="callout">
+    <dgm:fillClrLst meth="repeat">
+      <a:schemeClr val="accent2"/>
+    </dgm:fillClrLst>
+    <dgm:linClrLst meth="repeat">
+      <a:schemeClr val="accent2">
+        <a:tint val="50000"/>
+      </a:schemeClr>
+    </dgm:linClrLst>
+    <dgm:effectClrLst/>
+    <dgm:txLinClrLst/>
+    <dgm:txFillClrLst meth="repeat">
+      <a:schemeClr val="tx1"/>
+    </dgm:txFillClrLst>
+    <dgm:txEffectClrLst/>
+  </dgm:styleLbl>
+  <dgm:styleLbl name="asst0">
+    <dgm:fillClrLst meth="repeat">
+      <a:schemeClr val="accent2"/>
+    </dgm:fillClrLst>
+    <dgm:linClrLst meth="repeat">
+      <a:schemeClr val="lt1">
+        <a:shade val="80000"/>
+      </a:schemeClr>
+    </dgm:linClrLst>
+    <dgm:effectClrLst/>
+    <dgm:txLinClrLst/>
+    <dgm:txFillClrLst/>
+    <dgm:txEffectClrLst/>
+  </dgm:styleLbl>
+  <dgm:styleLbl name="asst1">
+    <dgm:fillClrLst meth="repeat">
+      <a:schemeClr val="accent3"/>
+    </dgm:fillClrLst>
+    <dgm:linClrLst meth="repeat">
+      <a:schemeClr val="lt1">
+        <a:shade val="80000"/>
+      </a:schemeClr>
+    </dgm:linClrLst>
+    <dgm:effectClrLst/>
+    <dgm:txLinClrLst/>
+    <dgm:txFillClrLst/>
+    <dgm:txEffectClrLst/>
+  </dgm:styleLbl>
+  <dgm:styleLbl name="asst2">
+    <dgm:fillClrLst>
+      <a:schemeClr val="accent4"/>
+    </dgm:fillClrLst>
+    <dgm:linClrLst meth="repeat">
+      <a:schemeClr val="lt1"/>
+    </dgm:linClrLst>
+    <dgm:effectClrLst/>
+    <dgm:txLinClrLst/>
+    <dgm:txFillClrLst/>
+    <dgm:txEffectClrLst/>
+  </dgm:styleLbl>
+  <dgm:styleLbl name="asst3">
+    <dgm:fillClrLst>
+      <a:schemeClr val="accent5"/>
+    </dgm:fillClrLst>
+    <dgm:linClrLst meth="repeat">
+      <a:schemeClr val="lt1"/>
+    </dgm:linClrLst>
+    <dgm:effectClrLst/>
+    <dgm:txLinClrLst/>
+    <dgm:txFillClrLst/>
+    <dgm:txEffectClrLst/>
+  </dgm:styleLbl>
+  <dgm:styleLbl name="asst4">
+    <dgm:fillClrLst>
+      <a:schemeClr val="accent6"/>
+    </dgm:fillClrLst>
+    <dgm:linClrLst meth="repeat">
+      <a:schemeClr val="lt1"/>
+    </dgm:linClrLst>
+    <dgm:effectClrLst/>
+    <dgm:txLinClrLst/>
+    <dgm:txFillClrLst/>
+    <dgm:txEffectClrLst/>
+  </dgm:styleLbl>
+  <dgm:styleLbl name="parChTrans2D1">
+    <dgm:fillClrLst meth="repeat">
+      <a:schemeClr val="accent2"/>
+    </dgm:fillClrLst>
+    <dgm:linClrLst meth="repeat">
+      <a:schemeClr val="lt1"/>
+    </dgm:linClrLst>
+    <dgm:effectClrLst/>
+    <dgm:txLinClrLst/>
+    <dgm:txFillClrLst meth="repeat">
+      <a:schemeClr val="lt1"/>
+    </dgm:txFillClrLst>
+    <dgm:txEffectClrLst/>
+  </dgm:styleLbl>
+  <dgm:styleLbl name="parChTrans2D2">
+    <dgm:fillClrLst meth="repeat">
+      <a:schemeClr val="accent3"/>
+    </dgm:fillClrLst>
+    <dgm:linClrLst meth="repeat">
+      <a:schemeClr val="lt1"/>
+    </dgm:linClrLst>
+    <dgm:effectClrLst/>
+    <dgm:txLinClrLst/>
+    <dgm:txFillClrLst/>
+    <dgm:txEffectClrLst/>
+  </dgm:styleLbl>
+  <dgm:styleLbl name="parChTrans2D3">
+    <dgm:fillClrLst meth="repeat">
+      <a:schemeClr val="accent4"/>
+    </dgm:fillClrLst>
+    <dgm:linClrLst meth="repeat">
+      <a:schemeClr val="lt1"/>
+    </dgm:linClrLst>
+    <dgm:effectClrLst/>
+    <dgm:txLinClrLst/>
+    <dgm:txFillClrLst/>
+    <dgm:txEffectClrLst/>
+  </dgm:styleLbl>
+  <dgm:styleLbl name="parChTrans2D4">
+    <dgm:fillClrLst meth="repeat">
+      <a:schemeClr val="accent5"/>
+    </dgm:fillClrLst>
+    <dgm:linClrLst meth="repeat">
+      <a:schemeClr val="lt1"/>
+    </dgm:linClrLst>
+    <dgm:effectClrLst/>
+    <dgm:txLinClrLst/>
+    <dgm:txFillClrLst meth="repeat">
+      <a:schemeClr val="lt1"/>
+    </dgm:txFillClrLst>
+    <dgm:txEffectClrLst/>
+  </dgm:styleLbl>
+  <dgm:styleLbl name="parChTrans1D1">
+    <dgm:fillClrLst meth="repeat">
+      <a:schemeClr val="accent2"/>
+    </dgm:fillClrLst>
+    <dgm:linClrLst meth="repeat">
+      <a:schemeClr val="accent2"/>
+    </dgm:linClrLst>
+    <dgm:effectClrLst/>
+    <dgm:txLinClrLst/>
+    <dgm:txFillClrLst meth="repeat">
+      <a:schemeClr val="tx1"/>
+    </dgm:txFillClrLst>
+    <dgm:txEffectClrLst/>
+  </dgm:styleLbl>
+  <dgm:styleLbl name="parChTrans1D2">
+    <dgm:fillClrLst meth="repeat">
+      <a:schemeClr val="accent2">
+        <a:tint val="90000"/>
+      </a:schemeClr>
+    </dgm:fillClrLst>
+    <dgm:linClrLst meth="repeat">
+      <a:schemeClr val="accent3"/>
+    </dgm:linClrLst>
+    <dgm:effectClrLst/>
+    <dgm:txLinClrLst/>
+    <dgm:txFillClrLst meth="repeat">
+      <a:schemeClr val="tx1"/>
+    </dgm:txFillClrLst>
+    <dgm:txEffectClrLst/>
+  </dgm:styleLbl>
+  <dgm:styleLbl name="parChTrans1D3">
+    <dgm:fillClrLst meth="repeat">
+      <a:schemeClr val="accent2">
+        <a:tint val="70000"/>
+      </a:schemeClr>
+    </dgm:fillClrLst>
+    <dgm:linClrLst meth="repeat">
+      <a:schemeClr val="accent4"/>
+    </dgm:linClrLst>
+    <dgm:effectClrLst/>
+    <dgm:txLinClrLst/>
+    <dgm:txFillClrLst meth="repeat">
+      <a:schemeClr val="tx1"/>
+    </dgm:txFillClrLst>
+    <dgm:txEffectClrLst/>
+  </dgm:styleLbl>
+  <dgm:styleLbl name="parChTrans1D4">
+    <dgm:fillClrLst meth="repeat">
+      <a:schemeClr val="accent2">
+        <a:tint val="50000"/>
+      </a:schemeClr>
+    </dgm:fillClrLst>
+    <dgm:linClrLst meth="repeat">
+      <a:schemeClr val="accent5"/>
+    </dgm:linClrLst>
+    <dgm:effectClrLst/>
+    <dgm:txLinClrLst/>
+    <dgm:txFillClrLst meth="repeat">
+      <a:schemeClr val="tx1"/>
+    </dgm:txFillClrLst>
+    <dgm:txEffectClrLst/>
+  </dgm:styleLbl>
+  <dgm:styleLbl name="fgAcc1">
+    <dgm:fillClrLst meth="repeat">
+      <a:schemeClr val="lt1">
+        <a:alpha val="90000"/>
+      </a:schemeClr>
+    </dgm:fillClrLst>
+    <dgm:linClrLst>
+      <a:schemeClr val="accent2"/>
+      <a:schemeClr val="accent3"/>
+    </dgm:linClrLst>
+    <dgm:effectClrLst/>
+    <dgm:txLinClrLst/>
+    <dgm:txFillClrLst meth="repeat">
+      <a:schemeClr val="dk1"/>
+    </dgm:txFillClrLst>
+    <dgm:txEffectClrLst/>
+  </dgm:styleLbl>
+  <dgm:styleLbl name="conFgAcc1">
+    <dgm:fillClrLst meth="repeat">
+      <a:schemeClr val="lt1">
+        <a:alpha val="90000"/>
+      </a:schemeClr>
+    </dgm:fillClrLst>
+    <dgm:linClrLst>
+      <a:schemeClr val="accent2"/>
+      <a:schemeClr val="accent3"/>
+    </dgm:linClrLst>
+    <dgm:effectClrLst/>
+    <dgm:txLinClrLst/>
+    <dgm:txFillClrLst meth="repeat">
+      <a:schemeClr val="dk1"/>
+    </dgm:txFillClrLst>
+    <dgm:txEffectClrLst/>
+  </dgm:styleLbl>
+  <dgm:styleLbl name="alignAcc1">
+    <dgm:fillClrLst meth="repeat">
+      <a:schemeClr val="lt1">
+        <a:alpha val="90000"/>
+      </a:schemeClr>
+    </dgm:fillClrLst>
+    <dgm:linClrLst>
+      <a:schemeClr val="accent2"/>
+      <a:schemeClr val="accent3"/>
+    </dgm:linClrLst>
+    <dgm:effectClrLst/>
+    <dgm:txLinClrLst/>
+    <dgm:txFillClrLst meth="repeat">
+      <a:schemeClr val="dk1"/>
+    </dgm:txFillClrLst>
+    <dgm:txEffectClrLst/>
+  </dgm:styleLbl>
+  <dgm:styleLbl name="trAlignAcc1">
+    <dgm:fillClrLst meth="repeat">
+      <a:schemeClr val="lt1">
+        <a:alpha val="40000"/>
+      </a:schemeClr>
+    </dgm:fillClrLst>
+    <dgm:linClrLst meth="repeat">
+      <a:schemeClr val="accent2"/>
+    </dgm:linClrLst>
+    <dgm:effectClrLst/>
+    <dgm:txLinClrLst/>
+    <dgm:txFillClrLst meth="repeat">
+      <a:schemeClr val="dk1"/>
+    </dgm:txFillClrLst>
+    <dgm:txEffectClrLst/>
+  </dgm:styleLbl>
+  <dgm:styleLbl name="bgAcc1">
+    <dgm:fillClrLst meth="repeat">
+      <a:schemeClr val="lt1">
+        <a:alpha val="90000"/>
+      </a:schemeClr>
+    </dgm:fillClrLst>
+    <dgm:linClrLst>
+      <a:schemeClr val="accent2"/>
+      <a:schemeClr val="accent3"/>
+    </dgm:linClrLst>
+    <dgm:effectClrLst/>
+    <dgm:txLinClrLst/>
+    <dgm:txFillClrLst meth="repeat">
+      <a:schemeClr val="dk1"/>
+    </dgm:txFillClrLst>
+    <dgm:txEffectClrLst/>
+  </dgm:styleLbl>
+  <dgm:styleLbl name="solidFgAcc1">
+    <dgm:fillClrLst meth="repeat">
+      <a:schemeClr val="lt1"/>
+    </dgm:fillClrLst>
+    <dgm:linClrLst>
+      <a:schemeClr val="accent2"/>
+      <a:schemeClr val="accent3"/>
+    </dgm:linClrLst>
+    <dgm:effectClrLst/>
+    <dgm:txLinClrLst/>
+    <dgm:txFillClrLst meth="repeat">
+      <a:schemeClr val="dk1"/>
+    </dgm:txFillClrLst>
+    <dgm:txEffectClrLst/>
+  </dgm:styleLbl>
+  <dgm:styleLbl name="solidAlignAcc1">
+    <dgm:fillClrLst meth="repeat">
+      <a:schemeClr val="lt1"/>
+    </dgm:fillClrLst>
+    <dgm:linClrLst>
+      <a:schemeClr val="accent2"/>
+      <a:schemeClr val="accent3"/>
+    </dgm:linClrLst>
+    <dgm:effectClrLst/>
+    <dgm:txLinClrLst/>
+    <dgm:txFillClrLst meth="repeat">
+      <a:schemeClr val="dk1"/>
+    </dgm:txFillClrLst>
+    <dgm:txEffectClrLst/>
+  </dgm:styleLbl>
+  <dgm:styleLbl name="solidBgAcc1">
+    <dgm:fillClrLst meth="repeat">
+      <a:schemeClr val="lt1"/>
+    </dgm:fillClrLst>
+    <dgm:linClrLst>
+      <a:schemeClr val="accent2"/>
+      <a:schemeClr val="accent3"/>
+    </dgm:linClrLst>
+    <dgm:effectClrLst/>
+    <dgm:txLinClrLst/>
+    <dgm:txFillClrLst meth="repeat">
+      <a:schemeClr val="dk1"/>
+    </dgm:txFillClrLst>
+    <dgm:txEffectClrLst/>
+  </dgm:styleLbl>
+  <dgm:styleLbl name="fgAccFollowNode1">
+    <dgm:fillClrLst>
+      <a:schemeClr val="accent2">
+        <a:tint val="40000"/>
+        <a:alpha val="90000"/>
+      </a:schemeClr>
+      <a:schemeClr val="accent3">
+        <a:tint val="40000"/>
+        <a:alpha val="90000"/>
+      </a:schemeClr>
+    </dgm:fillClrLst>
+    <dgm:linClrLst>
+      <a:schemeClr val="accent2">
+        <a:tint val="40000"/>
+        <a:alpha val="90000"/>
+      </a:schemeClr>
+      <a:schemeClr val="accent3">
+        <a:tint val="40000"/>
+        <a:alpha val="90000"/>
+      </a:schemeClr>
+    </dgm:linClrLst>
+    <dgm:effectClrLst/>
+    <dgm:txLinClrLst/>
+    <dgm:txFillClrLst meth="repeat">
+      <a:schemeClr val="dk1"/>
+    </dgm:txFillClrLst>
+    <dgm:txEffectClrLst/>
+  </dgm:styleLbl>
+  <dgm:styleLbl name="alignAccFollowNode1">
+    <dgm:fillClrLst>
+      <a:schemeClr val="accent2">
+        <a:tint val="40000"/>
+        <a:alpha val="90000"/>
+      </a:schemeClr>
+      <a:schemeClr val="accent3">
+        <a:tint val="40000"/>
+        <a:alpha val="90000"/>
+      </a:schemeClr>
+    </dgm:fillClrLst>
+    <dgm:linClrLst>
+      <a:schemeClr val="accent2">
+        <a:tint val="40000"/>
+        <a:alpha val="90000"/>
+      </a:schemeClr>
+      <a:schemeClr val="accent3">
+        <a:tint val="40000"/>
+        <a:alpha val="90000"/>
+      </a:schemeClr>
+    </dgm:linClrLst>
+    <dgm:effectClrLst/>
+    <dgm:txLinClrLst/>
+    <dgm:txFillClrLst meth="repeat">
+      <a:schemeClr val="dk1"/>
+    </dgm:txFillClrLst>
+    <dgm:txEffectClrLst/>
+  </dgm:styleLbl>
+  <dgm:styleLbl name="bgAccFollowNode1">
+    <dgm:fillClrLst>
+      <a:schemeClr val="accent2">
+        <a:tint val="40000"/>
+        <a:alpha val="90000"/>
+      </a:schemeClr>
+      <a:schemeClr val="accent3">
+        <a:tint val="40000"/>
+        <a:alpha val="90000"/>
+      </a:schemeClr>
+    </dgm:fillClrLst>
+    <dgm:linClrLst>
+      <a:schemeClr val="accent2">
+        <a:tint val="40000"/>
+        <a:alpha val="90000"/>
+      </a:schemeClr>
+      <a:schemeClr val="accent3">
+        <a:tint val="40000"/>
+        <a:alpha val="90000"/>
+      </a:schemeClr>
+    </dgm:linClrLst>
+    <dgm:effectClrLst/>
+    <dgm:txLinClrLst/>
+    <dgm:txFillClrLst meth="repeat">
+      <a:schemeClr val="dk1"/>
+    </dgm:txFillClrLst>
+    <dgm:txEffectClrLst/>
+  </dgm:styleLbl>
+  <dgm:styleLbl name="fgAcc0">
+    <dgm:fillClrLst meth="repeat">
+      <a:schemeClr val="lt1">
+        <a:alpha val="90000"/>
+      </a:schemeClr>
+    </dgm:fillClrLst>
+    <dgm:linClrLst>
+      <a:schemeClr val="accent1"/>
+    </dgm:linClrLst>
+    <dgm:effectClrLst/>
+    <dgm:txLinClrLst/>
+    <dgm:txFillClrLst meth="repeat">
+      <a:schemeClr val="dk1"/>
+    </dgm:txFillClrLst>
+    <dgm:txEffectClrLst/>
+  </dgm:styleLbl>
+  <dgm:styleLbl name="fgAcc2">
+    <dgm:fillClrLst meth="repeat">
+      <a:schemeClr val="lt1">
+        <a:alpha val="90000"/>
+      </a:schemeClr>
+    </dgm:fillClrLst>
+    <dgm:linClrLst>
+      <a:schemeClr val="accent3"/>
+    </dgm:linClrLst>
+    <dgm:effectClrLst/>
+    <dgm:txLinClrLst/>
+    <dgm:txFillClrLst meth="repeat">
+      <a:schemeClr val="dk1"/>
+    </dgm:txFillClrLst>
+    <dgm:txEffectClrLst/>
+  </dgm:styleLbl>
+  <dgm:styleLbl name="fgAcc3">
+    <dgm:fillClrLst meth="repeat">
+      <a:schemeClr val="lt1">
+        <a:alpha val="90000"/>
+      </a:schemeClr>
+    </dgm:fillClrLst>
+    <dgm:linClrLst>
+      <a:schemeClr val="accent4"/>
+    </dgm:linClrLst>
+    <dgm:effectClrLst/>
+    <dgm:txLinClrLst/>
+    <dgm:txFillClrLst meth="repeat">
+      <a:schemeClr val="dk1"/>
+    </dgm:txFillClrLst>
+    <dgm:txEffectClrLst/>
+  </dgm:styleLbl>
+  <dgm:styleLbl name="fgAcc4">
+    <dgm:fillClrLst meth="repeat">
+      <a:schemeClr val="lt1">
+        <a:alpha val="90000"/>
+      </a:schemeClr>
+    </dgm:fillClrLst>
+    <dgm:linClrLst>
+      <a:schemeClr val="accent5"/>
+    </dgm:linClrLst>
+    <dgm:effectClrLst/>
+    <dgm:txLinClrLst/>
+    <dgm:txFillClrLst meth="repeat">
+      <a:schemeClr val="dk1"/>
+    </dgm:txFillClrLst>
+    <dgm:txEffectClrLst/>
+  </dgm:styleLbl>
+  <dgm:styleLbl name="bgShp">
+    <dgm:fillClrLst meth="repeat">
+      <a:schemeClr val="accent2">
+        <a:tint val="40000"/>
+      </a:schemeClr>
+    </dgm:fillClrLst>
+    <dgm:linClrLst meth="repeat">
+      <a:schemeClr val="dk1"/>
+    </dgm:linClrLst>
+    <dgm:effectClrLst/>
+    <dgm:txLinClrLst/>
+    <dgm:txFillClrLst meth="repeat">
+      <a:schemeClr val="dk1"/>
+    </dgm:txFillClrLst>
+    <dgm:txEffectClrLst/>
+  </dgm:styleLbl>
+  <dgm:styleLbl name="dkBgShp">
+    <dgm:fillClrLst meth="repeat">
+      <a:schemeClr val="accent2">
+        <a:shade val="90000"/>
+      </a:schemeClr>
+    </dgm:fillClrLst>
+    <dgm:linClrLst meth="repeat">
+      <a:schemeClr val="dk1"/>
+    </dgm:linClrLst>
+    <dgm:effectClrLst/>
+    <dgm:txLinClrLst/>
+    <dgm:txFillClrLst meth="repeat">
+      <a:schemeClr val="lt1"/>
+    </dgm:txFillClrLst>
+    <dgm:txEffectClrLst/>
+  </dgm:styleLbl>
+  <dgm:styleLbl name="trBgShp">
+    <dgm:fillClrLst meth="repeat">
+      <a:schemeClr val="accent2">
+        <a:tint val="50000"/>
+        <a:alpha val="40000"/>
+      </a:schemeClr>
+    </dgm:fillClrLst>
+    <dgm:linClrLst meth="repeat">
+      <a:schemeClr val="accent2"/>
+    </dgm:linClrLst>
+    <dgm:effectClrLst/>
+    <dgm:txLinClrLst/>
+    <dgm:txFillClrLst meth="repeat">
+      <a:schemeClr val="lt1"/>
+    </dgm:txFillClrLst>
+    <dgm:txEffectClrLst/>
+  </dgm:styleLbl>
+  <dgm:styleLbl name="fgShp">
+    <dgm:fillClrLst meth="repeat">
+      <a:schemeClr val="accent2">
+        <a:tint val="40000"/>
+      </a:schemeClr>
+    </dgm:fillClrLst>
+    <dgm:linClrLst meth="repeat">
+      <a:schemeClr val="lt1"/>
+    </dgm:linClrLst>
+    <dgm:effectClrLst/>
+    <dgm:txLinClrLst/>
+    <dgm:txFillClrLst meth="repeat">
+      <a:schemeClr val="dk1"/>
+    </dgm:txFillClrLst>
+    <dgm:txEffectClrLst/>
+  </dgm:styleLbl>
+  <dgm:styleLbl name="revTx">
+    <dgm:fillClrLst meth="repeat">
+      <a:schemeClr val="lt1">
+        <a:alpha val="0"/>
+      </a:schemeClr>
+    </dgm:fillClrLst>
+    <dgm:linClrLst meth="repeat">
+      <a:schemeClr val="dk1">
+        <a:alpha val="0"/>
+      </a:schemeClr>
+    </dgm:linClrLst>
+    <dgm:effectClrLst/>
+    <dgm:txLinClrLst/>
+    <dgm:txFillClrLst meth="repeat">
+      <a:schemeClr val="tx1"/>
+    </dgm:txFillClrLst>
+    <dgm:txEffectClrLst/>
+  </dgm:styleLbl>
+</dgm:colorsDef>
+</file>
+
+<file path=ppt/diagrams/colors6.xml><?xml version="1.0" encoding="utf-8"?>
 <dgm:colorsDef xmlns:dgm="http://schemas.openxmlformats.org/drawingml/2006/diagram" xmlns:a="http://schemas.openxmlformats.org/drawingml/2006/main" uniqueId="urn:microsoft.com/office/officeart/2005/8/colors/colorful2">
   <dgm:title val=""/>
   <dgm:desc val=""/>
@@ -4833,7 +5623,7 @@
 <dgm:dataModel xmlns:dgm="http://schemas.openxmlformats.org/drawingml/2006/diagram" xmlns:a="http://schemas.openxmlformats.org/drawingml/2006/main">
   <dgm:ptLst>
     <dgm:pt modelId="{F088C94B-48BB-4052-B4DA-6247E63375F4}" type="doc">
-      <dgm:prSet loTypeId="urn:microsoft.com/office/officeart/2005/8/layout/vList2" loCatId="list" qsTypeId="urn:microsoft.com/office/officeart/2005/8/quickstyle/simple4" qsCatId="simple" csTypeId="urn:microsoft.com/office/officeart/2005/8/colors/colorful2" csCatId="colorful"/>
+      <dgm:prSet loTypeId="urn:microsoft.com/office/officeart/2005/8/layout/vList2" loCatId="list" qsTypeId="urn:microsoft.com/office/officeart/2005/8/quickstyle/simple4" qsCatId="simple" csTypeId="urn:microsoft.com/office/officeart/2005/8/colors/colorful2" csCatId="colorful" phldr="1"/>
       <dgm:spPr/>
       <dgm:t>
         <a:bodyPr/>
@@ -4923,8 +5713,8 @@
         <a:lstStyle/>
         <a:p>
           <a:r>
-            <a:rPr lang="en-US"/>
-            <a:t>Well established security [1]</a:t>
+            <a:rPr lang="en-US" dirty="0"/>
+            <a:t>Well established security</a:t>
           </a:r>
         </a:p>
       </dgm:t>
@@ -5031,8 +5821,8 @@
         <a:lstStyle/>
         <a:p>
           <a:r>
-            <a:rPr lang="en-US"/>
-            <a:t>Doesn’t handle transactions well and is prone to data corruption [1]</a:t>
+            <a:rPr lang="en-US" dirty="0"/>
+            <a:t>Doesn’t handle transactions well and is prone to data corruption </a:t>
           </a:r>
         </a:p>
       </dgm:t>
@@ -5742,6 +6532,176 @@
     <dgm:cxn modelId="{6878C55B-B09D-403D-BF85-67B1D0EA4842}" type="presParOf" srcId="{4ACD3249-6438-45A6-8C54-AA61E084B970}" destId="{73B7890A-2D82-4753-95C6-5B1D63F9A067}" srcOrd="6" destOrd="0" presId="urn:microsoft.com/office/officeart/2005/8/layout/vProcess5"/>
     <dgm:cxn modelId="{7C5C0B91-EFBF-419C-B441-93AE0EFDD934}" type="presParOf" srcId="{4ACD3249-6438-45A6-8C54-AA61E084B970}" destId="{C6111D1D-626A-4B4F-A84C-41AB843061FA}" srcOrd="7" destOrd="0" presId="urn:microsoft.com/office/officeart/2005/8/layout/vProcess5"/>
     <dgm:cxn modelId="{4DC362AD-5707-456B-BAAA-C16965A6A0E7}" type="presParOf" srcId="{4ACD3249-6438-45A6-8C54-AA61E084B970}" destId="{63EFE632-EC45-4238-9A2A-858F3EC24658}" srcOrd="8" destOrd="0" presId="urn:microsoft.com/office/officeart/2005/8/layout/vProcess5"/>
+  </dgm:cxnLst>
+  <dgm:bg/>
+  <dgm:whole/>
+  <dgm:extLst>
+    <a:ext uri="http://schemas.microsoft.com/office/drawing/2008/diagram">
+      <dsp:dataModelExt xmlns:dsp="http://schemas.microsoft.com/office/drawing/2008/diagram" relId="rId7" minVer="http://schemas.openxmlformats.org/drawingml/2006/diagram"/>
+    </a:ext>
+  </dgm:extLst>
+</dgm:dataModel>
+</file>
+
+<file path=ppt/diagrams/data6.xml><?xml version="1.0" encoding="utf-8"?>
+<dgm:dataModel xmlns:dgm="http://schemas.openxmlformats.org/drawingml/2006/diagram" xmlns:a="http://schemas.openxmlformats.org/drawingml/2006/main">
+  <dgm:ptLst>
+    <dgm:pt modelId="{1B6CC77A-B64D-4901-AA6E-4338B49C3F77}" type="doc">
+      <dgm:prSet loTypeId="urn:microsoft.com/office/officeart/2005/8/layout/vList2" loCatId="list" qsTypeId="urn:microsoft.com/office/officeart/2005/8/quickstyle/simple4" qsCatId="simple" csTypeId="urn:microsoft.com/office/officeart/2005/8/colors/colorful2" csCatId="colorful" phldr="1"/>
+      <dgm:spPr/>
+      <dgm:t>
+        <a:bodyPr/>
+        <a:lstStyle/>
+        <a:p>
+          <a:endParaRPr lang="en-US"/>
+        </a:p>
+      </dgm:t>
+    </dgm:pt>
+    <dgm:pt modelId="{08AAE530-E5BB-46B6-9A77-73EC4FA8F1C4}">
+      <dgm:prSet/>
+      <dgm:spPr/>
+      <dgm:t>
+        <a:bodyPr/>
+        <a:lstStyle/>
+        <a:p>
+          <a:r>
+            <a:rPr lang="en-US"/>
+            <a:t>Improvements</a:t>
+          </a:r>
+        </a:p>
+      </dgm:t>
+    </dgm:pt>
+    <dgm:pt modelId="{7FACD048-99B1-41B4-84E9-AAE9CA2F5C10}" type="parTrans" cxnId="{B1F74ABB-03AC-496B-B040-867C7BD48DD3}">
+      <dgm:prSet/>
+      <dgm:spPr/>
+      <dgm:t>
+        <a:bodyPr/>
+        <a:lstStyle/>
+        <a:p>
+          <a:endParaRPr lang="en-US"/>
+        </a:p>
+      </dgm:t>
+    </dgm:pt>
+    <dgm:pt modelId="{A5DEDB99-A12C-4D9E-B45D-E9E9E644B49F}" type="sibTrans" cxnId="{B1F74ABB-03AC-496B-B040-867C7BD48DD3}">
+      <dgm:prSet/>
+      <dgm:spPr/>
+      <dgm:t>
+        <a:bodyPr/>
+        <a:lstStyle/>
+        <a:p>
+          <a:endParaRPr lang="en-US"/>
+        </a:p>
+      </dgm:t>
+    </dgm:pt>
+    <dgm:pt modelId="{CBF02D80-7430-4259-8AC2-8375CA8DA8E8}">
+      <dgm:prSet/>
+      <dgm:spPr/>
+      <dgm:t>
+        <a:bodyPr/>
+        <a:lstStyle/>
+        <a:p>
+          <a:r>
+            <a:rPr lang="en-US"/>
+            <a:t>Refactored into more of a traditional MVC structure</a:t>
+          </a:r>
+        </a:p>
+      </dgm:t>
+    </dgm:pt>
+    <dgm:pt modelId="{8A09E9F6-B694-47C8-8594-FB2541466921}" type="parTrans" cxnId="{35930BC1-1F19-4D54-8B70-35A33E9AD8E1}">
+      <dgm:prSet/>
+      <dgm:spPr/>
+      <dgm:t>
+        <a:bodyPr/>
+        <a:lstStyle/>
+        <a:p>
+          <a:endParaRPr lang="en-US"/>
+        </a:p>
+      </dgm:t>
+    </dgm:pt>
+    <dgm:pt modelId="{96B79F81-3338-48F5-8D2E-15C879614D6D}" type="sibTrans" cxnId="{35930BC1-1F19-4D54-8B70-35A33E9AD8E1}">
+      <dgm:prSet/>
+      <dgm:spPr/>
+      <dgm:t>
+        <a:bodyPr/>
+        <a:lstStyle/>
+        <a:p>
+          <a:endParaRPr lang="en-US"/>
+        </a:p>
+      </dgm:t>
+    </dgm:pt>
+    <dgm:pt modelId="{AFAD3D1A-EF5C-465A-8480-C4F2F67BD54F}">
+      <dgm:prSet/>
+      <dgm:spPr/>
+      <dgm:t>
+        <a:bodyPr/>
+        <a:lstStyle/>
+        <a:p>
+          <a:r>
+            <a:rPr lang="en-US" dirty="0"/>
+            <a:t>Added database access object</a:t>
+          </a:r>
+        </a:p>
+      </dgm:t>
+    </dgm:pt>
+    <dgm:pt modelId="{E91ABB89-4C1C-4520-96A3-FE3ADBB09C58}" type="parTrans" cxnId="{BA84423C-4613-440A-BD07-F5D3F0EEF240}">
+      <dgm:prSet/>
+      <dgm:spPr/>
+      <dgm:t>
+        <a:bodyPr/>
+        <a:lstStyle/>
+        <a:p>
+          <a:endParaRPr lang="en-US"/>
+        </a:p>
+      </dgm:t>
+    </dgm:pt>
+    <dgm:pt modelId="{B88D3675-519E-4178-8D8C-84288335AB0B}" type="sibTrans" cxnId="{BA84423C-4613-440A-BD07-F5D3F0EEF240}">
+      <dgm:prSet/>
+      <dgm:spPr/>
+      <dgm:t>
+        <a:bodyPr/>
+        <a:lstStyle/>
+        <a:p>
+          <a:endParaRPr lang="en-US"/>
+        </a:p>
+      </dgm:t>
+    </dgm:pt>
+    <dgm:pt modelId="{C8257D85-8316-47B3-BF13-FF95D7BBE1E4}" type="pres">
+      <dgm:prSet presAssocID="{1B6CC77A-B64D-4901-AA6E-4338B49C3F77}" presName="linear" presStyleCnt="0">
+        <dgm:presLayoutVars>
+          <dgm:animLvl val="lvl"/>
+          <dgm:resizeHandles val="exact"/>
+        </dgm:presLayoutVars>
+      </dgm:prSet>
+      <dgm:spPr/>
+    </dgm:pt>
+    <dgm:pt modelId="{A49D0ACA-573B-469F-9B6A-4BFD87C6C9B6}" type="pres">
+      <dgm:prSet presAssocID="{08AAE530-E5BB-46B6-9A77-73EC4FA8F1C4}" presName="parentText" presStyleLbl="node1" presStyleIdx="0" presStyleCnt="1">
+        <dgm:presLayoutVars>
+          <dgm:chMax val="0"/>
+          <dgm:bulletEnabled val="1"/>
+        </dgm:presLayoutVars>
+      </dgm:prSet>
+      <dgm:spPr/>
+    </dgm:pt>
+    <dgm:pt modelId="{E9B8393E-E52D-44AF-A7AD-E233BE273D4C}" type="pres">
+      <dgm:prSet presAssocID="{08AAE530-E5BB-46B6-9A77-73EC4FA8F1C4}" presName="childText" presStyleLbl="revTx" presStyleIdx="0" presStyleCnt="1">
+        <dgm:presLayoutVars>
+          <dgm:bulletEnabled val="1"/>
+        </dgm:presLayoutVars>
+      </dgm:prSet>
+      <dgm:spPr/>
+    </dgm:pt>
+  </dgm:ptLst>
+  <dgm:cxnLst>
+    <dgm:cxn modelId="{13AC1113-DD87-452D-BA08-AC4C8EC318F3}" type="presOf" srcId="{1B6CC77A-B64D-4901-AA6E-4338B49C3F77}" destId="{C8257D85-8316-47B3-BF13-FF95D7BBE1E4}" srcOrd="0" destOrd="0" presId="urn:microsoft.com/office/officeart/2005/8/layout/vList2"/>
+    <dgm:cxn modelId="{BA84423C-4613-440A-BD07-F5D3F0EEF240}" srcId="{08AAE530-E5BB-46B6-9A77-73EC4FA8F1C4}" destId="{AFAD3D1A-EF5C-465A-8480-C4F2F67BD54F}" srcOrd="1" destOrd="0" parTransId="{E91ABB89-4C1C-4520-96A3-FE3ADBB09C58}" sibTransId="{B88D3675-519E-4178-8D8C-84288335AB0B}"/>
+    <dgm:cxn modelId="{6B70E6AD-E73B-4D76-B589-1A0A1E9A8AE1}" type="presOf" srcId="{CBF02D80-7430-4259-8AC2-8375CA8DA8E8}" destId="{E9B8393E-E52D-44AF-A7AD-E233BE273D4C}" srcOrd="0" destOrd="0" presId="urn:microsoft.com/office/officeart/2005/8/layout/vList2"/>
+    <dgm:cxn modelId="{E5AFF3AD-BD11-4899-A586-BE36609619BF}" type="presOf" srcId="{08AAE530-E5BB-46B6-9A77-73EC4FA8F1C4}" destId="{A49D0ACA-573B-469F-9B6A-4BFD87C6C9B6}" srcOrd="0" destOrd="0" presId="urn:microsoft.com/office/officeart/2005/8/layout/vList2"/>
+    <dgm:cxn modelId="{B1F74ABB-03AC-496B-B040-867C7BD48DD3}" srcId="{1B6CC77A-B64D-4901-AA6E-4338B49C3F77}" destId="{08AAE530-E5BB-46B6-9A77-73EC4FA8F1C4}" srcOrd="0" destOrd="0" parTransId="{7FACD048-99B1-41B4-84E9-AAE9CA2F5C10}" sibTransId="{A5DEDB99-A12C-4D9E-B45D-E9E9E644B49F}"/>
+    <dgm:cxn modelId="{35930BC1-1F19-4D54-8B70-35A33E9AD8E1}" srcId="{08AAE530-E5BB-46B6-9A77-73EC4FA8F1C4}" destId="{CBF02D80-7430-4259-8AC2-8375CA8DA8E8}" srcOrd="0" destOrd="0" parTransId="{8A09E9F6-B694-47C8-8594-FB2541466921}" sibTransId="{96B79F81-3338-48F5-8D2E-15C879614D6D}"/>
+    <dgm:cxn modelId="{366C47DF-FF58-470A-B3EC-02D6C0AABBBE}" type="presOf" srcId="{AFAD3D1A-EF5C-465A-8480-C4F2F67BD54F}" destId="{E9B8393E-E52D-44AF-A7AD-E233BE273D4C}" srcOrd="0" destOrd="1" presId="urn:microsoft.com/office/officeart/2005/8/layout/vList2"/>
+    <dgm:cxn modelId="{782E76AA-2F55-4559-9E8F-7F8D93A44AED}" type="presParOf" srcId="{C8257D85-8316-47B3-BF13-FF95D7BBE1E4}" destId="{A49D0ACA-573B-469F-9B6A-4BFD87C6C9B6}" srcOrd="0" destOrd="0" presId="urn:microsoft.com/office/officeart/2005/8/layout/vList2"/>
+    <dgm:cxn modelId="{06ED59AB-7987-4582-A507-21503EC28F68}" type="presParOf" srcId="{C8257D85-8316-47B3-BF13-FF95D7BBE1E4}" destId="{E9B8393E-E52D-44AF-A7AD-E233BE273D4C}" srcOrd="1" destOrd="0" presId="urn:microsoft.com/office/officeart/2005/8/layout/vList2"/>
   </dgm:cxnLst>
   <dgm:bg/>
   <dgm:whole/>
@@ -6740,8 +7700,8 @@
             <a:buNone/>
           </a:pPr>
           <a:r>
-            <a:rPr lang="en-US" sz="1900" kern="1200"/>
-            <a:t>Well established security [1]</a:t>
+            <a:rPr lang="en-US" sz="1900" kern="1200" dirty="0"/>
+            <a:t>Well established security</a:t>
           </a:r>
         </a:p>
       </dsp:txBody>
@@ -7016,8 +7976,8 @@
             <a:buNone/>
           </a:pPr>
           <a:r>
-            <a:rPr lang="en-US" sz="1900" kern="1200"/>
-            <a:t>Doesn’t handle transactions well and is prone to data corruption [1]</a:t>
+            <a:rPr lang="en-US" sz="1900" kern="1200" dirty="0"/>
+            <a:t>Doesn’t handle transactions well and is prone to data corruption </a:t>
           </a:r>
         </a:p>
       </dsp:txBody>
@@ -7925,6 +8885,188 @@
       <dsp:txXfrm>
         <a:off x="8278145" y="2355798"/>
         <a:ext cx="439026" cy="600667"/>
+      </dsp:txXfrm>
+    </dsp:sp>
+  </dsp:spTree>
+</dsp:drawing>
+</file>
+
+<file path=ppt/diagrams/drawing6.xml><?xml version="1.0" encoding="utf-8"?>
+<dsp:drawing xmlns:dgm="http://schemas.openxmlformats.org/drawingml/2006/diagram" xmlns:dsp="http://schemas.microsoft.com/office/drawing/2008/diagram" xmlns:a="http://schemas.openxmlformats.org/drawingml/2006/main">
+  <dsp:spTree>
+    <dsp:nvGrpSpPr>
+      <dsp:cNvPr id="0" name=""/>
+      <dsp:cNvGrpSpPr/>
+    </dsp:nvGrpSpPr>
+    <dsp:grpSpPr/>
+    <dsp:sp modelId="{A49D0ACA-573B-469F-9B6A-4BFD87C6C9B6}">
+      <dsp:nvSpPr>
+        <dsp:cNvPr id="0" name=""/>
+        <dsp:cNvSpPr/>
+      </dsp:nvSpPr>
+      <dsp:spPr>
+        <a:xfrm>
+          <a:off x="0" y="80040"/>
+          <a:ext cx="6628804" cy="1404000"/>
+        </a:xfrm>
+        <a:prstGeom prst="roundRect">
+          <a:avLst/>
+        </a:prstGeom>
+        <a:gradFill rotWithShape="0">
+          <a:gsLst>
+            <a:gs pos="0">
+              <a:schemeClr val="accent2">
+                <a:hueOff val="0"/>
+                <a:satOff val="0"/>
+                <a:lumOff val="0"/>
+                <a:alphaOff val="0"/>
+                <a:tint val="96000"/>
+                <a:lumMod val="100000"/>
+              </a:schemeClr>
+            </a:gs>
+            <a:gs pos="78000">
+              <a:schemeClr val="accent2">
+                <a:hueOff val="0"/>
+                <a:satOff val="0"/>
+                <a:lumOff val="0"/>
+                <a:alphaOff val="0"/>
+                <a:shade val="94000"/>
+                <a:lumMod val="94000"/>
+              </a:schemeClr>
+            </a:gs>
+          </a:gsLst>
+          <a:lin ang="5400000" scaled="0"/>
+        </a:gradFill>
+        <a:ln>
+          <a:noFill/>
+        </a:ln>
+        <a:effectLst>
+          <a:outerShdw blurRad="38100" dist="25400" dir="5400000" rotWithShape="0">
+            <a:srgbClr val="000000">
+              <a:alpha val="35000"/>
+            </a:srgbClr>
+          </a:outerShdw>
+        </a:effectLst>
+      </dsp:spPr>
+      <dsp:style>
+        <a:lnRef idx="0">
+          <a:scrgbClr r="0" g="0" b="0"/>
+        </a:lnRef>
+        <a:fillRef idx="3">
+          <a:scrgbClr r="0" g="0" b="0"/>
+        </a:fillRef>
+        <a:effectRef idx="2">
+          <a:scrgbClr r="0" g="0" b="0"/>
+        </a:effectRef>
+        <a:fontRef idx="minor">
+          <a:schemeClr val="lt1"/>
+        </a:fontRef>
+      </dsp:style>
+      <dsp:txBody>
+        <a:bodyPr spcFirstLastPara="0" vert="horz" wrap="square" lIns="228600" tIns="228600" rIns="228600" bIns="228600" numCol="1" spcCol="1270" anchor="ctr" anchorCtr="0">
+          <a:noAutofit/>
+        </a:bodyPr>
+        <a:lstStyle/>
+        <a:p>
+          <a:pPr marL="0" lvl="0" indent="0" algn="l" defTabSz="2667000">
+            <a:lnSpc>
+              <a:spcPct val="90000"/>
+            </a:lnSpc>
+            <a:spcBef>
+              <a:spcPct val="0"/>
+            </a:spcBef>
+            <a:spcAft>
+              <a:spcPct val="35000"/>
+            </a:spcAft>
+            <a:buNone/>
+          </a:pPr>
+          <a:r>
+            <a:rPr lang="en-US" sz="6000" kern="1200"/>
+            <a:t>Improvements</a:t>
+          </a:r>
+        </a:p>
+      </dsp:txBody>
+      <dsp:txXfrm>
+        <a:off x="68538" y="148578"/>
+        <a:ext cx="6491728" cy="1266924"/>
+      </dsp:txXfrm>
+    </dsp:sp>
+    <dsp:sp modelId="{E9B8393E-E52D-44AF-A7AD-E233BE273D4C}">
+      <dsp:nvSpPr>
+        <dsp:cNvPr id="0" name=""/>
+        <dsp:cNvSpPr/>
+      </dsp:nvSpPr>
+      <dsp:spPr>
+        <a:xfrm>
+          <a:off x="0" y="1484040"/>
+          <a:ext cx="6628804" cy="3415500"/>
+        </a:xfrm>
+        <a:prstGeom prst="rect">
+          <a:avLst/>
+        </a:prstGeom>
+        <a:noFill/>
+        <a:ln>
+          <a:noFill/>
+        </a:ln>
+        <a:effectLst/>
+      </dsp:spPr>
+      <dsp:style>
+        <a:lnRef idx="0">
+          <a:scrgbClr r="0" g="0" b="0"/>
+        </a:lnRef>
+        <a:fillRef idx="0">
+          <a:scrgbClr r="0" g="0" b="0"/>
+        </a:fillRef>
+        <a:effectRef idx="0">
+          <a:scrgbClr r="0" g="0" b="0"/>
+        </a:effectRef>
+        <a:fontRef idx="minor"/>
+      </dsp:style>
+      <dsp:txBody>
+        <a:bodyPr spcFirstLastPara="0" vert="horz" wrap="square" lIns="210465" tIns="76200" rIns="426720" bIns="76200" numCol="1" spcCol="1270" anchor="t" anchorCtr="0">
+          <a:noAutofit/>
+        </a:bodyPr>
+        <a:lstStyle/>
+        <a:p>
+          <a:pPr marL="285750" lvl="1" indent="-285750" algn="l" defTabSz="2089150">
+            <a:lnSpc>
+              <a:spcPct val="90000"/>
+            </a:lnSpc>
+            <a:spcBef>
+              <a:spcPct val="0"/>
+            </a:spcBef>
+            <a:spcAft>
+              <a:spcPct val="20000"/>
+            </a:spcAft>
+            <a:buChar char="•"/>
+          </a:pPr>
+          <a:r>
+            <a:rPr lang="en-US" sz="4700" kern="1200"/>
+            <a:t>Refactored into more of a traditional MVC structure</a:t>
+          </a:r>
+        </a:p>
+        <a:p>
+          <a:pPr marL="285750" lvl="1" indent="-285750" algn="l" defTabSz="2089150">
+            <a:lnSpc>
+              <a:spcPct val="90000"/>
+            </a:lnSpc>
+            <a:spcBef>
+              <a:spcPct val="0"/>
+            </a:spcBef>
+            <a:spcAft>
+              <a:spcPct val="20000"/>
+            </a:spcAft>
+            <a:buChar char="•"/>
+          </a:pPr>
+          <a:r>
+            <a:rPr lang="en-US" sz="4700" kern="1200" dirty="0"/>
+            <a:t>Added database access object</a:t>
+          </a:r>
+        </a:p>
+      </dsp:txBody>
+      <dsp:txXfrm>
+        <a:off x="0" y="1484040"/>
+        <a:ext cx="6628804" cy="3415500"/>
       </dsp:txXfrm>
     </dsp:sp>
   </dsp:spTree>
@@ -10107,6 +11249,173 @@
 </dgm:layoutDef>
 </file>
 
+<file path=ppt/diagrams/layout6.xml><?xml version="1.0" encoding="utf-8"?>
+<dgm:layoutDef xmlns:dgm="http://schemas.openxmlformats.org/drawingml/2006/diagram" xmlns:a="http://schemas.openxmlformats.org/drawingml/2006/main" uniqueId="urn:microsoft.com/office/officeart/2005/8/layout/vList2">
+  <dgm:title val=""/>
+  <dgm:desc val=""/>
+  <dgm:catLst>
+    <dgm:cat type="list" pri="3000"/>
+    <dgm:cat type="convert" pri="1000"/>
+  </dgm:catLst>
+  <dgm:sampData>
+    <dgm:dataModel>
+      <dgm:ptLst>
+        <dgm:pt modelId="0" type="doc"/>
+        <dgm:pt modelId="1">
+          <dgm:prSet phldr="1"/>
+        </dgm:pt>
+        <dgm:pt modelId="11">
+          <dgm:prSet phldr="1"/>
+        </dgm:pt>
+        <dgm:pt modelId="2">
+          <dgm:prSet phldr="1"/>
+        </dgm:pt>
+        <dgm:pt modelId="21">
+          <dgm:prSet phldr="1"/>
+        </dgm:pt>
+      </dgm:ptLst>
+      <dgm:cxnLst>
+        <dgm:cxn modelId="4" srcId="0" destId="1" srcOrd="0" destOrd="0"/>
+        <dgm:cxn modelId="5" srcId="0" destId="2" srcOrd="1" destOrd="0"/>
+        <dgm:cxn modelId="12" srcId="1" destId="11" srcOrd="0" destOrd="0"/>
+        <dgm:cxn modelId="23" srcId="2" destId="21" srcOrd="0" destOrd="0"/>
+      </dgm:cxnLst>
+      <dgm:bg/>
+      <dgm:whole/>
+    </dgm:dataModel>
+  </dgm:sampData>
+  <dgm:styleData>
+    <dgm:dataModel>
+      <dgm:ptLst>
+        <dgm:pt modelId="0" type="doc"/>
+        <dgm:pt modelId="1"/>
+        <dgm:pt modelId="2"/>
+      </dgm:ptLst>
+      <dgm:cxnLst>
+        <dgm:cxn modelId="3" srcId="0" destId="1" srcOrd="0" destOrd="0"/>
+        <dgm:cxn modelId="4" srcId="0" destId="2" srcOrd="1" destOrd="0"/>
+      </dgm:cxnLst>
+      <dgm:bg/>
+      <dgm:whole/>
+    </dgm:dataModel>
+  </dgm:styleData>
+  <dgm:clrData>
+    <dgm:dataModel>
+      <dgm:ptLst>
+        <dgm:pt modelId="0" type="doc"/>
+        <dgm:pt modelId="1"/>
+        <dgm:pt modelId="2"/>
+        <dgm:pt modelId="3"/>
+        <dgm:pt modelId="4"/>
+      </dgm:ptLst>
+      <dgm:cxnLst>
+        <dgm:cxn modelId="5" srcId="0" destId="1" srcOrd="0" destOrd="0"/>
+        <dgm:cxn modelId="6" srcId="0" destId="2" srcOrd="1" destOrd="0"/>
+        <dgm:cxn modelId="7" srcId="0" destId="3" srcOrd="2" destOrd="0"/>
+        <dgm:cxn modelId="8" srcId="0" destId="4" srcOrd="3" destOrd="0"/>
+      </dgm:cxnLst>
+      <dgm:bg/>
+      <dgm:whole/>
+    </dgm:dataModel>
+  </dgm:clrData>
+  <dgm:layoutNode name="linear">
+    <dgm:varLst>
+      <dgm:animLvl val="lvl"/>
+      <dgm:resizeHandles val="exact"/>
+    </dgm:varLst>
+    <dgm:alg type="lin">
+      <dgm:param type="linDir" val="fromT"/>
+      <dgm:param type="vertAlign" val="mid"/>
+    </dgm:alg>
+    <dgm:shape xmlns:r="http://schemas.openxmlformats.org/officeDocument/2006/relationships" r:blip="">
+      <dgm:adjLst/>
+    </dgm:shape>
+    <dgm:presOf/>
+    <dgm:constrLst>
+      <dgm:constr type="w" for="ch" forName="parentText" refType="w"/>
+      <dgm:constr type="h" for="ch" forName="parentText" refType="primFontSz" refFor="ch" refForName="parentText" fact="0.52"/>
+      <dgm:constr type="w" for="ch" forName="childText" refType="w"/>
+      <dgm:constr type="h" for="ch" forName="childText" refType="primFontSz" refFor="ch" refForName="parentText" fact="0.46"/>
+      <dgm:constr type="h" for="ch" forName="parentText" op="equ"/>
+      <dgm:constr type="primFontSz" for="ch" forName="parentText" op="equ" val="65"/>
+      <dgm:constr type="primFontSz" for="ch" forName="childText" refType="primFontSz" refFor="ch" refForName="parentText" op="equ"/>
+      <dgm:constr type="h" for="ch" forName="spacer" refType="primFontSz" refFor="ch" refForName="parentText" fact="0.08"/>
+    </dgm:constrLst>
+    <dgm:ruleLst>
+      <dgm:rule type="primFontSz" for="ch" forName="parentText" val="5" fact="NaN" max="NaN"/>
+    </dgm:ruleLst>
+    <dgm:forEach name="Name0" axis="ch" ptType="node">
+      <dgm:layoutNode name="parentText" styleLbl="node1">
+        <dgm:varLst>
+          <dgm:chMax val="0"/>
+          <dgm:bulletEnabled val="1"/>
+        </dgm:varLst>
+        <dgm:alg type="tx">
+          <dgm:param type="parTxLTRAlign" val="l"/>
+          <dgm:param type="parTxRTLAlign" val="r"/>
+        </dgm:alg>
+        <dgm:shape xmlns:r="http://schemas.openxmlformats.org/officeDocument/2006/relationships" type="roundRect" r:blip="">
+          <dgm:adjLst/>
+        </dgm:shape>
+        <dgm:presOf axis="self"/>
+        <dgm:constrLst>
+          <dgm:constr type="tMarg" refType="primFontSz" fact="0.3"/>
+          <dgm:constr type="bMarg" refType="primFontSz" fact="0.3"/>
+          <dgm:constr type="lMarg" refType="primFontSz" fact="0.3"/>
+          <dgm:constr type="rMarg" refType="primFontSz" fact="0.3"/>
+        </dgm:constrLst>
+        <dgm:ruleLst>
+          <dgm:rule type="h" val="INF" fact="NaN" max="NaN"/>
+        </dgm:ruleLst>
+      </dgm:layoutNode>
+      <dgm:choose name="Name1">
+        <dgm:if name="Name2" axis="ch" ptType="node" func="cnt" op="gte" val="1">
+          <dgm:layoutNode name="childText" styleLbl="revTx">
+            <dgm:varLst>
+              <dgm:bulletEnabled val="1"/>
+            </dgm:varLst>
+            <dgm:alg type="tx">
+              <dgm:param type="stBulletLvl" val="1"/>
+              <dgm:param type="lnSpAfChP" val="20"/>
+            </dgm:alg>
+            <dgm:shape xmlns:r="http://schemas.openxmlformats.org/officeDocument/2006/relationships" type="rect" r:blip="">
+              <dgm:adjLst/>
+            </dgm:shape>
+            <dgm:presOf axis="des" ptType="node"/>
+            <dgm:constrLst>
+              <dgm:constr type="tMarg" refType="primFontSz" fact="0.1"/>
+              <dgm:constr type="bMarg" refType="primFontSz" fact="0.1"/>
+              <dgm:constr type="lMarg" refType="w" fact="0.09"/>
+            </dgm:constrLst>
+            <dgm:ruleLst>
+              <dgm:rule type="h" val="INF" fact="NaN" max="NaN"/>
+            </dgm:ruleLst>
+          </dgm:layoutNode>
+        </dgm:if>
+        <dgm:else name="Name3">
+          <dgm:choose name="Name4">
+            <dgm:if name="Name5" axis="par ch" ptType="doc node" func="cnt" op="gte" val="2">
+              <dgm:forEach name="Name6" axis="followSib" ptType="sibTrans" cnt="1">
+                <dgm:layoutNode name="spacer">
+                  <dgm:alg type="sp"/>
+                  <dgm:shape xmlns:r="http://schemas.openxmlformats.org/officeDocument/2006/relationships" r:blip="">
+                    <dgm:adjLst/>
+                  </dgm:shape>
+                  <dgm:presOf/>
+                  <dgm:constrLst/>
+                  <dgm:ruleLst/>
+                </dgm:layoutNode>
+              </dgm:forEach>
+            </dgm:if>
+            <dgm:else name="Name7"/>
+          </dgm:choose>
+        </dgm:else>
+      </dgm:choose>
+    </dgm:forEach>
+  </dgm:layoutNode>
+</dgm:layoutDef>
+</file>
+
 <file path=ppt/diagrams/quickStyle1.xml><?xml version="1.0" encoding="utf-8"?>
 <dgm:styleDef xmlns:dgm="http://schemas.openxmlformats.org/drawingml/2006/diagram" xmlns:a="http://schemas.openxmlformats.org/drawingml/2006/main" uniqueId="urn:microsoft.com/office/officeart/2005/8/quickstyle/simple1">
   <dgm:title val=""/>
@@ -15249,6 +16558,1040 @@
         <a:scrgbClr r="0" g="0" b="0"/>
       </a:fillRef>
       <a:effectRef idx="0">
+        <a:scrgbClr r="0" g="0" b="0"/>
+      </a:effectRef>
+      <a:fontRef idx="minor"/>
+    </dgm:style>
+  </dgm:styleLbl>
+  <dgm:styleLbl name="revTx">
+    <dgm:scene3d>
+      <a:camera prst="orthographicFront"/>
+      <a:lightRig rig="threePt" dir="t"/>
+    </dgm:scene3d>
+    <dgm:sp3d/>
+    <dgm:txPr/>
+    <dgm:style>
+      <a:lnRef idx="0">
+        <a:scrgbClr r="0" g="0" b="0"/>
+      </a:lnRef>
+      <a:fillRef idx="0">
+        <a:scrgbClr r="0" g="0" b="0"/>
+      </a:fillRef>
+      <a:effectRef idx="0">
+        <a:scrgbClr r="0" g="0" b="0"/>
+      </a:effectRef>
+      <a:fontRef idx="minor"/>
+    </dgm:style>
+  </dgm:styleLbl>
+</dgm:styleDef>
+</file>
+
+<file path=ppt/diagrams/quickStyle6.xml><?xml version="1.0" encoding="utf-8"?>
+<dgm:styleDef xmlns:dgm="http://schemas.openxmlformats.org/drawingml/2006/diagram" xmlns:a="http://schemas.openxmlformats.org/drawingml/2006/main" uniqueId="urn:microsoft.com/office/officeart/2005/8/quickstyle/simple4">
+  <dgm:title val=""/>
+  <dgm:desc val=""/>
+  <dgm:catLst>
+    <dgm:cat type="simple" pri="10400"/>
+  </dgm:catLst>
+  <dgm:scene3d>
+    <a:camera prst="orthographicFront"/>
+    <a:lightRig rig="threePt" dir="t"/>
+  </dgm:scene3d>
+  <dgm:styleLbl name="node0">
+    <dgm:scene3d>
+      <a:camera prst="orthographicFront"/>
+      <a:lightRig rig="threePt" dir="t"/>
+    </dgm:scene3d>
+    <dgm:sp3d/>
+    <dgm:txPr/>
+    <dgm:style>
+      <a:lnRef idx="0">
+        <a:scrgbClr r="0" g="0" b="0"/>
+      </a:lnRef>
+      <a:fillRef idx="3">
+        <a:scrgbClr r="0" g="0" b="0"/>
+      </a:fillRef>
+      <a:effectRef idx="2">
+        <a:scrgbClr r="0" g="0" b="0"/>
+      </a:effectRef>
+      <a:fontRef idx="minor">
+        <a:schemeClr val="lt1"/>
+      </a:fontRef>
+    </dgm:style>
+  </dgm:styleLbl>
+  <dgm:styleLbl name="lnNode1">
+    <dgm:scene3d>
+      <a:camera prst="orthographicFront"/>
+      <a:lightRig rig="threePt" dir="t"/>
+    </dgm:scene3d>
+    <dgm:sp3d/>
+    <dgm:txPr/>
+    <dgm:style>
+      <a:lnRef idx="1">
+        <a:scrgbClr r="0" g="0" b="0"/>
+      </a:lnRef>
+      <a:fillRef idx="3">
+        <a:scrgbClr r="0" g="0" b="0"/>
+      </a:fillRef>
+      <a:effectRef idx="2">
+        <a:scrgbClr r="0" g="0" b="0"/>
+      </a:effectRef>
+      <a:fontRef idx="minor">
+        <a:schemeClr val="lt1"/>
+      </a:fontRef>
+    </dgm:style>
+  </dgm:styleLbl>
+  <dgm:styleLbl name="vennNode1">
+    <dgm:scene3d>
+      <a:camera prst="orthographicFront"/>
+      <a:lightRig rig="threePt" dir="t"/>
+    </dgm:scene3d>
+    <dgm:sp3d/>
+    <dgm:txPr/>
+    <dgm:style>
+      <a:lnRef idx="0">
+        <a:scrgbClr r="0" g="0" b="0"/>
+      </a:lnRef>
+      <a:fillRef idx="3">
+        <a:scrgbClr r="0" g="0" b="0"/>
+      </a:fillRef>
+      <a:effectRef idx="0">
+        <a:scrgbClr r="0" g="0" b="0"/>
+      </a:effectRef>
+      <a:fontRef idx="minor">
+        <a:schemeClr val="tx1"/>
+      </a:fontRef>
+    </dgm:style>
+  </dgm:styleLbl>
+  <dgm:styleLbl name="alignNode1">
+    <dgm:scene3d>
+      <a:camera prst="orthographicFront"/>
+      <a:lightRig rig="threePt" dir="t"/>
+    </dgm:scene3d>
+    <dgm:sp3d/>
+    <dgm:txPr/>
+    <dgm:style>
+      <a:lnRef idx="1">
+        <a:scrgbClr r="0" g="0" b="0"/>
+      </a:lnRef>
+      <a:fillRef idx="3">
+        <a:scrgbClr r="0" g="0" b="0"/>
+      </a:fillRef>
+      <a:effectRef idx="2">
+        <a:scrgbClr r="0" g="0" b="0"/>
+      </a:effectRef>
+      <a:fontRef idx="minor">
+        <a:schemeClr val="lt1"/>
+      </a:fontRef>
+    </dgm:style>
+  </dgm:styleLbl>
+  <dgm:styleLbl name="node1">
+    <dgm:scene3d>
+      <a:camera prst="orthographicFront"/>
+      <a:lightRig rig="threePt" dir="t"/>
+    </dgm:scene3d>
+    <dgm:sp3d/>
+    <dgm:txPr/>
+    <dgm:style>
+      <a:lnRef idx="0">
+        <a:scrgbClr r="0" g="0" b="0"/>
+      </a:lnRef>
+      <a:fillRef idx="3">
+        <a:scrgbClr r="0" g="0" b="0"/>
+      </a:fillRef>
+      <a:effectRef idx="2">
+        <a:scrgbClr r="0" g="0" b="0"/>
+      </a:effectRef>
+      <a:fontRef idx="minor">
+        <a:schemeClr val="lt1"/>
+      </a:fontRef>
+    </dgm:style>
+  </dgm:styleLbl>
+  <dgm:styleLbl name="node2">
+    <dgm:scene3d>
+      <a:camera prst="orthographicFront"/>
+      <a:lightRig rig="threePt" dir="t"/>
+    </dgm:scene3d>
+    <dgm:sp3d/>
+    <dgm:txPr/>
+    <dgm:style>
+      <a:lnRef idx="0">
+        <a:scrgbClr r="0" g="0" b="0"/>
+      </a:lnRef>
+      <a:fillRef idx="3">
+        <a:scrgbClr r="0" g="0" b="0"/>
+      </a:fillRef>
+      <a:effectRef idx="2">
+        <a:scrgbClr r="0" g="0" b="0"/>
+      </a:effectRef>
+      <a:fontRef idx="minor">
+        <a:schemeClr val="lt1"/>
+      </a:fontRef>
+    </dgm:style>
+  </dgm:styleLbl>
+  <dgm:styleLbl name="node3">
+    <dgm:scene3d>
+      <a:camera prst="orthographicFront"/>
+      <a:lightRig rig="threePt" dir="t"/>
+    </dgm:scene3d>
+    <dgm:sp3d/>
+    <dgm:txPr/>
+    <dgm:style>
+      <a:lnRef idx="0">
+        <a:scrgbClr r="0" g="0" b="0"/>
+      </a:lnRef>
+      <a:fillRef idx="3">
+        <a:scrgbClr r="0" g="0" b="0"/>
+      </a:fillRef>
+      <a:effectRef idx="2">
+        <a:scrgbClr r="0" g="0" b="0"/>
+      </a:effectRef>
+      <a:fontRef idx="minor">
+        <a:schemeClr val="lt1"/>
+      </a:fontRef>
+    </dgm:style>
+  </dgm:styleLbl>
+  <dgm:styleLbl name="node4">
+    <dgm:scene3d>
+      <a:camera prst="orthographicFront"/>
+      <a:lightRig rig="threePt" dir="t"/>
+    </dgm:scene3d>
+    <dgm:sp3d/>
+    <dgm:txPr/>
+    <dgm:style>
+      <a:lnRef idx="0">
+        <a:scrgbClr r="0" g="0" b="0"/>
+      </a:lnRef>
+      <a:fillRef idx="3">
+        <a:scrgbClr r="0" g="0" b="0"/>
+      </a:fillRef>
+      <a:effectRef idx="2">
+        <a:scrgbClr r="0" g="0" b="0"/>
+      </a:effectRef>
+      <a:fontRef idx="minor">
+        <a:schemeClr val="lt1"/>
+      </a:fontRef>
+    </dgm:style>
+  </dgm:styleLbl>
+  <dgm:styleLbl name="fgImgPlace1">
+    <dgm:scene3d>
+      <a:camera prst="orthographicFront"/>
+      <a:lightRig rig="threePt" dir="t"/>
+    </dgm:scene3d>
+    <dgm:sp3d/>
+    <dgm:txPr/>
+    <dgm:style>
+      <a:lnRef idx="0">
+        <a:scrgbClr r="0" g="0" b="0"/>
+      </a:lnRef>
+      <a:fillRef idx="1">
+        <a:scrgbClr r="0" g="0" b="0"/>
+      </a:fillRef>
+      <a:effectRef idx="2">
+        <a:scrgbClr r="0" g="0" b="0"/>
+      </a:effectRef>
+      <a:fontRef idx="minor"/>
+    </dgm:style>
+  </dgm:styleLbl>
+  <dgm:styleLbl name="alignImgPlace1">
+    <dgm:scene3d>
+      <a:camera prst="orthographicFront"/>
+      <a:lightRig rig="threePt" dir="t"/>
+    </dgm:scene3d>
+    <dgm:sp3d/>
+    <dgm:txPr/>
+    <dgm:style>
+      <a:lnRef idx="0">
+        <a:scrgbClr r="0" g="0" b="0"/>
+      </a:lnRef>
+      <a:fillRef idx="1">
+        <a:scrgbClr r="0" g="0" b="0"/>
+      </a:fillRef>
+      <a:effectRef idx="2">
+        <a:scrgbClr r="0" g="0" b="0"/>
+      </a:effectRef>
+      <a:fontRef idx="minor"/>
+    </dgm:style>
+  </dgm:styleLbl>
+  <dgm:styleLbl name="bgImgPlace1">
+    <dgm:scene3d>
+      <a:camera prst="orthographicFront"/>
+      <a:lightRig rig="threePt" dir="t"/>
+    </dgm:scene3d>
+    <dgm:sp3d/>
+    <dgm:txPr/>
+    <dgm:style>
+      <a:lnRef idx="0">
+        <a:scrgbClr r="0" g="0" b="0"/>
+      </a:lnRef>
+      <a:fillRef idx="1">
+        <a:scrgbClr r="0" g="0" b="0"/>
+      </a:fillRef>
+      <a:effectRef idx="2">
+        <a:scrgbClr r="0" g="0" b="0"/>
+      </a:effectRef>
+      <a:fontRef idx="minor"/>
+    </dgm:style>
+  </dgm:styleLbl>
+  <dgm:styleLbl name="sibTrans2D1">
+    <dgm:scene3d>
+      <a:camera prst="orthographicFront"/>
+      <a:lightRig rig="threePt" dir="t"/>
+    </dgm:scene3d>
+    <dgm:sp3d/>
+    <dgm:txPr/>
+    <dgm:style>
+      <a:lnRef idx="0">
+        <a:scrgbClr r="0" g="0" b="0"/>
+      </a:lnRef>
+      <a:fillRef idx="3">
+        <a:scrgbClr r="0" g="0" b="0"/>
+      </a:fillRef>
+      <a:effectRef idx="2">
+        <a:scrgbClr r="0" g="0" b="0"/>
+      </a:effectRef>
+      <a:fontRef idx="minor">
+        <a:schemeClr val="lt1"/>
+      </a:fontRef>
+    </dgm:style>
+  </dgm:styleLbl>
+  <dgm:styleLbl name="fgSibTrans2D1">
+    <dgm:scene3d>
+      <a:camera prst="orthographicFront"/>
+      <a:lightRig rig="threePt" dir="t"/>
+    </dgm:scene3d>
+    <dgm:sp3d/>
+    <dgm:txPr/>
+    <dgm:style>
+      <a:lnRef idx="0">
+        <a:scrgbClr r="0" g="0" b="0"/>
+      </a:lnRef>
+      <a:fillRef idx="3">
+        <a:scrgbClr r="0" g="0" b="0"/>
+      </a:fillRef>
+      <a:effectRef idx="2">
+        <a:scrgbClr r="0" g="0" b="0"/>
+      </a:effectRef>
+      <a:fontRef idx="minor">
+        <a:schemeClr val="lt1"/>
+      </a:fontRef>
+    </dgm:style>
+  </dgm:styleLbl>
+  <dgm:styleLbl name="bgSibTrans2D1">
+    <dgm:scene3d>
+      <a:camera prst="orthographicFront"/>
+      <a:lightRig rig="threePt" dir="t"/>
+    </dgm:scene3d>
+    <dgm:sp3d/>
+    <dgm:txPr/>
+    <dgm:style>
+      <a:lnRef idx="0">
+        <a:scrgbClr r="0" g="0" b="0"/>
+      </a:lnRef>
+      <a:fillRef idx="3">
+        <a:scrgbClr r="0" g="0" b="0"/>
+      </a:fillRef>
+      <a:effectRef idx="2">
+        <a:scrgbClr r="0" g="0" b="0"/>
+      </a:effectRef>
+      <a:fontRef idx="minor">
+        <a:schemeClr val="lt1"/>
+      </a:fontRef>
+    </dgm:style>
+  </dgm:styleLbl>
+  <dgm:styleLbl name="sibTrans1D1">
+    <dgm:scene3d>
+      <a:camera prst="orthographicFront"/>
+      <a:lightRig rig="threePt" dir="t"/>
+    </dgm:scene3d>
+    <dgm:sp3d/>
+    <dgm:txPr/>
+    <dgm:style>
+      <a:lnRef idx="1">
+        <a:scrgbClr r="0" g="0" b="0"/>
+      </a:lnRef>
+      <a:fillRef idx="0">
+        <a:scrgbClr r="0" g="0" b="0"/>
+      </a:fillRef>
+      <a:effectRef idx="0">
+        <a:scrgbClr r="0" g="0" b="0"/>
+      </a:effectRef>
+      <a:fontRef idx="minor"/>
+    </dgm:style>
+  </dgm:styleLbl>
+  <dgm:styleLbl name="callout">
+    <dgm:scene3d>
+      <a:camera prst="orthographicFront"/>
+      <a:lightRig rig="threePt" dir="t"/>
+    </dgm:scene3d>
+    <dgm:sp3d/>
+    <dgm:txPr/>
+    <dgm:style>
+      <a:lnRef idx="2">
+        <a:scrgbClr r="0" g="0" b="0"/>
+      </a:lnRef>
+      <a:fillRef idx="1">
+        <a:scrgbClr r="0" g="0" b="0"/>
+      </a:fillRef>
+      <a:effectRef idx="1">
+        <a:scrgbClr r="0" g="0" b="0"/>
+      </a:effectRef>
+      <a:fontRef idx="minor"/>
+    </dgm:style>
+  </dgm:styleLbl>
+  <dgm:styleLbl name="asst0">
+    <dgm:scene3d>
+      <a:camera prst="orthographicFront"/>
+      <a:lightRig rig="threePt" dir="t"/>
+    </dgm:scene3d>
+    <dgm:sp3d/>
+    <dgm:txPr/>
+    <dgm:style>
+      <a:lnRef idx="0">
+        <a:scrgbClr r="0" g="0" b="0"/>
+      </a:lnRef>
+      <a:fillRef idx="3">
+        <a:scrgbClr r="0" g="0" b="0"/>
+      </a:fillRef>
+      <a:effectRef idx="2">
+        <a:scrgbClr r="0" g="0" b="0"/>
+      </a:effectRef>
+      <a:fontRef idx="minor">
+        <a:schemeClr val="lt1"/>
+      </a:fontRef>
+    </dgm:style>
+  </dgm:styleLbl>
+  <dgm:styleLbl name="asst1">
+    <dgm:scene3d>
+      <a:camera prst="orthographicFront"/>
+      <a:lightRig rig="threePt" dir="t"/>
+    </dgm:scene3d>
+    <dgm:sp3d/>
+    <dgm:txPr/>
+    <dgm:style>
+      <a:lnRef idx="0">
+        <a:scrgbClr r="0" g="0" b="0"/>
+      </a:lnRef>
+      <a:fillRef idx="3">
+        <a:scrgbClr r="0" g="0" b="0"/>
+      </a:fillRef>
+      <a:effectRef idx="2">
+        <a:scrgbClr r="0" g="0" b="0"/>
+      </a:effectRef>
+      <a:fontRef idx="minor">
+        <a:schemeClr val="lt1"/>
+      </a:fontRef>
+    </dgm:style>
+  </dgm:styleLbl>
+  <dgm:styleLbl name="asst2">
+    <dgm:scene3d>
+      <a:camera prst="orthographicFront"/>
+      <a:lightRig rig="threePt" dir="t"/>
+    </dgm:scene3d>
+    <dgm:sp3d/>
+    <dgm:txPr/>
+    <dgm:style>
+      <a:lnRef idx="0">
+        <a:scrgbClr r="0" g="0" b="0"/>
+      </a:lnRef>
+      <a:fillRef idx="3">
+        <a:scrgbClr r="0" g="0" b="0"/>
+      </a:fillRef>
+      <a:effectRef idx="2">
+        <a:scrgbClr r="0" g="0" b="0"/>
+      </a:effectRef>
+      <a:fontRef idx="minor">
+        <a:schemeClr val="lt1"/>
+      </a:fontRef>
+    </dgm:style>
+  </dgm:styleLbl>
+  <dgm:styleLbl name="asst3">
+    <dgm:scene3d>
+      <a:camera prst="orthographicFront"/>
+      <a:lightRig rig="threePt" dir="t"/>
+    </dgm:scene3d>
+    <dgm:sp3d/>
+    <dgm:txPr/>
+    <dgm:style>
+      <a:lnRef idx="0">
+        <a:scrgbClr r="0" g="0" b="0"/>
+      </a:lnRef>
+      <a:fillRef idx="3">
+        <a:scrgbClr r="0" g="0" b="0"/>
+      </a:fillRef>
+      <a:effectRef idx="2">
+        <a:scrgbClr r="0" g="0" b="0"/>
+      </a:effectRef>
+      <a:fontRef idx="minor">
+        <a:schemeClr val="lt1"/>
+      </a:fontRef>
+    </dgm:style>
+  </dgm:styleLbl>
+  <dgm:styleLbl name="asst4">
+    <dgm:scene3d>
+      <a:camera prst="orthographicFront"/>
+      <a:lightRig rig="threePt" dir="t"/>
+    </dgm:scene3d>
+    <dgm:sp3d/>
+    <dgm:txPr/>
+    <dgm:style>
+      <a:lnRef idx="0">
+        <a:scrgbClr r="0" g="0" b="0"/>
+      </a:lnRef>
+      <a:fillRef idx="3">
+        <a:scrgbClr r="0" g="0" b="0"/>
+      </a:fillRef>
+      <a:effectRef idx="2">
+        <a:scrgbClr r="0" g="0" b="0"/>
+      </a:effectRef>
+      <a:fontRef idx="minor">
+        <a:schemeClr val="lt1"/>
+      </a:fontRef>
+    </dgm:style>
+  </dgm:styleLbl>
+  <dgm:styleLbl name="parChTrans2D1">
+    <dgm:scene3d>
+      <a:camera prst="orthographicFront"/>
+      <a:lightRig rig="threePt" dir="t"/>
+    </dgm:scene3d>
+    <dgm:sp3d/>
+    <dgm:txPr/>
+    <dgm:style>
+      <a:lnRef idx="0">
+        <a:scrgbClr r="0" g="0" b="0"/>
+      </a:lnRef>
+      <a:fillRef idx="3">
+        <a:scrgbClr r="0" g="0" b="0"/>
+      </a:fillRef>
+      <a:effectRef idx="2">
+        <a:scrgbClr r="0" g="0" b="0"/>
+      </a:effectRef>
+      <a:fontRef idx="minor">
+        <a:schemeClr val="lt1"/>
+      </a:fontRef>
+    </dgm:style>
+  </dgm:styleLbl>
+  <dgm:styleLbl name="parChTrans2D2">
+    <dgm:scene3d>
+      <a:camera prst="orthographicFront"/>
+      <a:lightRig rig="threePt" dir="t"/>
+    </dgm:scene3d>
+    <dgm:sp3d/>
+    <dgm:txPr/>
+    <dgm:style>
+      <a:lnRef idx="0">
+        <a:scrgbClr r="0" g="0" b="0"/>
+      </a:lnRef>
+      <a:fillRef idx="3">
+        <a:scrgbClr r="0" g="0" b="0"/>
+      </a:fillRef>
+      <a:effectRef idx="2">
+        <a:scrgbClr r="0" g="0" b="0"/>
+      </a:effectRef>
+      <a:fontRef idx="minor">
+        <a:schemeClr val="lt1"/>
+      </a:fontRef>
+    </dgm:style>
+  </dgm:styleLbl>
+  <dgm:styleLbl name="parChTrans2D3">
+    <dgm:scene3d>
+      <a:camera prst="orthographicFront"/>
+      <a:lightRig rig="threePt" dir="t"/>
+    </dgm:scene3d>
+    <dgm:sp3d/>
+    <dgm:txPr/>
+    <dgm:style>
+      <a:lnRef idx="1">
+        <a:scrgbClr r="0" g="0" b="0"/>
+      </a:lnRef>
+      <a:fillRef idx="3">
+        <a:scrgbClr r="0" g="0" b="0"/>
+      </a:fillRef>
+      <a:effectRef idx="2">
+        <a:scrgbClr r="0" g="0" b="0"/>
+      </a:effectRef>
+      <a:fontRef idx="minor">
+        <a:schemeClr val="lt1"/>
+      </a:fontRef>
+    </dgm:style>
+  </dgm:styleLbl>
+  <dgm:styleLbl name="parChTrans2D4">
+    <dgm:scene3d>
+      <a:camera prst="orthographicFront"/>
+      <a:lightRig rig="threePt" dir="t"/>
+    </dgm:scene3d>
+    <dgm:sp3d/>
+    <dgm:txPr/>
+    <dgm:style>
+      <a:lnRef idx="1">
+        <a:scrgbClr r="0" g="0" b="0"/>
+      </a:lnRef>
+      <a:fillRef idx="3">
+        <a:scrgbClr r="0" g="0" b="0"/>
+      </a:fillRef>
+      <a:effectRef idx="2">
+        <a:scrgbClr r="0" g="0" b="0"/>
+      </a:effectRef>
+      <a:fontRef idx="minor">
+        <a:schemeClr val="lt1"/>
+      </a:fontRef>
+    </dgm:style>
+  </dgm:styleLbl>
+  <dgm:styleLbl name="parChTrans1D1">
+    <dgm:scene3d>
+      <a:camera prst="orthographicFront"/>
+      <a:lightRig rig="threePt" dir="t"/>
+    </dgm:scene3d>
+    <dgm:sp3d/>
+    <dgm:txPr/>
+    <dgm:style>
+      <a:lnRef idx="1">
+        <a:scrgbClr r="0" g="0" b="0"/>
+      </a:lnRef>
+      <a:fillRef idx="0">
+        <a:scrgbClr r="0" g="0" b="0"/>
+      </a:fillRef>
+      <a:effectRef idx="0">
+        <a:scrgbClr r="0" g="0" b="0"/>
+      </a:effectRef>
+      <a:fontRef idx="minor"/>
+    </dgm:style>
+  </dgm:styleLbl>
+  <dgm:styleLbl name="parChTrans1D2">
+    <dgm:scene3d>
+      <a:camera prst="orthographicFront"/>
+      <a:lightRig rig="threePt" dir="t"/>
+    </dgm:scene3d>
+    <dgm:sp3d/>
+    <dgm:txPr/>
+    <dgm:style>
+      <a:lnRef idx="1">
+        <a:scrgbClr r="0" g="0" b="0"/>
+      </a:lnRef>
+      <a:fillRef idx="0">
+        <a:scrgbClr r="0" g="0" b="0"/>
+      </a:fillRef>
+      <a:effectRef idx="0">
+        <a:scrgbClr r="0" g="0" b="0"/>
+      </a:effectRef>
+      <a:fontRef idx="minor"/>
+    </dgm:style>
+  </dgm:styleLbl>
+  <dgm:styleLbl name="parChTrans1D3">
+    <dgm:scene3d>
+      <a:camera prst="orthographicFront"/>
+      <a:lightRig rig="threePt" dir="t"/>
+    </dgm:scene3d>
+    <dgm:sp3d/>
+    <dgm:txPr/>
+    <dgm:style>
+      <a:lnRef idx="1">
+        <a:scrgbClr r="0" g="0" b="0"/>
+      </a:lnRef>
+      <a:fillRef idx="0">
+        <a:scrgbClr r="0" g="0" b="0"/>
+      </a:fillRef>
+      <a:effectRef idx="0">
+        <a:scrgbClr r="0" g="0" b="0"/>
+      </a:effectRef>
+      <a:fontRef idx="minor"/>
+    </dgm:style>
+  </dgm:styleLbl>
+  <dgm:styleLbl name="parChTrans1D4">
+    <dgm:scene3d>
+      <a:camera prst="orthographicFront"/>
+      <a:lightRig rig="threePt" dir="t"/>
+    </dgm:scene3d>
+    <dgm:sp3d/>
+    <dgm:txPr/>
+    <dgm:style>
+      <a:lnRef idx="1">
+        <a:scrgbClr r="0" g="0" b="0"/>
+      </a:lnRef>
+      <a:fillRef idx="0">
+        <a:scrgbClr r="0" g="0" b="0"/>
+      </a:fillRef>
+      <a:effectRef idx="0">
+        <a:scrgbClr r="0" g="0" b="0"/>
+      </a:effectRef>
+      <a:fontRef idx="minor"/>
+    </dgm:style>
+  </dgm:styleLbl>
+  <dgm:styleLbl name="fgAcc1">
+    <dgm:scene3d>
+      <a:camera prst="orthographicFront"/>
+      <a:lightRig rig="threePt" dir="t"/>
+    </dgm:scene3d>
+    <dgm:sp3d/>
+    <dgm:txPr/>
+    <dgm:style>
+      <a:lnRef idx="1">
+        <a:scrgbClr r="0" g="0" b="0"/>
+      </a:lnRef>
+      <a:fillRef idx="1">
+        <a:scrgbClr r="0" g="0" b="0"/>
+      </a:fillRef>
+      <a:effectRef idx="0">
+        <a:scrgbClr r="0" g="0" b="0"/>
+      </a:effectRef>
+      <a:fontRef idx="minor"/>
+    </dgm:style>
+  </dgm:styleLbl>
+  <dgm:styleLbl name="conFgAcc1">
+    <dgm:scene3d>
+      <a:camera prst="orthographicFront"/>
+      <a:lightRig rig="threePt" dir="t"/>
+    </dgm:scene3d>
+    <dgm:sp3d/>
+    <dgm:txPr/>
+    <dgm:style>
+      <a:lnRef idx="1">
+        <a:scrgbClr r="0" g="0" b="0"/>
+      </a:lnRef>
+      <a:fillRef idx="1">
+        <a:scrgbClr r="0" g="0" b="0"/>
+      </a:fillRef>
+      <a:effectRef idx="0">
+        <a:scrgbClr r="0" g="0" b="0"/>
+      </a:effectRef>
+      <a:fontRef idx="minor"/>
+    </dgm:style>
+  </dgm:styleLbl>
+  <dgm:styleLbl name="alignAcc1">
+    <dgm:scene3d>
+      <a:camera prst="orthographicFront"/>
+      <a:lightRig rig="threePt" dir="t"/>
+    </dgm:scene3d>
+    <dgm:sp3d/>
+    <dgm:txPr/>
+    <dgm:style>
+      <a:lnRef idx="1">
+        <a:scrgbClr r="0" g="0" b="0"/>
+      </a:lnRef>
+      <a:fillRef idx="1">
+        <a:scrgbClr r="0" g="0" b="0"/>
+      </a:fillRef>
+      <a:effectRef idx="0">
+        <a:scrgbClr r="0" g="0" b="0"/>
+      </a:effectRef>
+      <a:fontRef idx="minor"/>
+    </dgm:style>
+  </dgm:styleLbl>
+  <dgm:styleLbl name="trAlignAcc1">
+    <dgm:scene3d>
+      <a:camera prst="orthographicFront"/>
+      <a:lightRig rig="threePt" dir="t"/>
+    </dgm:scene3d>
+    <dgm:sp3d/>
+    <dgm:txPr/>
+    <dgm:style>
+      <a:lnRef idx="1">
+        <a:scrgbClr r="0" g="0" b="0"/>
+      </a:lnRef>
+      <a:fillRef idx="1">
+        <a:scrgbClr r="0" g="0" b="0"/>
+      </a:fillRef>
+      <a:effectRef idx="0">
+        <a:scrgbClr r="0" g="0" b="0"/>
+      </a:effectRef>
+      <a:fontRef idx="minor"/>
+    </dgm:style>
+  </dgm:styleLbl>
+  <dgm:styleLbl name="bgAcc1">
+    <dgm:scene3d>
+      <a:camera prst="orthographicFront"/>
+      <a:lightRig rig="threePt" dir="t"/>
+    </dgm:scene3d>
+    <dgm:sp3d/>
+    <dgm:txPr/>
+    <dgm:style>
+      <a:lnRef idx="1">
+        <a:scrgbClr r="0" g="0" b="0"/>
+      </a:lnRef>
+      <a:fillRef idx="1">
+        <a:scrgbClr r="0" g="0" b="0"/>
+      </a:fillRef>
+      <a:effectRef idx="0">
+        <a:scrgbClr r="0" g="0" b="0"/>
+      </a:effectRef>
+      <a:fontRef idx="minor"/>
+    </dgm:style>
+  </dgm:styleLbl>
+  <dgm:styleLbl name="solidFgAcc1">
+    <dgm:scene3d>
+      <a:camera prst="orthographicFront"/>
+      <a:lightRig rig="threePt" dir="t"/>
+    </dgm:scene3d>
+    <dgm:sp3d/>
+    <dgm:txPr/>
+    <dgm:style>
+      <a:lnRef idx="1">
+        <a:scrgbClr r="0" g="0" b="0"/>
+      </a:lnRef>
+      <a:fillRef idx="1">
+        <a:scrgbClr r="0" g="0" b="0"/>
+      </a:fillRef>
+      <a:effectRef idx="0">
+        <a:scrgbClr r="0" g="0" b="0"/>
+      </a:effectRef>
+      <a:fontRef idx="minor"/>
+    </dgm:style>
+  </dgm:styleLbl>
+  <dgm:styleLbl name="solidAlignAcc1">
+    <dgm:scene3d>
+      <a:camera prst="orthographicFront"/>
+      <a:lightRig rig="threePt" dir="t"/>
+    </dgm:scene3d>
+    <dgm:sp3d/>
+    <dgm:txPr/>
+    <dgm:style>
+      <a:lnRef idx="1">
+        <a:scrgbClr r="0" g="0" b="0"/>
+      </a:lnRef>
+      <a:fillRef idx="1">
+        <a:scrgbClr r="0" g="0" b="0"/>
+      </a:fillRef>
+      <a:effectRef idx="0">
+        <a:scrgbClr r="0" g="0" b="0"/>
+      </a:effectRef>
+      <a:fontRef idx="minor"/>
+    </dgm:style>
+  </dgm:styleLbl>
+  <dgm:styleLbl name="solidBgAcc1">
+    <dgm:scene3d>
+      <a:camera prst="orthographicFront"/>
+      <a:lightRig rig="threePt" dir="t"/>
+    </dgm:scene3d>
+    <dgm:sp3d/>
+    <dgm:txPr/>
+    <dgm:style>
+      <a:lnRef idx="1">
+        <a:scrgbClr r="0" g="0" b="0"/>
+      </a:lnRef>
+      <a:fillRef idx="1">
+        <a:scrgbClr r="0" g="0" b="0"/>
+      </a:fillRef>
+      <a:effectRef idx="0">
+        <a:scrgbClr r="0" g="0" b="0"/>
+      </a:effectRef>
+      <a:fontRef idx="minor"/>
+    </dgm:style>
+  </dgm:styleLbl>
+  <dgm:styleLbl name="fgAccFollowNode1">
+    <dgm:scene3d>
+      <a:camera prst="orthographicFront"/>
+      <a:lightRig rig="threePt" dir="t"/>
+    </dgm:scene3d>
+    <dgm:sp3d/>
+    <dgm:txPr/>
+    <dgm:style>
+      <a:lnRef idx="1">
+        <a:scrgbClr r="0" g="0" b="0"/>
+      </a:lnRef>
+      <a:fillRef idx="1">
+        <a:scrgbClr r="0" g="0" b="0"/>
+      </a:fillRef>
+      <a:effectRef idx="0">
+        <a:scrgbClr r="0" g="0" b="0"/>
+      </a:effectRef>
+      <a:fontRef idx="minor"/>
+    </dgm:style>
+  </dgm:styleLbl>
+  <dgm:styleLbl name="alignAccFollowNode1">
+    <dgm:scene3d>
+      <a:camera prst="orthographicFront"/>
+      <a:lightRig rig="threePt" dir="t"/>
+    </dgm:scene3d>
+    <dgm:sp3d/>
+    <dgm:txPr/>
+    <dgm:style>
+      <a:lnRef idx="1">
+        <a:scrgbClr r="0" g="0" b="0"/>
+      </a:lnRef>
+      <a:fillRef idx="1">
+        <a:scrgbClr r="0" g="0" b="0"/>
+      </a:fillRef>
+      <a:effectRef idx="0">
+        <a:scrgbClr r="0" g="0" b="0"/>
+      </a:effectRef>
+      <a:fontRef idx="minor"/>
+    </dgm:style>
+  </dgm:styleLbl>
+  <dgm:styleLbl name="bgAccFollowNode1">
+    <dgm:scene3d>
+      <a:camera prst="orthographicFront"/>
+      <a:lightRig rig="threePt" dir="t"/>
+    </dgm:scene3d>
+    <dgm:sp3d/>
+    <dgm:txPr/>
+    <dgm:style>
+      <a:lnRef idx="1">
+        <a:scrgbClr r="0" g="0" b="0"/>
+      </a:lnRef>
+      <a:fillRef idx="1">
+        <a:scrgbClr r="0" g="0" b="0"/>
+      </a:fillRef>
+      <a:effectRef idx="0">
+        <a:scrgbClr r="0" g="0" b="0"/>
+      </a:effectRef>
+      <a:fontRef idx="minor"/>
+    </dgm:style>
+  </dgm:styleLbl>
+  <dgm:styleLbl name="fgAcc0">
+    <dgm:scene3d>
+      <a:camera prst="orthographicFront"/>
+      <a:lightRig rig="threePt" dir="t"/>
+    </dgm:scene3d>
+    <dgm:sp3d/>
+    <dgm:txPr/>
+    <dgm:style>
+      <a:lnRef idx="1">
+        <a:scrgbClr r="0" g="0" b="0"/>
+      </a:lnRef>
+      <a:fillRef idx="1">
+        <a:scrgbClr r="0" g="0" b="0"/>
+      </a:fillRef>
+      <a:effectRef idx="0">
+        <a:scrgbClr r="0" g="0" b="0"/>
+      </a:effectRef>
+      <a:fontRef idx="minor"/>
+    </dgm:style>
+  </dgm:styleLbl>
+  <dgm:styleLbl name="fgAcc2">
+    <dgm:scene3d>
+      <a:camera prst="orthographicFront"/>
+      <a:lightRig rig="threePt" dir="t"/>
+    </dgm:scene3d>
+    <dgm:sp3d/>
+    <dgm:txPr/>
+    <dgm:style>
+      <a:lnRef idx="1">
+        <a:scrgbClr r="0" g="0" b="0"/>
+      </a:lnRef>
+      <a:fillRef idx="1">
+        <a:scrgbClr r="0" g="0" b="0"/>
+      </a:fillRef>
+      <a:effectRef idx="0">
+        <a:scrgbClr r="0" g="0" b="0"/>
+      </a:effectRef>
+      <a:fontRef idx="minor"/>
+    </dgm:style>
+  </dgm:styleLbl>
+  <dgm:styleLbl name="fgAcc3">
+    <dgm:scene3d>
+      <a:camera prst="orthographicFront"/>
+      <a:lightRig rig="threePt" dir="t"/>
+    </dgm:scene3d>
+    <dgm:sp3d/>
+    <dgm:txPr/>
+    <dgm:style>
+      <a:lnRef idx="1">
+        <a:scrgbClr r="0" g="0" b="0"/>
+      </a:lnRef>
+      <a:fillRef idx="1">
+        <a:scrgbClr r="0" g="0" b="0"/>
+      </a:fillRef>
+      <a:effectRef idx="0">
+        <a:scrgbClr r="0" g="0" b="0"/>
+      </a:effectRef>
+      <a:fontRef idx="minor"/>
+    </dgm:style>
+  </dgm:styleLbl>
+  <dgm:styleLbl name="fgAcc4">
+    <dgm:scene3d>
+      <a:camera prst="orthographicFront"/>
+      <a:lightRig rig="threePt" dir="t"/>
+    </dgm:scene3d>
+    <dgm:sp3d/>
+    <dgm:txPr/>
+    <dgm:style>
+      <a:lnRef idx="1">
+        <a:scrgbClr r="0" g="0" b="0"/>
+      </a:lnRef>
+      <a:fillRef idx="1">
+        <a:scrgbClr r="0" g="0" b="0"/>
+      </a:fillRef>
+      <a:effectRef idx="0">
+        <a:scrgbClr r="0" g="0" b="0"/>
+      </a:effectRef>
+      <a:fontRef idx="minor"/>
+    </dgm:style>
+  </dgm:styleLbl>
+  <dgm:styleLbl name="bgShp">
+    <dgm:scene3d>
+      <a:camera prst="orthographicFront"/>
+      <a:lightRig rig="threePt" dir="t"/>
+    </dgm:scene3d>
+    <dgm:sp3d/>
+    <dgm:txPr/>
+    <dgm:style>
+      <a:lnRef idx="0">
+        <a:scrgbClr r="0" g="0" b="0"/>
+      </a:lnRef>
+      <a:fillRef idx="1">
+        <a:scrgbClr r="0" g="0" b="0"/>
+      </a:fillRef>
+      <a:effectRef idx="2">
+        <a:scrgbClr r="0" g="0" b="0"/>
+      </a:effectRef>
+      <a:fontRef idx="minor"/>
+    </dgm:style>
+  </dgm:styleLbl>
+  <dgm:styleLbl name="dkBgShp">
+    <dgm:scene3d>
+      <a:camera prst="orthographicFront"/>
+      <a:lightRig rig="threePt" dir="t"/>
+    </dgm:scene3d>
+    <dgm:sp3d/>
+    <dgm:txPr/>
+    <dgm:style>
+      <a:lnRef idx="0">
+        <a:scrgbClr r="0" g="0" b="0"/>
+      </a:lnRef>
+      <a:fillRef idx="1">
+        <a:scrgbClr r="0" g="0" b="0"/>
+      </a:fillRef>
+      <a:effectRef idx="2">
+        <a:scrgbClr r="0" g="0" b="0"/>
+      </a:effectRef>
+      <a:fontRef idx="minor"/>
+    </dgm:style>
+  </dgm:styleLbl>
+  <dgm:styleLbl name="trBgShp">
+    <dgm:scene3d>
+      <a:camera prst="orthographicFront"/>
+      <a:lightRig rig="threePt" dir="t"/>
+    </dgm:scene3d>
+    <dgm:sp3d/>
+    <dgm:txPr/>
+    <dgm:style>
+      <a:lnRef idx="0">
+        <a:scrgbClr r="0" g="0" b="0"/>
+      </a:lnRef>
+      <a:fillRef idx="1">
+        <a:scrgbClr r="0" g="0" b="0"/>
+      </a:fillRef>
+      <a:effectRef idx="0">
+        <a:scrgbClr r="0" g="0" b="0"/>
+      </a:effectRef>
+      <a:fontRef idx="minor"/>
+    </dgm:style>
+  </dgm:styleLbl>
+  <dgm:styleLbl name="fgShp">
+    <dgm:scene3d>
+      <a:camera prst="orthographicFront"/>
+      <a:lightRig rig="threePt" dir="t"/>
+    </dgm:scene3d>
+    <dgm:sp3d/>
+    <dgm:txPr/>
+    <dgm:style>
+      <a:lnRef idx="0">
+        <a:scrgbClr r="0" g="0" b="0"/>
+      </a:lnRef>
+      <a:fillRef idx="3">
+        <a:scrgbClr r="0" g="0" b="0"/>
+      </a:fillRef>
+      <a:effectRef idx="2">
         <a:scrgbClr r="0" g="0" b="0"/>
       </a:effectRef>
       <a:fontRef idx="minor"/>
@@ -16377,7 +18720,7 @@
           <a:p>
             <a:r>
               <a:rPr lang="en-US" dirty="0"/>
-              <a:t>This solution is based on solution 2 but the core architecture is refactored into a traditional MVC</a:t>
+              <a:t>This solution is based on solution 2 but the core architecture is refactored into a traditional MVC. This allows for greater modularity, scalability and maintenance as the controlling logic is separate from the model now. The other improvement we have is an addition of a database access object. This object simplifies the calls and data pushed to the data base as well as acting as an interface for the program.</a:t>
             </a:r>
           </a:p>
         </p:txBody>
@@ -16409,6 +18752,189 @@
     <p:extLst>
       <p:ext uri="{BB962C8B-B14F-4D97-AF65-F5344CB8AC3E}">
         <p14:creationId xmlns:p14="http://schemas.microsoft.com/office/powerpoint/2010/main" val="1691997281"/>
+      </p:ext>
+    </p:extLst>
+  </p:cSld>
+  <p:clrMapOvr>
+    <a:masterClrMapping/>
+  </p:clrMapOvr>
+</p:notes>
+</file>
+
+<file path=ppt/notesSlides/notesSlide8.xml><?xml version="1.0" encoding="utf-8"?>
+<p:notes xmlns:a="http://schemas.openxmlformats.org/drawingml/2006/main" xmlns:r="http://schemas.openxmlformats.org/officeDocument/2006/relationships" xmlns:p="http://schemas.openxmlformats.org/presentationml/2006/main">
+  <p:cSld>
+    <p:spTree>
+      <p:nvGrpSpPr>
+        <p:cNvPr id="1" name=""/>
+        <p:cNvGrpSpPr/>
+        <p:nvPr/>
+      </p:nvGrpSpPr>
+      <p:grpSpPr>
+        <a:xfrm>
+          <a:off x="0" y="0"/>
+          <a:ext cx="0" cy="0"/>
+          <a:chOff x="0" y="0"/>
+          <a:chExt cx="0" cy="0"/>
+        </a:xfrm>
+      </p:grpSpPr>
+      <p:sp>
+        <p:nvSpPr>
+          <p:cNvPr id="2" name="Slide Image Placeholder 1"/>
+          <p:cNvSpPr>
+            <a:spLocks noGrp="1" noRot="1" noChangeAspect="1"/>
+          </p:cNvSpPr>
+          <p:nvPr>
+            <p:ph type="sldImg"/>
+          </p:nvPr>
+        </p:nvSpPr>
+        <p:spPr/>
+      </p:sp>
+      <p:sp>
+        <p:nvSpPr>
+          <p:cNvPr id="3" name="Notes Placeholder 2"/>
+          <p:cNvSpPr>
+            <a:spLocks noGrp="1"/>
+          </p:cNvSpPr>
+          <p:nvPr>
+            <p:ph type="body" idx="1"/>
+          </p:nvPr>
+        </p:nvSpPr>
+        <p:spPr/>
+        <p:txBody>
+          <a:bodyPr/>
+          <a:lstStyle/>
+          <a:p>
+            <a:r>
+              <a:rPr lang="en-US" dirty="0"/>
+              <a:t>Pull it out of your ass</a:t>
+            </a:r>
+          </a:p>
+        </p:txBody>
+      </p:sp>
+      <p:sp>
+        <p:nvSpPr>
+          <p:cNvPr id="4" name="Slide Number Placeholder 3"/>
+          <p:cNvSpPr>
+            <a:spLocks noGrp="1"/>
+          </p:cNvSpPr>
+          <p:nvPr>
+            <p:ph type="sldNum" sz="quarter" idx="5"/>
+          </p:nvPr>
+        </p:nvSpPr>
+        <p:spPr/>
+        <p:txBody>
+          <a:bodyPr/>
+          <a:lstStyle/>
+          <a:p>
+            <a:fld id="{4816997D-8BEE-4854-B517-93770FD9ED19}" type="slidenum">
+              <a:rPr lang="en-US" smtClean="0"/>
+              <a:t>9</a:t>
+            </a:fld>
+            <a:endParaRPr lang="en-US"/>
+          </a:p>
+        </p:txBody>
+      </p:sp>
+    </p:spTree>
+    <p:extLst>
+      <p:ext uri="{BB962C8B-B14F-4D97-AF65-F5344CB8AC3E}">
+        <p14:creationId xmlns:p14="http://schemas.microsoft.com/office/powerpoint/2010/main" val="1002453145"/>
+      </p:ext>
+    </p:extLst>
+  </p:cSld>
+  <p:clrMapOvr>
+    <a:masterClrMapping/>
+  </p:clrMapOvr>
+</p:notes>
+</file>
+
+<file path=ppt/notesSlides/notesSlide9.xml><?xml version="1.0" encoding="utf-8"?>
+<p:notes xmlns:a="http://schemas.openxmlformats.org/drawingml/2006/main" xmlns:r="http://schemas.openxmlformats.org/officeDocument/2006/relationships" xmlns:p="http://schemas.openxmlformats.org/presentationml/2006/main">
+  <p:cSld>
+    <p:spTree>
+      <p:nvGrpSpPr>
+        <p:cNvPr id="1" name=""/>
+        <p:cNvGrpSpPr/>
+        <p:nvPr/>
+      </p:nvGrpSpPr>
+      <p:grpSpPr>
+        <a:xfrm>
+          <a:off x="0" y="0"/>
+          <a:ext cx="0" cy="0"/>
+          <a:chOff x="0" y="0"/>
+          <a:chExt cx="0" cy="0"/>
+        </a:xfrm>
+      </p:grpSpPr>
+      <p:sp>
+        <p:nvSpPr>
+          <p:cNvPr id="2" name="Slide Image Placeholder 1"/>
+          <p:cNvSpPr>
+            <a:spLocks noGrp="1" noRot="1" noChangeAspect="1"/>
+          </p:cNvSpPr>
+          <p:nvPr>
+            <p:ph type="sldImg"/>
+          </p:nvPr>
+        </p:nvSpPr>
+        <p:spPr/>
+      </p:sp>
+      <p:sp>
+        <p:nvSpPr>
+          <p:cNvPr id="3" name="Notes Placeholder 2"/>
+          <p:cNvSpPr>
+            <a:spLocks noGrp="1"/>
+          </p:cNvSpPr>
+          <p:nvPr>
+            <p:ph type="body" idx="1"/>
+          </p:nvPr>
+        </p:nvSpPr>
+        <p:spPr/>
+        <p:txBody>
+          <a:bodyPr/>
+          <a:lstStyle/>
+          <a:p>
+            <a:r>
+              <a:rPr lang="en-US" dirty="0"/>
+              <a:t>https://developer.android.com/design</a:t>
+            </a:r>
+          </a:p>
+          <a:p>
+            <a:endParaRPr lang="en-US" dirty="0"/>
+          </a:p>
+          <a:p>
+            <a:r>
+              <a:rPr lang="en-US" dirty="0"/>
+              <a:t>We tried to </a:t>
+            </a:r>
+          </a:p>
+        </p:txBody>
+      </p:sp>
+      <p:sp>
+        <p:nvSpPr>
+          <p:cNvPr id="4" name="Slide Number Placeholder 3"/>
+          <p:cNvSpPr>
+            <a:spLocks noGrp="1"/>
+          </p:cNvSpPr>
+          <p:nvPr>
+            <p:ph type="sldNum" sz="quarter" idx="5"/>
+          </p:nvPr>
+        </p:nvSpPr>
+        <p:spPr/>
+        <p:txBody>
+          <a:bodyPr/>
+          <a:lstStyle/>
+          <a:p>
+            <a:fld id="{4816997D-8BEE-4854-B517-93770FD9ED19}" type="slidenum">
+              <a:rPr lang="en-US" smtClean="0"/>
+              <a:t>13</a:t>
+            </a:fld>
+            <a:endParaRPr lang="en-US"/>
+          </a:p>
+        </p:txBody>
+      </p:sp>
+    </p:spTree>
+    <p:extLst>
+      <p:ext uri="{BB962C8B-B14F-4D97-AF65-F5344CB8AC3E}">
+        <p14:creationId xmlns:p14="http://schemas.microsoft.com/office/powerpoint/2010/main" val="3086661555"/>
       </p:ext>
     </p:extLst>
   </p:cSld>
@@ -23032,6 +25558,3616 @@
 </p:sld>
 </file>
 
+<file path=ppt/slides/slide10.xml><?xml version="1.0" encoding="utf-8"?>
+<p:sld xmlns:a="http://schemas.openxmlformats.org/drawingml/2006/main" xmlns:r="http://schemas.openxmlformats.org/officeDocument/2006/relationships" xmlns:p="http://schemas.openxmlformats.org/presentationml/2006/main">
+  <p:cSld>
+    <p:spTree>
+      <p:nvGrpSpPr>
+        <p:cNvPr id="1" name=""/>
+        <p:cNvGrpSpPr/>
+        <p:nvPr/>
+      </p:nvGrpSpPr>
+      <p:grpSpPr>
+        <a:xfrm>
+          <a:off x="0" y="0"/>
+          <a:ext cx="0" cy="0"/>
+          <a:chOff x="0" y="0"/>
+          <a:chExt cx="0" cy="0"/>
+        </a:xfrm>
+      </p:grpSpPr>
+      <p:sp>
+        <p:nvSpPr>
+          <p:cNvPr id="2" name="Title 1">
+            <a:extLst>
+              <a:ext uri="{FF2B5EF4-FFF2-40B4-BE49-F238E27FC236}">
+                <a16:creationId xmlns:a16="http://schemas.microsoft.com/office/drawing/2014/main" id="{734FE060-04C5-4927-B068-59C36BFFECA4}"/>
+              </a:ext>
+            </a:extLst>
+          </p:cNvPr>
+          <p:cNvSpPr>
+            <a:spLocks noGrp="1"/>
+          </p:cNvSpPr>
+          <p:nvPr>
+            <p:ph type="title"/>
+          </p:nvPr>
+        </p:nvSpPr>
+        <p:spPr/>
+        <p:txBody>
+          <a:bodyPr/>
+          <a:lstStyle/>
+          <a:p>
+            <a:r>
+              <a:rPr lang="en-US" dirty="0"/>
+              <a:t>System Interfaces</a:t>
+            </a:r>
+          </a:p>
+        </p:txBody>
+      </p:sp>
+      <p:sp>
+        <p:nvSpPr>
+          <p:cNvPr id="3" name="Content Placeholder 2">
+            <a:extLst>
+              <a:ext uri="{FF2B5EF4-FFF2-40B4-BE49-F238E27FC236}">
+                <a16:creationId xmlns:a16="http://schemas.microsoft.com/office/drawing/2014/main" id="{1DD0D4B0-0170-4984-BDCC-29DA19EF18FB}"/>
+              </a:ext>
+            </a:extLst>
+          </p:cNvPr>
+          <p:cNvSpPr>
+            <a:spLocks noGrp="1"/>
+          </p:cNvSpPr>
+          <p:nvPr>
+            <p:ph idx="1"/>
+          </p:nvPr>
+        </p:nvSpPr>
+        <p:spPr/>
+        <p:txBody>
+          <a:bodyPr/>
+          <a:lstStyle/>
+          <a:p>
+            <a:endParaRPr lang="en-US" dirty="0"/>
+          </a:p>
+        </p:txBody>
+      </p:sp>
+    </p:spTree>
+    <p:extLst>
+      <p:ext uri="{BB962C8B-B14F-4D97-AF65-F5344CB8AC3E}">
+        <p14:creationId xmlns:p14="http://schemas.microsoft.com/office/powerpoint/2010/main" val="2779605662"/>
+      </p:ext>
+    </p:extLst>
+  </p:cSld>
+  <p:clrMapOvr>
+    <a:masterClrMapping/>
+  </p:clrMapOvr>
+</p:sld>
+</file>
+
+<file path=ppt/slides/slide11.xml><?xml version="1.0" encoding="utf-8"?>
+<p:sld xmlns:a="http://schemas.openxmlformats.org/drawingml/2006/main" xmlns:r="http://schemas.openxmlformats.org/officeDocument/2006/relationships" xmlns:p="http://schemas.openxmlformats.org/presentationml/2006/main">
+  <p:cSld>
+    <p:bg>
+      <p:bgPr>
+        <a:solidFill>
+          <a:schemeClr val="bg1"/>
+        </a:solidFill>
+        <a:effectLst/>
+      </p:bgPr>
+    </p:bg>
+    <p:spTree>
+      <p:nvGrpSpPr>
+        <p:cNvPr id="1" name=""/>
+        <p:cNvGrpSpPr/>
+        <p:nvPr/>
+      </p:nvGrpSpPr>
+      <p:grpSpPr>
+        <a:xfrm>
+          <a:off x="0" y="0"/>
+          <a:ext cx="0" cy="0"/>
+          <a:chOff x="0" y="0"/>
+          <a:chExt cx="0" cy="0"/>
+        </a:xfrm>
+      </p:grpSpPr>
+      <p:grpSp>
+        <p:nvGrpSpPr>
+          <p:cNvPr id="10" name="Group 9">
+            <a:extLst>
+              <a:ext uri="{FF2B5EF4-FFF2-40B4-BE49-F238E27FC236}">
+                <a16:creationId xmlns:a16="http://schemas.microsoft.com/office/drawing/2014/main" id="{B4DE830A-B531-4A3B-96F6-0ECE88B08555}"/>
+              </a:ext>
+              <a:ext uri="{C183D7F6-B498-43B3-948B-1728B52AA6E4}">
+                <adec:decorative xmlns:adec="http://schemas.microsoft.com/office/drawing/2017/decorative" val="1"/>
+              </a:ext>
+            </a:extLst>
+          </p:cNvPr>
+          <p:cNvGrpSpPr>
+            <a:grpSpLocks noGrp="1" noUngrp="1" noRot="1" noChangeAspect="1" noMove="1" noResize="1"/>
+          </p:cNvGrpSpPr>
+          <p:nvPr>
+            <p:extLst>
+              <p:ext uri="{386F3935-93C4-4BCD-93E2-E3B085C9AB24}">
+                <p16:designElem xmlns:p16="http://schemas.microsoft.com/office/powerpoint/2015/main" val="1"/>
+              </p:ext>
+            </p:extLst>
+          </p:nvPr>
+        </p:nvGrpSpPr>
+        <p:grpSpPr>
+          <a:xfrm>
+            <a:off x="0" y="-8467"/>
+            <a:ext cx="12192000" cy="6866467"/>
+            <a:chOff x="0" y="-8467"/>
+            <a:chExt cx="12192000" cy="6866467"/>
+          </a:xfrm>
+        </p:grpSpPr>
+        <p:cxnSp>
+          <p:nvCxnSpPr>
+            <p:cNvPr id="11" name="Straight Connector 10">
+              <a:extLst>
+                <a:ext uri="{FF2B5EF4-FFF2-40B4-BE49-F238E27FC236}">
+                  <a16:creationId xmlns:a16="http://schemas.microsoft.com/office/drawing/2014/main" id="{2813DF2C-461A-4A8F-9679-A172790D1F3A}"/>
+                </a:ext>
+                <a:ext uri="{C183D7F6-B498-43B3-948B-1728B52AA6E4}">
+                  <adec:decorative xmlns:adec="http://schemas.microsoft.com/office/drawing/2017/decorative" val="1"/>
+                </a:ext>
+              </a:extLst>
+            </p:cNvPr>
+            <p:cNvCxnSpPr/>
+            <p:nvPr>
+              <p:extLst>
+                <p:ext uri="{386F3935-93C4-4BCD-93E2-E3B085C9AB24}">
+                  <p16:designElem xmlns:p16="http://schemas.microsoft.com/office/powerpoint/2015/main" val="1"/>
+                </p:ext>
+              </p:extLst>
+            </p:nvPr>
+          </p:nvCxnSpPr>
+          <p:spPr>
+            <a:xfrm>
+              <a:off x="9371012" y="0"/>
+              <a:ext cx="1219200" cy="6858000"/>
+            </a:xfrm>
+            <a:prstGeom prst="line">
+              <a:avLst/>
+            </a:prstGeom>
+            <a:ln w="9525">
+              <a:solidFill>
+                <a:schemeClr val="bg1">
+                  <a:lumMod val="75000"/>
+                </a:schemeClr>
+              </a:solidFill>
+            </a:ln>
+          </p:spPr>
+          <p:style>
+            <a:lnRef idx="2">
+              <a:schemeClr val="accent1"/>
+            </a:lnRef>
+            <a:fillRef idx="0">
+              <a:schemeClr val="accent1"/>
+            </a:fillRef>
+            <a:effectRef idx="1">
+              <a:schemeClr val="accent1"/>
+            </a:effectRef>
+            <a:fontRef idx="minor">
+              <a:schemeClr val="tx1"/>
+            </a:fontRef>
+          </p:style>
+        </p:cxnSp>
+        <p:cxnSp>
+          <p:nvCxnSpPr>
+            <p:cNvPr id="12" name="Straight Connector 11">
+              <a:extLst>
+                <a:ext uri="{FF2B5EF4-FFF2-40B4-BE49-F238E27FC236}">
+                  <a16:creationId xmlns:a16="http://schemas.microsoft.com/office/drawing/2014/main" id="{54CD3A85-C039-4249-86E4-1EB9318B5495}"/>
+                </a:ext>
+                <a:ext uri="{C183D7F6-B498-43B3-948B-1728B52AA6E4}">
+                  <adec:decorative xmlns:adec="http://schemas.microsoft.com/office/drawing/2017/decorative" val="1"/>
+                </a:ext>
+              </a:extLst>
+            </p:cNvPr>
+            <p:cNvCxnSpPr/>
+            <p:nvPr>
+              <p:extLst>
+                <p:ext uri="{386F3935-93C4-4BCD-93E2-E3B085C9AB24}">
+                  <p16:designElem xmlns:p16="http://schemas.microsoft.com/office/powerpoint/2015/main" val="1"/>
+                </p:ext>
+              </p:extLst>
+            </p:nvPr>
+          </p:nvCxnSpPr>
+          <p:spPr>
+            <a:xfrm flipH="1">
+              <a:off x="7425267" y="3681413"/>
+              <a:ext cx="4763558" cy="3176587"/>
+            </a:xfrm>
+            <a:prstGeom prst="line">
+              <a:avLst/>
+            </a:prstGeom>
+            <a:ln w="9525">
+              <a:solidFill>
+                <a:schemeClr val="bg1">
+                  <a:lumMod val="85000"/>
+                </a:schemeClr>
+              </a:solidFill>
+            </a:ln>
+          </p:spPr>
+          <p:style>
+            <a:lnRef idx="2">
+              <a:schemeClr val="accent1"/>
+            </a:lnRef>
+            <a:fillRef idx="0">
+              <a:schemeClr val="accent1"/>
+            </a:fillRef>
+            <a:effectRef idx="1">
+              <a:schemeClr val="accent1"/>
+            </a:effectRef>
+            <a:fontRef idx="minor">
+              <a:schemeClr val="tx1"/>
+            </a:fontRef>
+          </p:style>
+        </p:cxnSp>
+        <p:sp>
+          <p:nvSpPr>
+            <p:cNvPr id="13" name="Rectangle 23">
+              <a:extLst>
+                <a:ext uri="{FF2B5EF4-FFF2-40B4-BE49-F238E27FC236}">
+                  <a16:creationId xmlns:a16="http://schemas.microsoft.com/office/drawing/2014/main" id="{887EA6D2-2883-42C2-993D-094CA6D65DA3}"/>
+                </a:ext>
+                <a:ext uri="{C183D7F6-B498-43B3-948B-1728B52AA6E4}">
+                  <adec:decorative xmlns:adec="http://schemas.microsoft.com/office/drawing/2017/decorative" val="1"/>
+                </a:ext>
+              </a:extLst>
+            </p:cNvPr>
+            <p:cNvSpPr/>
+            <p:nvPr>
+              <p:extLst>
+                <p:ext uri="{386F3935-93C4-4BCD-93E2-E3B085C9AB24}">
+                  <p16:designElem xmlns:p16="http://schemas.microsoft.com/office/powerpoint/2015/main" val="1"/>
+                </p:ext>
+              </p:extLst>
+            </p:nvPr>
+          </p:nvSpPr>
+          <p:spPr>
+            <a:xfrm>
+              <a:off x="9181476" y="-8467"/>
+              <a:ext cx="3007349" cy="6866467"/>
+            </a:xfrm>
+            <a:custGeom>
+              <a:avLst/>
+              <a:gdLst/>
+              <a:ahLst/>
+              <a:cxnLst/>
+              <a:rect l="l" t="t" r="r" b="b"/>
+              <a:pathLst>
+                <a:path w="3007349" h="6866467">
+                  <a:moveTo>
+                    <a:pt x="2045532" y="0"/>
+                  </a:moveTo>
+                  <a:lnTo>
+                    <a:pt x="3007349" y="0"/>
+                  </a:lnTo>
+                  <a:lnTo>
+                    <a:pt x="3007349" y="6866467"/>
+                  </a:lnTo>
+                  <a:lnTo>
+                    <a:pt x="0" y="6866467"/>
+                  </a:lnTo>
+                  <a:lnTo>
+                    <a:pt x="2045532" y="0"/>
+                  </a:lnTo>
+                  <a:close/>
+                </a:path>
+              </a:pathLst>
+            </a:custGeom>
+            <a:solidFill>
+              <a:schemeClr val="accent1">
+                <a:alpha val="30000"/>
+              </a:schemeClr>
+            </a:solidFill>
+            <a:ln>
+              <a:noFill/>
+            </a:ln>
+            <a:effectLst/>
+          </p:spPr>
+          <p:style>
+            <a:lnRef idx="1">
+              <a:schemeClr val="accent1"/>
+            </a:lnRef>
+            <a:fillRef idx="3">
+              <a:schemeClr val="accent1"/>
+            </a:fillRef>
+            <a:effectRef idx="2">
+              <a:schemeClr val="accent1"/>
+            </a:effectRef>
+            <a:fontRef idx="minor">
+              <a:schemeClr val="lt1"/>
+            </a:fontRef>
+          </p:style>
+        </p:sp>
+        <p:sp>
+          <p:nvSpPr>
+            <p:cNvPr id="14" name="Rectangle 25">
+              <a:extLst>
+                <a:ext uri="{FF2B5EF4-FFF2-40B4-BE49-F238E27FC236}">
+                  <a16:creationId xmlns:a16="http://schemas.microsoft.com/office/drawing/2014/main" id="{3B895046-636F-4D1B-ACA4-29AA0CB3329F}"/>
+                </a:ext>
+                <a:ext uri="{C183D7F6-B498-43B3-948B-1728B52AA6E4}">
+                  <adec:decorative xmlns:adec="http://schemas.microsoft.com/office/drawing/2017/decorative" val="1"/>
+                </a:ext>
+              </a:extLst>
+            </p:cNvPr>
+            <p:cNvSpPr/>
+            <p:nvPr>
+              <p:extLst>
+                <p:ext uri="{386F3935-93C4-4BCD-93E2-E3B085C9AB24}">
+                  <p16:designElem xmlns:p16="http://schemas.microsoft.com/office/powerpoint/2015/main" val="1"/>
+                </p:ext>
+              </p:extLst>
+            </p:nvPr>
+          </p:nvSpPr>
+          <p:spPr>
+            <a:xfrm>
+              <a:off x="9603442" y="-8467"/>
+              <a:ext cx="2588558" cy="6866467"/>
+            </a:xfrm>
+            <a:custGeom>
+              <a:avLst/>
+              <a:gdLst/>
+              <a:ahLst/>
+              <a:cxnLst/>
+              <a:rect l="l" t="t" r="r" b="b"/>
+              <a:pathLst>
+                <a:path w="2573311" h="6866467">
+                  <a:moveTo>
+                    <a:pt x="0" y="0"/>
+                  </a:moveTo>
+                  <a:lnTo>
+                    <a:pt x="2573311" y="0"/>
+                  </a:lnTo>
+                  <a:lnTo>
+                    <a:pt x="2573311" y="6866467"/>
+                  </a:lnTo>
+                  <a:lnTo>
+                    <a:pt x="1202336" y="6866467"/>
+                  </a:lnTo>
+                  <a:lnTo>
+                    <a:pt x="0" y="0"/>
+                  </a:lnTo>
+                  <a:close/>
+                </a:path>
+              </a:pathLst>
+            </a:custGeom>
+            <a:solidFill>
+              <a:schemeClr val="accent1">
+                <a:alpha val="20000"/>
+              </a:schemeClr>
+            </a:solidFill>
+            <a:ln>
+              <a:noFill/>
+            </a:ln>
+            <a:effectLst/>
+          </p:spPr>
+          <p:style>
+            <a:lnRef idx="1">
+              <a:schemeClr val="accent1"/>
+            </a:lnRef>
+            <a:fillRef idx="3">
+              <a:schemeClr val="accent1"/>
+            </a:fillRef>
+            <a:effectRef idx="2">
+              <a:schemeClr val="accent1"/>
+            </a:effectRef>
+            <a:fontRef idx="minor">
+              <a:schemeClr val="lt1"/>
+            </a:fontRef>
+          </p:style>
+        </p:sp>
+        <p:sp>
+          <p:nvSpPr>
+            <p:cNvPr id="15" name="Isosceles Triangle 14">
+              <a:extLst>
+                <a:ext uri="{FF2B5EF4-FFF2-40B4-BE49-F238E27FC236}">
+                  <a16:creationId xmlns:a16="http://schemas.microsoft.com/office/drawing/2014/main" id="{C6B0CDE3-E054-4EDD-A43B-F96843D8BF51}"/>
+                </a:ext>
+                <a:ext uri="{C183D7F6-B498-43B3-948B-1728B52AA6E4}">
+                  <adec:decorative xmlns:adec="http://schemas.microsoft.com/office/drawing/2017/decorative" val="1"/>
+                </a:ext>
+              </a:extLst>
+            </p:cNvPr>
+            <p:cNvSpPr/>
+            <p:nvPr>
+              <p:extLst>
+                <p:ext uri="{386F3935-93C4-4BCD-93E2-E3B085C9AB24}">
+                  <p16:designElem xmlns:p16="http://schemas.microsoft.com/office/powerpoint/2015/main" val="1"/>
+                </p:ext>
+              </p:extLst>
+            </p:nvPr>
+          </p:nvSpPr>
+          <p:spPr>
+            <a:xfrm>
+              <a:off x="8932333" y="3048000"/>
+              <a:ext cx="3259667" cy="3810000"/>
+            </a:xfrm>
+            <a:prstGeom prst="triangle">
+              <a:avLst>
+                <a:gd name="adj" fmla="val 100000"/>
+              </a:avLst>
+            </a:prstGeom>
+            <a:solidFill>
+              <a:schemeClr val="accent2">
+                <a:alpha val="72000"/>
+              </a:schemeClr>
+            </a:solidFill>
+            <a:ln>
+              <a:noFill/>
+            </a:ln>
+            <a:effectLst/>
+          </p:spPr>
+          <p:style>
+            <a:lnRef idx="1">
+              <a:schemeClr val="accent1"/>
+            </a:lnRef>
+            <a:fillRef idx="3">
+              <a:schemeClr val="accent1"/>
+            </a:fillRef>
+            <a:effectRef idx="2">
+              <a:schemeClr val="accent1"/>
+            </a:effectRef>
+            <a:fontRef idx="minor">
+              <a:schemeClr val="lt1"/>
+            </a:fontRef>
+          </p:style>
+        </p:sp>
+        <p:sp>
+          <p:nvSpPr>
+            <p:cNvPr id="16" name="Rectangle 27">
+              <a:extLst>
+                <a:ext uri="{FF2B5EF4-FFF2-40B4-BE49-F238E27FC236}">
+                  <a16:creationId xmlns:a16="http://schemas.microsoft.com/office/drawing/2014/main" id="{3B66B1A2-F145-4C9B-85CC-4BF30D58CBC5}"/>
+                </a:ext>
+                <a:ext uri="{C183D7F6-B498-43B3-948B-1728B52AA6E4}">
+                  <adec:decorative xmlns:adec="http://schemas.microsoft.com/office/drawing/2017/decorative" val="1"/>
+                </a:ext>
+              </a:extLst>
+            </p:cNvPr>
+            <p:cNvSpPr/>
+            <p:nvPr>
+              <p:extLst>
+                <p:ext uri="{386F3935-93C4-4BCD-93E2-E3B085C9AB24}">
+                  <p16:designElem xmlns:p16="http://schemas.microsoft.com/office/powerpoint/2015/main" val="1"/>
+                </p:ext>
+              </p:extLst>
+            </p:nvPr>
+          </p:nvSpPr>
+          <p:spPr>
+            <a:xfrm>
+              <a:off x="9334500" y="-8467"/>
+              <a:ext cx="2854326" cy="6866467"/>
+            </a:xfrm>
+            <a:custGeom>
+              <a:avLst/>
+              <a:gdLst/>
+              <a:ahLst/>
+              <a:cxnLst/>
+              <a:rect l="l" t="t" r="r" b="b"/>
+              <a:pathLst>
+                <a:path w="2858013" h="6866467">
+                  <a:moveTo>
+                    <a:pt x="0" y="0"/>
+                  </a:moveTo>
+                  <a:lnTo>
+                    <a:pt x="2858013" y="0"/>
+                  </a:lnTo>
+                  <a:lnTo>
+                    <a:pt x="2858013" y="6866467"/>
+                  </a:lnTo>
+                  <a:lnTo>
+                    <a:pt x="2473942" y="6866467"/>
+                  </a:lnTo>
+                  <a:lnTo>
+                    <a:pt x="0" y="0"/>
+                  </a:lnTo>
+                  <a:close/>
+                </a:path>
+              </a:pathLst>
+            </a:custGeom>
+            <a:solidFill>
+              <a:schemeClr val="accent2">
+                <a:lumMod val="75000"/>
+                <a:alpha val="70000"/>
+              </a:schemeClr>
+            </a:solidFill>
+            <a:ln>
+              <a:noFill/>
+            </a:ln>
+            <a:effectLst/>
+          </p:spPr>
+          <p:style>
+            <a:lnRef idx="1">
+              <a:schemeClr val="accent1"/>
+            </a:lnRef>
+            <a:fillRef idx="3">
+              <a:schemeClr val="accent1"/>
+            </a:fillRef>
+            <a:effectRef idx="2">
+              <a:schemeClr val="accent1"/>
+            </a:effectRef>
+            <a:fontRef idx="minor">
+              <a:schemeClr val="lt1"/>
+            </a:fontRef>
+          </p:style>
+        </p:sp>
+        <p:sp>
+          <p:nvSpPr>
+            <p:cNvPr id="17" name="Rectangle 28">
+              <a:extLst>
+                <a:ext uri="{FF2B5EF4-FFF2-40B4-BE49-F238E27FC236}">
+                  <a16:creationId xmlns:a16="http://schemas.microsoft.com/office/drawing/2014/main" id="{5D4FC972-94B3-4035-8D31-E668C132B411}"/>
+                </a:ext>
+                <a:ext uri="{C183D7F6-B498-43B3-948B-1728B52AA6E4}">
+                  <adec:decorative xmlns:adec="http://schemas.microsoft.com/office/drawing/2017/decorative" val="1"/>
+                </a:ext>
+              </a:extLst>
+            </p:cNvPr>
+            <p:cNvSpPr/>
+            <p:nvPr>
+              <p:extLst>
+                <p:ext uri="{386F3935-93C4-4BCD-93E2-E3B085C9AB24}">
+                  <p16:designElem xmlns:p16="http://schemas.microsoft.com/office/powerpoint/2015/main" val="1"/>
+                </p:ext>
+              </p:extLst>
+            </p:nvPr>
+          </p:nvSpPr>
+          <p:spPr>
+            <a:xfrm>
+              <a:off x="10898730" y="-8467"/>
+              <a:ext cx="1290094" cy="6866467"/>
+            </a:xfrm>
+            <a:custGeom>
+              <a:avLst/>
+              <a:gdLst/>
+              <a:ahLst/>
+              <a:cxnLst/>
+              <a:rect l="l" t="t" r="r" b="b"/>
+              <a:pathLst>
+                <a:path w="1290094" h="6858000">
+                  <a:moveTo>
+                    <a:pt x="1019735" y="0"/>
+                  </a:moveTo>
+                  <a:lnTo>
+                    <a:pt x="1290094" y="0"/>
+                  </a:lnTo>
+                  <a:lnTo>
+                    <a:pt x="1290094" y="6858000"/>
+                  </a:lnTo>
+                  <a:lnTo>
+                    <a:pt x="0" y="6858000"/>
+                  </a:lnTo>
+                  <a:lnTo>
+                    <a:pt x="1019735" y="0"/>
+                  </a:lnTo>
+                  <a:close/>
+                </a:path>
+              </a:pathLst>
+            </a:custGeom>
+            <a:solidFill>
+              <a:schemeClr val="accent1">
+                <a:lumMod val="60000"/>
+                <a:lumOff val="40000"/>
+                <a:alpha val="70000"/>
+              </a:schemeClr>
+            </a:solidFill>
+            <a:ln>
+              <a:noFill/>
+            </a:ln>
+            <a:effectLst/>
+          </p:spPr>
+          <p:style>
+            <a:lnRef idx="1">
+              <a:schemeClr val="accent1"/>
+            </a:lnRef>
+            <a:fillRef idx="3">
+              <a:schemeClr val="accent1"/>
+            </a:fillRef>
+            <a:effectRef idx="2">
+              <a:schemeClr val="accent1"/>
+            </a:effectRef>
+            <a:fontRef idx="minor">
+              <a:schemeClr val="lt1"/>
+            </a:fontRef>
+          </p:style>
+        </p:sp>
+        <p:sp>
+          <p:nvSpPr>
+            <p:cNvPr id="18" name="Rectangle 29">
+              <a:extLst>
+                <a:ext uri="{FF2B5EF4-FFF2-40B4-BE49-F238E27FC236}">
+                  <a16:creationId xmlns:a16="http://schemas.microsoft.com/office/drawing/2014/main" id="{374B9941-AFBE-4A77-A50E-B6EA04A746AE}"/>
+                </a:ext>
+                <a:ext uri="{C183D7F6-B498-43B3-948B-1728B52AA6E4}">
+                  <adec:decorative xmlns:adec="http://schemas.microsoft.com/office/drawing/2017/decorative" val="1"/>
+                </a:ext>
+              </a:extLst>
+            </p:cNvPr>
+            <p:cNvSpPr/>
+            <p:nvPr>
+              <p:extLst>
+                <p:ext uri="{386F3935-93C4-4BCD-93E2-E3B085C9AB24}">
+                  <p16:designElem xmlns:p16="http://schemas.microsoft.com/office/powerpoint/2015/main" val="1"/>
+                </p:ext>
+              </p:extLst>
+            </p:nvPr>
+          </p:nvSpPr>
+          <p:spPr>
+            <a:xfrm>
+              <a:off x="10938999" y="-8467"/>
+              <a:ext cx="1249825" cy="6866467"/>
+            </a:xfrm>
+            <a:custGeom>
+              <a:avLst/>
+              <a:gdLst/>
+              <a:ahLst/>
+              <a:cxnLst/>
+              <a:rect l="l" t="t" r="r" b="b"/>
+              <a:pathLst>
+                <a:path w="1249825" h="6858000">
+                  <a:moveTo>
+                    <a:pt x="0" y="0"/>
+                  </a:moveTo>
+                  <a:lnTo>
+                    <a:pt x="1249825" y="0"/>
+                  </a:lnTo>
+                  <a:lnTo>
+                    <a:pt x="1249825" y="6858000"/>
+                  </a:lnTo>
+                  <a:lnTo>
+                    <a:pt x="1109382" y="6858000"/>
+                  </a:lnTo>
+                  <a:lnTo>
+                    <a:pt x="0" y="0"/>
+                  </a:lnTo>
+                  <a:close/>
+                </a:path>
+              </a:pathLst>
+            </a:custGeom>
+            <a:solidFill>
+              <a:schemeClr val="accent1">
+                <a:alpha val="65000"/>
+              </a:schemeClr>
+            </a:solidFill>
+            <a:ln>
+              <a:noFill/>
+            </a:ln>
+            <a:effectLst/>
+          </p:spPr>
+          <p:style>
+            <a:lnRef idx="1">
+              <a:schemeClr val="accent1"/>
+            </a:lnRef>
+            <a:fillRef idx="3">
+              <a:schemeClr val="accent1"/>
+            </a:fillRef>
+            <a:effectRef idx="2">
+              <a:schemeClr val="accent1"/>
+            </a:effectRef>
+            <a:fontRef idx="minor">
+              <a:schemeClr val="lt1"/>
+            </a:fontRef>
+          </p:style>
+        </p:sp>
+        <p:sp>
+          <p:nvSpPr>
+            <p:cNvPr id="19" name="Isosceles Triangle 18">
+              <a:extLst>
+                <a:ext uri="{FF2B5EF4-FFF2-40B4-BE49-F238E27FC236}">
+                  <a16:creationId xmlns:a16="http://schemas.microsoft.com/office/drawing/2014/main" id="{27A982C5-2C38-4CE9-BC18-94697AD657FB}"/>
+                </a:ext>
+                <a:ext uri="{C183D7F6-B498-43B3-948B-1728B52AA6E4}">
+                  <adec:decorative xmlns:adec="http://schemas.microsoft.com/office/drawing/2017/decorative" val="1"/>
+                </a:ext>
+              </a:extLst>
+            </p:cNvPr>
+            <p:cNvSpPr/>
+            <p:nvPr>
+              <p:extLst>
+                <p:ext uri="{386F3935-93C4-4BCD-93E2-E3B085C9AB24}">
+                  <p16:designElem xmlns:p16="http://schemas.microsoft.com/office/powerpoint/2015/main" val="1"/>
+                </p:ext>
+              </p:extLst>
+            </p:nvPr>
+          </p:nvSpPr>
+          <p:spPr>
+            <a:xfrm>
+              <a:off x="10371666" y="3589867"/>
+              <a:ext cx="1817159" cy="3268133"/>
+            </a:xfrm>
+            <a:prstGeom prst="triangle">
+              <a:avLst>
+                <a:gd name="adj" fmla="val 100000"/>
+              </a:avLst>
+            </a:prstGeom>
+            <a:solidFill>
+              <a:schemeClr val="accent1">
+                <a:alpha val="80000"/>
+              </a:schemeClr>
+            </a:solidFill>
+            <a:ln>
+              <a:noFill/>
+            </a:ln>
+            <a:effectLst/>
+          </p:spPr>
+          <p:style>
+            <a:lnRef idx="1">
+              <a:schemeClr val="accent1"/>
+            </a:lnRef>
+            <a:fillRef idx="3">
+              <a:schemeClr val="accent1"/>
+            </a:fillRef>
+            <a:effectRef idx="2">
+              <a:schemeClr val="accent1"/>
+            </a:effectRef>
+            <a:fontRef idx="minor">
+              <a:schemeClr val="lt1"/>
+            </a:fontRef>
+          </p:style>
+        </p:sp>
+        <p:sp>
+          <p:nvSpPr>
+            <p:cNvPr id="20" name="Isosceles Triangle 19">
+              <a:extLst>
+                <a:ext uri="{FF2B5EF4-FFF2-40B4-BE49-F238E27FC236}">
+                  <a16:creationId xmlns:a16="http://schemas.microsoft.com/office/drawing/2014/main" id="{0060D8D1-7BB1-498F-AFBB-ADAC130A9E90}"/>
+                </a:ext>
+                <a:ext uri="{C183D7F6-B498-43B3-948B-1728B52AA6E4}">
+                  <adec:decorative xmlns:adec="http://schemas.microsoft.com/office/drawing/2017/decorative" val="1"/>
+                </a:ext>
+              </a:extLst>
+            </p:cNvPr>
+            <p:cNvSpPr/>
+            <p:nvPr>
+              <p:extLst>
+                <p:ext uri="{386F3935-93C4-4BCD-93E2-E3B085C9AB24}">
+                  <p16:designElem xmlns:p16="http://schemas.microsoft.com/office/powerpoint/2015/main" val="1"/>
+                </p:ext>
+              </p:extLst>
+            </p:nvPr>
+          </p:nvSpPr>
+          <p:spPr>
+            <a:xfrm rot="10800000">
+              <a:off x="0" y="0"/>
+              <a:ext cx="842596" cy="5666154"/>
+            </a:xfrm>
+            <a:prstGeom prst="triangle">
+              <a:avLst>
+                <a:gd name="adj" fmla="val 100000"/>
+              </a:avLst>
+            </a:prstGeom>
+            <a:solidFill>
+              <a:schemeClr val="accent1">
+                <a:alpha val="85000"/>
+              </a:schemeClr>
+            </a:solidFill>
+            <a:ln>
+              <a:noFill/>
+            </a:ln>
+            <a:effectLst/>
+          </p:spPr>
+          <p:style>
+            <a:lnRef idx="1">
+              <a:schemeClr val="accent1"/>
+            </a:lnRef>
+            <a:fillRef idx="3">
+              <a:schemeClr val="accent1"/>
+            </a:fillRef>
+            <a:effectRef idx="2">
+              <a:schemeClr val="accent1"/>
+            </a:effectRef>
+            <a:fontRef idx="minor">
+              <a:schemeClr val="lt1"/>
+            </a:fontRef>
+          </p:style>
+        </p:sp>
+      </p:grpSp>
+      <p:sp>
+        <p:nvSpPr>
+          <p:cNvPr id="2" name="Title 1">
+            <a:extLst>
+              <a:ext uri="{FF2B5EF4-FFF2-40B4-BE49-F238E27FC236}">
+                <a16:creationId xmlns:a16="http://schemas.microsoft.com/office/drawing/2014/main" id="{29E2A180-83D3-4B51-A257-4E0C2170E5AD}"/>
+              </a:ext>
+            </a:extLst>
+          </p:cNvPr>
+          <p:cNvSpPr>
+            <a:spLocks noGrp="1"/>
+          </p:cNvSpPr>
+          <p:nvPr>
+            <p:ph type="title"/>
+          </p:nvPr>
+        </p:nvSpPr>
+        <p:spPr>
+          <a:xfrm>
+            <a:off x="995621" y="4569838"/>
+            <a:ext cx="8288032" cy="1096316"/>
+          </a:xfrm>
+        </p:spPr>
+        <p:txBody>
+          <a:bodyPr vert="horz" lIns="91440" tIns="45720" rIns="91440" bIns="45720" rtlCol="0" anchor="b">
+            <a:normAutofit/>
+          </a:bodyPr>
+          <a:lstStyle/>
+          <a:p>
+            <a:pPr algn="ctr"/>
+            <a:r>
+              <a:rPr lang="en-US" sz="4800" kern="1200">
+                <a:solidFill>
+                  <a:schemeClr val="accent1"/>
+                </a:solidFill>
+                <a:latin typeface="+mj-lt"/>
+                <a:ea typeface="+mj-ea"/>
+                <a:cs typeface="+mj-cs"/>
+              </a:rPr>
+              <a:t>User Interface Design</a:t>
+            </a:r>
+          </a:p>
+        </p:txBody>
+      </p:sp>
+      <p:pic>
+        <p:nvPicPr>
+          <p:cNvPr id="26" name="Picture 25" descr="Diagram&#10;&#10;Description automatically generated">
+            <a:extLst>
+              <a:ext uri="{FF2B5EF4-FFF2-40B4-BE49-F238E27FC236}">
+                <a16:creationId xmlns:a16="http://schemas.microsoft.com/office/drawing/2014/main" id="{D13B4893-F56E-4401-A607-C66D70080865}"/>
+              </a:ext>
+            </a:extLst>
+          </p:cNvPr>
+          <p:cNvPicPr>
+            <a:picLocks noChangeAspect="1"/>
+          </p:cNvPicPr>
+          <p:nvPr/>
+        </p:nvPicPr>
+        <p:blipFill rotWithShape="1">
+          <a:blip r:embed="rId2">
+            <a:extLst>
+              <a:ext uri="{28A0092B-C50C-407E-A947-70E740481C1C}">
+                <a14:useLocalDpi xmlns:a14="http://schemas.microsoft.com/office/drawing/2010/main" val="0"/>
+              </a:ext>
+            </a:extLst>
+          </a:blip>
+          <a:srcRect l="1549" t="3601" r="66912" b="49349"/>
+          <a:stretch/>
+        </p:blipFill>
+        <p:spPr>
+          <a:xfrm>
+            <a:off x="4022278" y="890887"/>
+            <a:ext cx="2028496" cy="3226676"/>
+          </a:xfrm>
+          <a:prstGeom prst="rect">
+            <a:avLst/>
+          </a:prstGeom>
+          <a:solidFill>
+            <a:srgbClr val="FFFFFF">
+              <a:shade val="85000"/>
+            </a:srgbClr>
+          </a:solidFill>
+          <a:ln w="88900" cap="sq">
+            <a:solidFill>
+              <a:srgbClr val="FFFFFF"/>
+            </a:solidFill>
+            <a:miter lim="800000"/>
+          </a:ln>
+          <a:effectLst>
+            <a:outerShdw blurRad="55000" dist="18000" dir="5400000" algn="tl" rotWithShape="0">
+              <a:srgbClr val="000000">
+                <a:alpha val="40000"/>
+              </a:srgbClr>
+            </a:outerShdw>
+          </a:effectLst>
+          <a:scene3d>
+            <a:camera prst="orthographicFront"/>
+            <a:lightRig rig="twoPt" dir="t">
+              <a:rot lat="0" lon="0" rev="7200000"/>
+            </a:lightRig>
+          </a:scene3d>
+          <a:sp3d>
+            <a:bevelT w="25400" h="19050"/>
+            <a:contourClr>
+              <a:srgbClr val="FFFFFF"/>
+            </a:contourClr>
+          </a:sp3d>
+        </p:spPr>
+      </p:pic>
+      <p:pic>
+        <p:nvPicPr>
+          <p:cNvPr id="28" name="Picture 27" descr="Diagram&#10;&#10;Description automatically generated">
+            <a:extLst>
+              <a:ext uri="{FF2B5EF4-FFF2-40B4-BE49-F238E27FC236}">
+                <a16:creationId xmlns:a16="http://schemas.microsoft.com/office/drawing/2014/main" id="{968282DD-6F72-476D-B367-F48EDCE73467}"/>
+              </a:ext>
+            </a:extLst>
+          </p:cNvPr>
+          <p:cNvPicPr>
+            <a:picLocks noChangeAspect="1"/>
+          </p:cNvPicPr>
+          <p:nvPr/>
+        </p:nvPicPr>
+        <p:blipFill rotWithShape="1">
+          <a:blip r:embed="rId2">
+            <a:extLst>
+              <a:ext uri="{28A0092B-C50C-407E-A947-70E740481C1C}">
+                <a14:useLocalDpi xmlns:a14="http://schemas.microsoft.com/office/drawing/2010/main" val="0"/>
+              </a:ext>
+            </a:extLst>
+          </a:blip>
+          <a:srcRect l="34230" t="2950" r="34230" b="50000"/>
+          <a:stretch/>
+        </p:blipFill>
+        <p:spPr>
+          <a:xfrm>
+            <a:off x="1130327" y="890887"/>
+            <a:ext cx="2028496" cy="3226676"/>
+          </a:xfrm>
+          <a:prstGeom prst="rect">
+            <a:avLst/>
+          </a:prstGeom>
+          <a:solidFill>
+            <a:srgbClr val="FFFFFF">
+              <a:shade val="85000"/>
+            </a:srgbClr>
+          </a:solidFill>
+          <a:ln w="88900" cap="sq">
+            <a:solidFill>
+              <a:srgbClr val="FFFFFF"/>
+            </a:solidFill>
+            <a:miter lim="800000"/>
+          </a:ln>
+          <a:effectLst>
+            <a:outerShdw blurRad="55000" dist="18000" dir="5400000" algn="tl" rotWithShape="0">
+              <a:srgbClr val="000000">
+                <a:alpha val="40000"/>
+              </a:srgbClr>
+            </a:outerShdw>
+          </a:effectLst>
+          <a:scene3d>
+            <a:camera prst="orthographicFront"/>
+            <a:lightRig rig="twoPt" dir="t">
+              <a:rot lat="0" lon="0" rev="7200000"/>
+            </a:lightRig>
+          </a:scene3d>
+          <a:sp3d>
+            <a:bevelT w="25400" h="19050"/>
+            <a:contourClr>
+              <a:srgbClr val="FFFFFF"/>
+            </a:contourClr>
+          </a:sp3d>
+        </p:spPr>
+      </p:pic>
+      <p:pic>
+        <p:nvPicPr>
+          <p:cNvPr id="30" name="Picture 29" descr="Diagram&#10;&#10;Description automatically generated">
+            <a:extLst>
+              <a:ext uri="{FF2B5EF4-FFF2-40B4-BE49-F238E27FC236}">
+                <a16:creationId xmlns:a16="http://schemas.microsoft.com/office/drawing/2014/main" id="{82943E9B-AA50-4B3D-91E1-04096DA86140}"/>
+              </a:ext>
+            </a:extLst>
+          </p:cNvPr>
+          <p:cNvPicPr>
+            <a:picLocks noChangeAspect="1"/>
+          </p:cNvPicPr>
+          <p:nvPr/>
+        </p:nvPicPr>
+        <p:blipFill rotWithShape="1">
+          <a:blip r:embed="rId2">
+            <a:extLst>
+              <a:ext uri="{28A0092B-C50C-407E-A947-70E740481C1C}">
+                <a14:useLocalDpi xmlns:a14="http://schemas.microsoft.com/office/drawing/2010/main" val="0"/>
+              </a:ext>
+            </a:extLst>
+          </a:blip>
+          <a:srcRect l="-144" t="51801" r="65768" b="1149"/>
+          <a:stretch/>
+        </p:blipFill>
+        <p:spPr>
+          <a:xfrm>
+            <a:off x="6934771" y="890887"/>
+            <a:ext cx="2210877" cy="3226676"/>
+          </a:xfrm>
+          <a:prstGeom prst="rect">
+            <a:avLst/>
+          </a:prstGeom>
+          <a:solidFill>
+            <a:srgbClr val="FFFFFF">
+              <a:shade val="85000"/>
+            </a:srgbClr>
+          </a:solidFill>
+          <a:ln w="88900" cap="sq">
+            <a:solidFill>
+              <a:srgbClr val="FFFFFF"/>
+            </a:solidFill>
+            <a:miter lim="800000"/>
+          </a:ln>
+          <a:effectLst>
+            <a:outerShdw blurRad="55000" dist="18000" dir="5400000" algn="tl" rotWithShape="0">
+              <a:srgbClr val="000000">
+                <a:alpha val="40000"/>
+              </a:srgbClr>
+            </a:outerShdw>
+          </a:effectLst>
+          <a:scene3d>
+            <a:camera prst="orthographicFront"/>
+            <a:lightRig rig="twoPt" dir="t">
+              <a:rot lat="0" lon="0" rev="7200000"/>
+            </a:lightRig>
+          </a:scene3d>
+          <a:sp3d>
+            <a:bevelT w="25400" h="19050"/>
+            <a:contourClr>
+              <a:srgbClr val="FFFFFF"/>
+            </a:contourClr>
+          </a:sp3d>
+        </p:spPr>
+      </p:pic>
+      <p:cxnSp>
+        <p:nvCxnSpPr>
+          <p:cNvPr id="32" name="Straight Arrow Connector 31">
+            <a:extLst>
+              <a:ext uri="{FF2B5EF4-FFF2-40B4-BE49-F238E27FC236}">
+                <a16:creationId xmlns:a16="http://schemas.microsoft.com/office/drawing/2014/main" id="{94CF773F-B9DF-4327-AA05-E4B50AAB0D90}"/>
+              </a:ext>
+            </a:extLst>
+          </p:cNvPr>
+          <p:cNvCxnSpPr>
+            <a:cxnSpLocks/>
+            <a:stCxn id="28" idx="3"/>
+            <a:endCxn id="26" idx="1"/>
+          </p:cNvCxnSpPr>
+          <p:nvPr/>
+        </p:nvCxnSpPr>
+        <p:spPr>
+          <a:xfrm>
+            <a:off x="3158823" y="2504225"/>
+            <a:ext cx="863455" cy="0"/>
+          </a:xfrm>
+          <a:prstGeom prst="straightConnector1">
+            <a:avLst/>
+          </a:prstGeom>
+          <a:ln w="38100">
+            <a:solidFill>
+              <a:schemeClr val="tx1"/>
+            </a:solidFill>
+            <a:tailEnd type="triangle"/>
+          </a:ln>
+        </p:spPr>
+        <p:style>
+          <a:lnRef idx="1">
+            <a:schemeClr val="accent1"/>
+          </a:lnRef>
+          <a:fillRef idx="0">
+            <a:schemeClr val="accent1"/>
+          </a:fillRef>
+          <a:effectRef idx="0">
+            <a:schemeClr val="accent1"/>
+          </a:effectRef>
+          <a:fontRef idx="minor">
+            <a:schemeClr val="tx1"/>
+          </a:fontRef>
+        </p:style>
+      </p:cxnSp>
+      <p:cxnSp>
+        <p:nvCxnSpPr>
+          <p:cNvPr id="35" name="Straight Arrow Connector 34">
+            <a:extLst>
+              <a:ext uri="{FF2B5EF4-FFF2-40B4-BE49-F238E27FC236}">
+                <a16:creationId xmlns:a16="http://schemas.microsoft.com/office/drawing/2014/main" id="{94CE58D0-414E-4DD9-8A0D-01811BE974DB}"/>
+              </a:ext>
+            </a:extLst>
+          </p:cNvPr>
+          <p:cNvCxnSpPr>
+            <a:cxnSpLocks/>
+          </p:cNvCxnSpPr>
+          <p:nvPr/>
+        </p:nvCxnSpPr>
+        <p:spPr>
+          <a:xfrm>
+            <a:off x="6050774" y="2504225"/>
+            <a:ext cx="905496" cy="0"/>
+          </a:xfrm>
+          <a:prstGeom prst="straightConnector1">
+            <a:avLst/>
+          </a:prstGeom>
+          <a:ln w="38100">
+            <a:solidFill>
+              <a:schemeClr val="tx1"/>
+            </a:solidFill>
+            <a:tailEnd type="triangle"/>
+          </a:ln>
+        </p:spPr>
+        <p:style>
+          <a:lnRef idx="1">
+            <a:schemeClr val="accent1"/>
+          </a:lnRef>
+          <a:fillRef idx="0">
+            <a:schemeClr val="accent1"/>
+          </a:fillRef>
+          <a:effectRef idx="0">
+            <a:schemeClr val="accent1"/>
+          </a:effectRef>
+          <a:fontRef idx="minor">
+            <a:schemeClr val="tx1"/>
+          </a:fontRef>
+        </p:style>
+      </p:cxnSp>
+    </p:spTree>
+    <p:extLst>
+      <p:ext uri="{BB962C8B-B14F-4D97-AF65-F5344CB8AC3E}">
+        <p14:creationId xmlns:p14="http://schemas.microsoft.com/office/powerpoint/2010/main" val="4177323068"/>
+      </p:ext>
+    </p:extLst>
+  </p:cSld>
+  <p:clrMapOvr>
+    <a:masterClrMapping/>
+  </p:clrMapOvr>
+</p:sld>
+</file>
+
+<file path=ppt/slides/slide12.xml><?xml version="1.0" encoding="utf-8"?>
+<p:sld xmlns:a="http://schemas.openxmlformats.org/drawingml/2006/main" xmlns:r="http://schemas.openxmlformats.org/officeDocument/2006/relationships" xmlns:p="http://schemas.openxmlformats.org/presentationml/2006/main">
+  <p:cSld>
+    <p:bg>
+      <p:bgPr>
+        <a:solidFill>
+          <a:schemeClr val="bg1"/>
+        </a:solidFill>
+        <a:effectLst/>
+      </p:bgPr>
+    </p:bg>
+    <p:spTree>
+      <p:nvGrpSpPr>
+        <p:cNvPr id="1" name=""/>
+        <p:cNvGrpSpPr/>
+        <p:nvPr/>
+      </p:nvGrpSpPr>
+      <p:grpSpPr>
+        <a:xfrm>
+          <a:off x="0" y="0"/>
+          <a:ext cx="0" cy="0"/>
+          <a:chOff x="0" y="0"/>
+          <a:chExt cx="0" cy="0"/>
+        </a:xfrm>
+      </p:grpSpPr>
+      <p:grpSp>
+        <p:nvGrpSpPr>
+          <p:cNvPr id="10" name="Group 9">
+            <a:extLst>
+              <a:ext uri="{FF2B5EF4-FFF2-40B4-BE49-F238E27FC236}">
+                <a16:creationId xmlns:a16="http://schemas.microsoft.com/office/drawing/2014/main" id="{B4DE830A-B531-4A3B-96F6-0ECE88B08555}"/>
+              </a:ext>
+              <a:ext uri="{C183D7F6-B498-43B3-948B-1728B52AA6E4}">
+                <adec:decorative xmlns:adec="http://schemas.microsoft.com/office/drawing/2017/decorative" val="1"/>
+              </a:ext>
+            </a:extLst>
+          </p:cNvPr>
+          <p:cNvGrpSpPr>
+            <a:grpSpLocks noGrp="1" noUngrp="1" noRot="1" noChangeAspect="1" noMove="1" noResize="1"/>
+          </p:cNvGrpSpPr>
+          <p:nvPr>
+            <p:extLst>
+              <p:ext uri="{386F3935-93C4-4BCD-93E2-E3B085C9AB24}">
+                <p16:designElem xmlns:p16="http://schemas.microsoft.com/office/powerpoint/2015/main" val="1"/>
+              </p:ext>
+            </p:extLst>
+          </p:nvPr>
+        </p:nvGrpSpPr>
+        <p:grpSpPr>
+          <a:xfrm>
+            <a:off x="0" y="-8467"/>
+            <a:ext cx="12192000" cy="6866467"/>
+            <a:chOff x="0" y="-8467"/>
+            <a:chExt cx="12192000" cy="6866467"/>
+          </a:xfrm>
+        </p:grpSpPr>
+        <p:cxnSp>
+          <p:nvCxnSpPr>
+            <p:cNvPr id="11" name="Straight Connector 10">
+              <a:extLst>
+                <a:ext uri="{FF2B5EF4-FFF2-40B4-BE49-F238E27FC236}">
+                  <a16:creationId xmlns:a16="http://schemas.microsoft.com/office/drawing/2014/main" id="{2813DF2C-461A-4A8F-9679-A172790D1F3A}"/>
+                </a:ext>
+                <a:ext uri="{C183D7F6-B498-43B3-948B-1728B52AA6E4}">
+                  <adec:decorative xmlns:adec="http://schemas.microsoft.com/office/drawing/2017/decorative" val="1"/>
+                </a:ext>
+              </a:extLst>
+            </p:cNvPr>
+            <p:cNvCxnSpPr/>
+            <p:nvPr>
+              <p:extLst>
+                <p:ext uri="{386F3935-93C4-4BCD-93E2-E3B085C9AB24}">
+                  <p16:designElem xmlns:p16="http://schemas.microsoft.com/office/powerpoint/2015/main" val="1"/>
+                </p:ext>
+              </p:extLst>
+            </p:nvPr>
+          </p:nvCxnSpPr>
+          <p:spPr>
+            <a:xfrm>
+              <a:off x="9371012" y="0"/>
+              <a:ext cx="1219200" cy="6858000"/>
+            </a:xfrm>
+            <a:prstGeom prst="line">
+              <a:avLst/>
+            </a:prstGeom>
+            <a:ln w="9525">
+              <a:solidFill>
+                <a:schemeClr val="bg1">
+                  <a:lumMod val="75000"/>
+                </a:schemeClr>
+              </a:solidFill>
+            </a:ln>
+          </p:spPr>
+          <p:style>
+            <a:lnRef idx="2">
+              <a:schemeClr val="accent1"/>
+            </a:lnRef>
+            <a:fillRef idx="0">
+              <a:schemeClr val="accent1"/>
+            </a:fillRef>
+            <a:effectRef idx="1">
+              <a:schemeClr val="accent1"/>
+            </a:effectRef>
+            <a:fontRef idx="minor">
+              <a:schemeClr val="tx1"/>
+            </a:fontRef>
+          </p:style>
+        </p:cxnSp>
+        <p:cxnSp>
+          <p:nvCxnSpPr>
+            <p:cNvPr id="12" name="Straight Connector 11">
+              <a:extLst>
+                <a:ext uri="{FF2B5EF4-FFF2-40B4-BE49-F238E27FC236}">
+                  <a16:creationId xmlns:a16="http://schemas.microsoft.com/office/drawing/2014/main" id="{54CD3A85-C039-4249-86E4-1EB9318B5495}"/>
+                </a:ext>
+                <a:ext uri="{C183D7F6-B498-43B3-948B-1728B52AA6E4}">
+                  <adec:decorative xmlns:adec="http://schemas.microsoft.com/office/drawing/2017/decorative" val="1"/>
+                </a:ext>
+              </a:extLst>
+            </p:cNvPr>
+            <p:cNvCxnSpPr/>
+            <p:nvPr>
+              <p:extLst>
+                <p:ext uri="{386F3935-93C4-4BCD-93E2-E3B085C9AB24}">
+                  <p16:designElem xmlns:p16="http://schemas.microsoft.com/office/powerpoint/2015/main" val="1"/>
+                </p:ext>
+              </p:extLst>
+            </p:nvPr>
+          </p:nvCxnSpPr>
+          <p:spPr>
+            <a:xfrm flipH="1">
+              <a:off x="7425267" y="3681413"/>
+              <a:ext cx="4763558" cy="3176587"/>
+            </a:xfrm>
+            <a:prstGeom prst="line">
+              <a:avLst/>
+            </a:prstGeom>
+            <a:ln w="9525">
+              <a:solidFill>
+                <a:schemeClr val="bg1">
+                  <a:lumMod val="85000"/>
+                </a:schemeClr>
+              </a:solidFill>
+            </a:ln>
+          </p:spPr>
+          <p:style>
+            <a:lnRef idx="2">
+              <a:schemeClr val="accent1"/>
+            </a:lnRef>
+            <a:fillRef idx="0">
+              <a:schemeClr val="accent1"/>
+            </a:fillRef>
+            <a:effectRef idx="1">
+              <a:schemeClr val="accent1"/>
+            </a:effectRef>
+            <a:fontRef idx="minor">
+              <a:schemeClr val="tx1"/>
+            </a:fontRef>
+          </p:style>
+        </p:cxnSp>
+        <p:sp>
+          <p:nvSpPr>
+            <p:cNvPr id="13" name="Rectangle 23">
+              <a:extLst>
+                <a:ext uri="{FF2B5EF4-FFF2-40B4-BE49-F238E27FC236}">
+                  <a16:creationId xmlns:a16="http://schemas.microsoft.com/office/drawing/2014/main" id="{887EA6D2-2883-42C2-993D-094CA6D65DA3}"/>
+                </a:ext>
+                <a:ext uri="{C183D7F6-B498-43B3-948B-1728B52AA6E4}">
+                  <adec:decorative xmlns:adec="http://schemas.microsoft.com/office/drawing/2017/decorative" val="1"/>
+                </a:ext>
+              </a:extLst>
+            </p:cNvPr>
+            <p:cNvSpPr/>
+            <p:nvPr>
+              <p:extLst>
+                <p:ext uri="{386F3935-93C4-4BCD-93E2-E3B085C9AB24}">
+                  <p16:designElem xmlns:p16="http://schemas.microsoft.com/office/powerpoint/2015/main" val="1"/>
+                </p:ext>
+              </p:extLst>
+            </p:nvPr>
+          </p:nvSpPr>
+          <p:spPr>
+            <a:xfrm>
+              <a:off x="9181476" y="-8467"/>
+              <a:ext cx="3007349" cy="6866467"/>
+            </a:xfrm>
+            <a:custGeom>
+              <a:avLst/>
+              <a:gdLst/>
+              <a:ahLst/>
+              <a:cxnLst/>
+              <a:rect l="l" t="t" r="r" b="b"/>
+              <a:pathLst>
+                <a:path w="3007349" h="6866467">
+                  <a:moveTo>
+                    <a:pt x="2045532" y="0"/>
+                  </a:moveTo>
+                  <a:lnTo>
+                    <a:pt x="3007349" y="0"/>
+                  </a:lnTo>
+                  <a:lnTo>
+                    <a:pt x="3007349" y="6866467"/>
+                  </a:lnTo>
+                  <a:lnTo>
+                    <a:pt x="0" y="6866467"/>
+                  </a:lnTo>
+                  <a:lnTo>
+                    <a:pt x="2045532" y="0"/>
+                  </a:lnTo>
+                  <a:close/>
+                </a:path>
+              </a:pathLst>
+            </a:custGeom>
+            <a:solidFill>
+              <a:schemeClr val="accent1">
+                <a:alpha val="30000"/>
+              </a:schemeClr>
+            </a:solidFill>
+            <a:ln>
+              <a:noFill/>
+            </a:ln>
+            <a:effectLst/>
+          </p:spPr>
+          <p:style>
+            <a:lnRef idx="1">
+              <a:schemeClr val="accent1"/>
+            </a:lnRef>
+            <a:fillRef idx="3">
+              <a:schemeClr val="accent1"/>
+            </a:fillRef>
+            <a:effectRef idx="2">
+              <a:schemeClr val="accent1"/>
+            </a:effectRef>
+            <a:fontRef idx="minor">
+              <a:schemeClr val="lt1"/>
+            </a:fontRef>
+          </p:style>
+        </p:sp>
+        <p:sp>
+          <p:nvSpPr>
+            <p:cNvPr id="14" name="Rectangle 25">
+              <a:extLst>
+                <a:ext uri="{FF2B5EF4-FFF2-40B4-BE49-F238E27FC236}">
+                  <a16:creationId xmlns:a16="http://schemas.microsoft.com/office/drawing/2014/main" id="{3B895046-636F-4D1B-ACA4-29AA0CB3329F}"/>
+                </a:ext>
+                <a:ext uri="{C183D7F6-B498-43B3-948B-1728B52AA6E4}">
+                  <adec:decorative xmlns:adec="http://schemas.microsoft.com/office/drawing/2017/decorative" val="1"/>
+                </a:ext>
+              </a:extLst>
+            </p:cNvPr>
+            <p:cNvSpPr/>
+            <p:nvPr>
+              <p:extLst>
+                <p:ext uri="{386F3935-93C4-4BCD-93E2-E3B085C9AB24}">
+                  <p16:designElem xmlns:p16="http://schemas.microsoft.com/office/powerpoint/2015/main" val="1"/>
+                </p:ext>
+              </p:extLst>
+            </p:nvPr>
+          </p:nvSpPr>
+          <p:spPr>
+            <a:xfrm>
+              <a:off x="9603442" y="-8467"/>
+              <a:ext cx="2588558" cy="6866467"/>
+            </a:xfrm>
+            <a:custGeom>
+              <a:avLst/>
+              <a:gdLst/>
+              <a:ahLst/>
+              <a:cxnLst/>
+              <a:rect l="l" t="t" r="r" b="b"/>
+              <a:pathLst>
+                <a:path w="2573311" h="6866467">
+                  <a:moveTo>
+                    <a:pt x="0" y="0"/>
+                  </a:moveTo>
+                  <a:lnTo>
+                    <a:pt x="2573311" y="0"/>
+                  </a:lnTo>
+                  <a:lnTo>
+                    <a:pt x="2573311" y="6866467"/>
+                  </a:lnTo>
+                  <a:lnTo>
+                    <a:pt x="1202336" y="6866467"/>
+                  </a:lnTo>
+                  <a:lnTo>
+                    <a:pt x="0" y="0"/>
+                  </a:lnTo>
+                  <a:close/>
+                </a:path>
+              </a:pathLst>
+            </a:custGeom>
+            <a:solidFill>
+              <a:schemeClr val="accent1">
+                <a:alpha val="20000"/>
+              </a:schemeClr>
+            </a:solidFill>
+            <a:ln>
+              <a:noFill/>
+            </a:ln>
+            <a:effectLst/>
+          </p:spPr>
+          <p:style>
+            <a:lnRef idx="1">
+              <a:schemeClr val="accent1"/>
+            </a:lnRef>
+            <a:fillRef idx="3">
+              <a:schemeClr val="accent1"/>
+            </a:fillRef>
+            <a:effectRef idx="2">
+              <a:schemeClr val="accent1"/>
+            </a:effectRef>
+            <a:fontRef idx="minor">
+              <a:schemeClr val="lt1"/>
+            </a:fontRef>
+          </p:style>
+        </p:sp>
+        <p:sp>
+          <p:nvSpPr>
+            <p:cNvPr id="15" name="Isosceles Triangle 14">
+              <a:extLst>
+                <a:ext uri="{FF2B5EF4-FFF2-40B4-BE49-F238E27FC236}">
+                  <a16:creationId xmlns:a16="http://schemas.microsoft.com/office/drawing/2014/main" id="{C6B0CDE3-E054-4EDD-A43B-F96843D8BF51}"/>
+                </a:ext>
+                <a:ext uri="{C183D7F6-B498-43B3-948B-1728B52AA6E4}">
+                  <adec:decorative xmlns:adec="http://schemas.microsoft.com/office/drawing/2017/decorative" val="1"/>
+                </a:ext>
+              </a:extLst>
+            </p:cNvPr>
+            <p:cNvSpPr/>
+            <p:nvPr>
+              <p:extLst>
+                <p:ext uri="{386F3935-93C4-4BCD-93E2-E3B085C9AB24}">
+                  <p16:designElem xmlns:p16="http://schemas.microsoft.com/office/powerpoint/2015/main" val="1"/>
+                </p:ext>
+              </p:extLst>
+            </p:nvPr>
+          </p:nvSpPr>
+          <p:spPr>
+            <a:xfrm>
+              <a:off x="8932333" y="3048000"/>
+              <a:ext cx="3259667" cy="3810000"/>
+            </a:xfrm>
+            <a:prstGeom prst="triangle">
+              <a:avLst>
+                <a:gd name="adj" fmla="val 100000"/>
+              </a:avLst>
+            </a:prstGeom>
+            <a:solidFill>
+              <a:schemeClr val="accent2">
+                <a:alpha val="72000"/>
+              </a:schemeClr>
+            </a:solidFill>
+            <a:ln>
+              <a:noFill/>
+            </a:ln>
+            <a:effectLst/>
+          </p:spPr>
+          <p:style>
+            <a:lnRef idx="1">
+              <a:schemeClr val="accent1"/>
+            </a:lnRef>
+            <a:fillRef idx="3">
+              <a:schemeClr val="accent1"/>
+            </a:fillRef>
+            <a:effectRef idx="2">
+              <a:schemeClr val="accent1"/>
+            </a:effectRef>
+            <a:fontRef idx="minor">
+              <a:schemeClr val="lt1"/>
+            </a:fontRef>
+          </p:style>
+        </p:sp>
+        <p:sp>
+          <p:nvSpPr>
+            <p:cNvPr id="16" name="Rectangle 27">
+              <a:extLst>
+                <a:ext uri="{FF2B5EF4-FFF2-40B4-BE49-F238E27FC236}">
+                  <a16:creationId xmlns:a16="http://schemas.microsoft.com/office/drawing/2014/main" id="{3B66B1A2-F145-4C9B-85CC-4BF30D58CBC5}"/>
+                </a:ext>
+                <a:ext uri="{C183D7F6-B498-43B3-948B-1728B52AA6E4}">
+                  <adec:decorative xmlns:adec="http://schemas.microsoft.com/office/drawing/2017/decorative" val="1"/>
+                </a:ext>
+              </a:extLst>
+            </p:cNvPr>
+            <p:cNvSpPr/>
+            <p:nvPr>
+              <p:extLst>
+                <p:ext uri="{386F3935-93C4-4BCD-93E2-E3B085C9AB24}">
+                  <p16:designElem xmlns:p16="http://schemas.microsoft.com/office/powerpoint/2015/main" val="1"/>
+                </p:ext>
+              </p:extLst>
+            </p:nvPr>
+          </p:nvSpPr>
+          <p:spPr>
+            <a:xfrm>
+              <a:off x="9334500" y="-8467"/>
+              <a:ext cx="2854326" cy="6866467"/>
+            </a:xfrm>
+            <a:custGeom>
+              <a:avLst/>
+              <a:gdLst/>
+              <a:ahLst/>
+              <a:cxnLst/>
+              <a:rect l="l" t="t" r="r" b="b"/>
+              <a:pathLst>
+                <a:path w="2858013" h="6866467">
+                  <a:moveTo>
+                    <a:pt x="0" y="0"/>
+                  </a:moveTo>
+                  <a:lnTo>
+                    <a:pt x="2858013" y="0"/>
+                  </a:lnTo>
+                  <a:lnTo>
+                    <a:pt x="2858013" y="6866467"/>
+                  </a:lnTo>
+                  <a:lnTo>
+                    <a:pt x="2473942" y="6866467"/>
+                  </a:lnTo>
+                  <a:lnTo>
+                    <a:pt x="0" y="0"/>
+                  </a:lnTo>
+                  <a:close/>
+                </a:path>
+              </a:pathLst>
+            </a:custGeom>
+            <a:solidFill>
+              <a:schemeClr val="accent2">
+                <a:lumMod val="75000"/>
+                <a:alpha val="70000"/>
+              </a:schemeClr>
+            </a:solidFill>
+            <a:ln>
+              <a:noFill/>
+            </a:ln>
+            <a:effectLst/>
+          </p:spPr>
+          <p:style>
+            <a:lnRef idx="1">
+              <a:schemeClr val="accent1"/>
+            </a:lnRef>
+            <a:fillRef idx="3">
+              <a:schemeClr val="accent1"/>
+            </a:fillRef>
+            <a:effectRef idx="2">
+              <a:schemeClr val="accent1"/>
+            </a:effectRef>
+            <a:fontRef idx="minor">
+              <a:schemeClr val="lt1"/>
+            </a:fontRef>
+          </p:style>
+        </p:sp>
+        <p:sp>
+          <p:nvSpPr>
+            <p:cNvPr id="17" name="Rectangle 28">
+              <a:extLst>
+                <a:ext uri="{FF2B5EF4-FFF2-40B4-BE49-F238E27FC236}">
+                  <a16:creationId xmlns:a16="http://schemas.microsoft.com/office/drawing/2014/main" id="{5D4FC972-94B3-4035-8D31-E668C132B411}"/>
+                </a:ext>
+                <a:ext uri="{C183D7F6-B498-43B3-948B-1728B52AA6E4}">
+                  <adec:decorative xmlns:adec="http://schemas.microsoft.com/office/drawing/2017/decorative" val="1"/>
+                </a:ext>
+              </a:extLst>
+            </p:cNvPr>
+            <p:cNvSpPr/>
+            <p:nvPr>
+              <p:extLst>
+                <p:ext uri="{386F3935-93C4-4BCD-93E2-E3B085C9AB24}">
+                  <p16:designElem xmlns:p16="http://schemas.microsoft.com/office/powerpoint/2015/main" val="1"/>
+                </p:ext>
+              </p:extLst>
+            </p:nvPr>
+          </p:nvSpPr>
+          <p:spPr>
+            <a:xfrm>
+              <a:off x="10898730" y="-8467"/>
+              <a:ext cx="1290094" cy="6866467"/>
+            </a:xfrm>
+            <a:custGeom>
+              <a:avLst/>
+              <a:gdLst/>
+              <a:ahLst/>
+              <a:cxnLst/>
+              <a:rect l="l" t="t" r="r" b="b"/>
+              <a:pathLst>
+                <a:path w="1290094" h="6858000">
+                  <a:moveTo>
+                    <a:pt x="1019735" y="0"/>
+                  </a:moveTo>
+                  <a:lnTo>
+                    <a:pt x="1290094" y="0"/>
+                  </a:lnTo>
+                  <a:lnTo>
+                    <a:pt x="1290094" y="6858000"/>
+                  </a:lnTo>
+                  <a:lnTo>
+                    <a:pt x="0" y="6858000"/>
+                  </a:lnTo>
+                  <a:lnTo>
+                    <a:pt x="1019735" y="0"/>
+                  </a:lnTo>
+                  <a:close/>
+                </a:path>
+              </a:pathLst>
+            </a:custGeom>
+            <a:solidFill>
+              <a:schemeClr val="accent1">
+                <a:lumMod val="60000"/>
+                <a:lumOff val="40000"/>
+                <a:alpha val="70000"/>
+              </a:schemeClr>
+            </a:solidFill>
+            <a:ln>
+              <a:noFill/>
+            </a:ln>
+            <a:effectLst/>
+          </p:spPr>
+          <p:style>
+            <a:lnRef idx="1">
+              <a:schemeClr val="accent1"/>
+            </a:lnRef>
+            <a:fillRef idx="3">
+              <a:schemeClr val="accent1"/>
+            </a:fillRef>
+            <a:effectRef idx="2">
+              <a:schemeClr val="accent1"/>
+            </a:effectRef>
+            <a:fontRef idx="minor">
+              <a:schemeClr val="lt1"/>
+            </a:fontRef>
+          </p:style>
+        </p:sp>
+        <p:sp>
+          <p:nvSpPr>
+            <p:cNvPr id="18" name="Rectangle 29">
+              <a:extLst>
+                <a:ext uri="{FF2B5EF4-FFF2-40B4-BE49-F238E27FC236}">
+                  <a16:creationId xmlns:a16="http://schemas.microsoft.com/office/drawing/2014/main" id="{374B9941-AFBE-4A77-A50E-B6EA04A746AE}"/>
+                </a:ext>
+                <a:ext uri="{C183D7F6-B498-43B3-948B-1728B52AA6E4}">
+                  <adec:decorative xmlns:adec="http://schemas.microsoft.com/office/drawing/2017/decorative" val="1"/>
+                </a:ext>
+              </a:extLst>
+            </p:cNvPr>
+            <p:cNvSpPr/>
+            <p:nvPr>
+              <p:extLst>
+                <p:ext uri="{386F3935-93C4-4BCD-93E2-E3B085C9AB24}">
+                  <p16:designElem xmlns:p16="http://schemas.microsoft.com/office/powerpoint/2015/main" val="1"/>
+                </p:ext>
+              </p:extLst>
+            </p:nvPr>
+          </p:nvSpPr>
+          <p:spPr>
+            <a:xfrm>
+              <a:off x="10938999" y="-8467"/>
+              <a:ext cx="1249825" cy="6866467"/>
+            </a:xfrm>
+            <a:custGeom>
+              <a:avLst/>
+              <a:gdLst/>
+              <a:ahLst/>
+              <a:cxnLst/>
+              <a:rect l="l" t="t" r="r" b="b"/>
+              <a:pathLst>
+                <a:path w="1249825" h="6858000">
+                  <a:moveTo>
+                    <a:pt x="0" y="0"/>
+                  </a:moveTo>
+                  <a:lnTo>
+                    <a:pt x="1249825" y="0"/>
+                  </a:lnTo>
+                  <a:lnTo>
+                    <a:pt x="1249825" y="6858000"/>
+                  </a:lnTo>
+                  <a:lnTo>
+                    <a:pt x="1109382" y="6858000"/>
+                  </a:lnTo>
+                  <a:lnTo>
+                    <a:pt x="0" y="0"/>
+                  </a:lnTo>
+                  <a:close/>
+                </a:path>
+              </a:pathLst>
+            </a:custGeom>
+            <a:solidFill>
+              <a:schemeClr val="accent1">
+                <a:alpha val="65000"/>
+              </a:schemeClr>
+            </a:solidFill>
+            <a:ln>
+              <a:noFill/>
+            </a:ln>
+            <a:effectLst/>
+          </p:spPr>
+          <p:style>
+            <a:lnRef idx="1">
+              <a:schemeClr val="accent1"/>
+            </a:lnRef>
+            <a:fillRef idx="3">
+              <a:schemeClr val="accent1"/>
+            </a:fillRef>
+            <a:effectRef idx="2">
+              <a:schemeClr val="accent1"/>
+            </a:effectRef>
+            <a:fontRef idx="minor">
+              <a:schemeClr val="lt1"/>
+            </a:fontRef>
+          </p:style>
+        </p:sp>
+        <p:sp>
+          <p:nvSpPr>
+            <p:cNvPr id="19" name="Isosceles Triangle 18">
+              <a:extLst>
+                <a:ext uri="{FF2B5EF4-FFF2-40B4-BE49-F238E27FC236}">
+                  <a16:creationId xmlns:a16="http://schemas.microsoft.com/office/drawing/2014/main" id="{27A982C5-2C38-4CE9-BC18-94697AD657FB}"/>
+                </a:ext>
+                <a:ext uri="{C183D7F6-B498-43B3-948B-1728B52AA6E4}">
+                  <adec:decorative xmlns:adec="http://schemas.microsoft.com/office/drawing/2017/decorative" val="1"/>
+                </a:ext>
+              </a:extLst>
+            </p:cNvPr>
+            <p:cNvSpPr/>
+            <p:nvPr>
+              <p:extLst>
+                <p:ext uri="{386F3935-93C4-4BCD-93E2-E3B085C9AB24}">
+                  <p16:designElem xmlns:p16="http://schemas.microsoft.com/office/powerpoint/2015/main" val="1"/>
+                </p:ext>
+              </p:extLst>
+            </p:nvPr>
+          </p:nvSpPr>
+          <p:spPr>
+            <a:xfrm>
+              <a:off x="10371666" y="3589867"/>
+              <a:ext cx="1817159" cy="3268133"/>
+            </a:xfrm>
+            <a:prstGeom prst="triangle">
+              <a:avLst>
+                <a:gd name="adj" fmla="val 100000"/>
+              </a:avLst>
+            </a:prstGeom>
+            <a:solidFill>
+              <a:schemeClr val="accent1">
+                <a:alpha val="80000"/>
+              </a:schemeClr>
+            </a:solidFill>
+            <a:ln>
+              <a:noFill/>
+            </a:ln>
+            <a:effectLst/>
+          </p:spPr>
+          <p:style>
+            <a:lnRef idx="1">
+              <a:schemeClr val="accent1"/>
+            </a:lnRef>
+            <a:fillRef idx="3">
+              <a:schemeClr val="accent1"/>
+            </a:fillRef>
+            <a:effectRef idx="2">
+              <a:schemeClr val="accent1"/>
+            </a:effectRef>
+            <a:fontRef idx="minor">
+              <a:schemeClr val="lt1"/>
+            </a:fontRef>
+          </p:style>
+        </p:sp>
+        <p:sp>
+          <p:nvSpPr>
+            <p:cNvPr id="20" name="Isosceles Triangle 19">
+              <a:extLst>
+                <a:ext uri="{FF2B5EF4-FFF2-40B4-BE49-F238E27FC236}">
+                  <a16:creationId xmlns:a16="http://schemas.microsoft.com/office/drawing/2014/main" id="{0060D8D1-7BB1-498F-AFBB-ADAC130A9E90}"/>
+                </a:ext>
+                <a:ext uri="{C183D7F6-B498-43B3-948B-1728B52AA6E4}">
+                  <adec:decorative xmlns:adec="http://schemas.microsoft.com/office/drawing/2017/decorative" val="1"/>
+                </a:ext>
+              </a:extLst>
+            </p:cNvPr>
+            <p:cNvSpPr/>
+            <p:nvPr>
+              <p:extLst>
+                <p:ext uri="{386F3935-93C4-4BCD-93E2-E3B085C9AB24}">
+                  <p16:designElem xmlns:p16="http://schemas.microsoft.com/office/powerpoint/2015/main" val="1"/>
+                </p:ext>
+              </p:extLst>
+            </p:nvPr>
+          </p:nvSpPr>
+          <p:spPr>
+            <a:xfrm rot="10800000">
+              <a:off x="0" y="0"/>
+              <a:ext cx="842596" cy="5666154"/>
+            </a:xfrm>
+            <a:prstGeom prst="triangle">
+              <a:avLst>
+                <a:gd name="adj" fmla="val 100000"/>
+              </a:avLst>
+            </a:prstGeom>
+            <a:solidFill>
+              <a:schemeClr val="accent1">
+                <a:alpha val="85000"/>
+              </a:schemeClr>
+            </a:solidFill>
+            <a:ln>
+              <a:noFill/>
+            </a:ln>
+            <a:effectLst/>
+          </p:spPr>
+          <p:style>
+            <a:lnRef idx="1">
+              <a:schemeClr val="accent1"/>
+            </a:lnRef>
+            <a:fillRef idx="3">
+              <a:schemeClr val="accent1"/>
+            </a:fillRef>
+            <a:effectRef idx="2">
+              <a:schemeClr val="accent1"/>
+            </a:effectRef>
+            <a:fontRef idx="minor">
+              <a:schemeClr val="lt1"/>
+            </a:fontRef>
+          </p:style>
+        </p:sp>
+      </p:grpSp>
+      <p:sp>
+        <p:nvSpPr>
+          <p:cNvPr id="2" name="Title 1">
+            <a:extLst>
+              <a:ext uri="{FF2B5EF4-FFF2-40B4-BE49-F238E27FC236}">
+                <a16:creationId xmlns:a16="http://schemas.microsoft.com/office/drawing/2014/main" id="{29E2A180-83D3-4B51-A257-4E0C2170E5AD}"/>
+              </a:ext>
+            </a:extLst>
+          </p:cNvPr>
+          <p:cNvSpPr>
+            <a:spLocks noGrp="1"/>
+          </p:cNvSpPr>
+          <p:nvPr>
+            <p:ph type="title"/>
+          </p:nvPr>
+        </p:nvSpPr>
+        <p:spPr>
+          <a:xfrm>
+            <a:off x="985969" y="4553712"/>
+            <a:ext cx="8288032" cy="1096316"/>
+          </a:xfrm>
+        </p:spPr>
+        <p:txBody>
+          <a:bodyPr vert="horz" lIns="91440" tIns="45720" rIns="91440" bIns="45720" rtlCol="0" anchor="b">
+            <a:normAutofit/>
+          </a:bodyPr>
+          <a:lstStyle/>
+          <a:p>
+            <a:pPr algn="ctr"/>
+            <a:r>
+              <a:rPr lang="en-US" sz="4800" kern="1200">
+                <a:solidFill>
+                  <a:schemeClr val="accent1"/>
+                </a:solidFill>
+                <a:latin typeface="+mj-lt"/>
+                <a:ea typeface="+mj-ea"/>
+                <a:cs typeface="+mj-cs"/>
+              </a:rPr>
+              <a:t>User Interface Design</a:t>
+            </a:r>
+          </a:p>
+        </p:txBody>
+      </p:sp>
+      <p:pic>
+        <p:nvPicPr>
+          <p:cNvPr id="22" name="Picture 21" descr="Diagram&#10;&#10;Description automatically generated">
+            <a:extLst>
+              <a:ext uri="{FF2B5EF4-FFF2-40B4-BE49-F238E27FC236}">
+                <a16:creationId xmlns:a16="http://schemas.microsoft.com/office/drawing/2014/main" id="{4C1F455B-494D-44A5-ABBA-30E5E43C84DB}"/>
+              </a:ext>
+            </a:extLst>
+          </p:cNvPr>
+          <p:cNvPicPr>
+            <a:picLocks noChangeAspect="1"/>
+          </p:cNvPicPr>
+          <p:nvPr/>
+        </p:nvPicPr>
+        <p:blipFill rotWithShape="1">
+          <a:blip r:embed="rId2">
+            <a:extLst>
+              <a:ext uri="{28A0092B-C50C-407E-A947-70E740481C1C}">
+                <a14:useLocalDpi xmlns:a14="http://schemas.microsoft.com/office/drawing/2010/main" val="0"/>
+              </a:ext>
+            </a:extLst>
+          </a:blip>
+          <a:srcRect l="34840" t="2832" r="34230" b="50000"/>
+          <a:stretch/>
+        </p:blipFill>
+        <p:spPr>
+          <a:xfrm>
+            <a:off x="1266536" y="1014066"/>
+            <a:ext cx="1989291" cy="3234740"/>
+          </a:xfrm>
+          <a:prstGeom prst="rect">
+            <a:avLst/>
+          </a:prstGeom>
+          <a:solidFill>
+            <a:srgbClr val="FFFFFF">
+              <a:shade val="85000"/>
+            </a:srgbClr>
+          </a:solidFill>
+          <a:ln w="88900" cap="sq">
+            <a:solidFill>
+              <a:srgbClr val="FFFFFF"/>
+            </a:solidFill>
+            <a:miter lim="800000"/>
+          </a:ln>
+          <a:effectLst>
+            <a:outerShdw blurRad="55000" dist="18000" dir="5400000" algn="tl" rotWithShape="0">
+              <a:srgbClr val="000000">
+                <a:alpha val="40000"/>
+              </a:srgbClr>
+            </a:outerShdw>
+          </a:effectLst>
+          <a:scene3d>
+            <a:camera prst="orthographicFront"/>
+            <a:lightRig rig="twoPt" dir="t">
+              <a:rot lat="0" lon="0" rev="7200000"/>
+            </a:lightRig>
+          </a:scene3d>
+          <a:sp3d>
+            <a:bevelT w="25400" h="19050"/>
+            <a:contourClr>
+              <a:srgbClr val="FFFFFF"/>
+            </a:contourClr>
+          </a:sp3d>
+        </p:spPr>
+      </p:pic>
+      <p:pic>
+        <p:nvPicPr>
+          <p:cNvPr id="8" name="Picture 7" descr="Diagram&#10;&#10;Description automatically generated">
+            <a:extLst>
+              <a:ext uri="{FF2B5EF4-FFF2-40B4-BE49-F238E27FC236}">
+                <a16:creationId xmlns:a16="http://schemas.microsoft.com/office/drawing/2014/main" id="{44C7450A-809B-43BA-8382-F3F92083A1AB}"/>
+              </a:ext>
+            </a:extLst>
+          </p:cNvPr>
+          <p:cNvPicPr>
+            <a:picLocks noChangeAspect="1"/>
+          </p:cNvPicPr>
+          <p:nvPr/>
+        </p:nvPicPr>
+        <p:blipFill rotWithShape="1">
+          <a:blip r:embed="rId2">
+            <a:extLst>
+              <a:ext uri="{28A0092B-C50C-407E-A947-70E740481C1C}">
+                <a14:useLocalDpi xmlns:a14="http://schemas.microsoft.com/office/drawing/2010/main" val="0"/>
+              </a:ext>
+            </a:extLst>
+          </a:blip>
+          <a:srcRect l="67768" t="2891" r="1302" b="49942"/>
+          <a:stretch/>
+        </p:blipFill>
+        <p:spPr>
+          <a:xfrm>
+            <a:off x="4106709" y="1014066"/>
+            <a:ext cx="1989291" cy="3234740"/>
+          </a:xfrm>
+          <a:prstGeom prst="rect">
+            <a:avLst/>
+          </a:prstGeom>
+          <a:solidFill>
+            <a:srgbClr val="FFFFFF">
+              <a:shade val="85000"/>
+            </a:srgbClr>
+          </a:solidFill>
+          <a:ln w="88900" cap="sq">
+            <a:solidFill>
+              <a:srgbClr val="FFFFFF"/>
+            </a:solidFill>
+            <a:miter lim="800000"/>
+          </a:ln>
+          <a:effectLst>
+            <a:outerShdw blurRad="55000" dist="18000" dir="5400000" algn="tl" rotWithShape="0">
+              <a:srgbClr val="000000">
+                <a:alpha val="40000"/>
+              </a:srgbClr>
+            </a:outerShdw>
+          </a:effectLst>
+          <a:scene3d>
+            <a:camera prst="orthographicFront"/>
+            <a:lightRig rig="twoPt" dir="t">
+              <a:rot lat="0" lon="0" rev="7200000"/>
+            </a:lightRig>
+          </a:scene3d>
+          <a:sp3d>
+            <a:bevelT w="25400" h="19050"/>
+            <a:contourClr>
+              <a:srgbClr val="FFFFFF"/>
+            </a:contourClr>
+          </a:sp3d>
+        </p:spPr>
+      </p:pic>
+      <p:pic>
+        <p:nvPicPr>
+          <p:cNvPr id="23" name="Picture 22" descr="Diagram&#10;&#10;Description automatically generated">
+            <a:extLst>
+              <a:ext uri="{FF2B5EF4-FFF2-40B4-BE49-F238E27FC236}">
+                <a16:creationId xmlns:a16="http://schemas.microsoft.com/office/drawing/2014/main" id="{E1B45900-C117-4E19-87CD-23499BBDA970}"/>
+              </a:ext>
+            </a:extLst>
+          </p:cNvPr>
+          <p:cNvPicPr>
+            <a:picLocks noChangeAspect="1"/>
+          </p:cNvPicPr>
+          <p:nvPr/>
+        </p:nvPicPr>
+        <p:blipFill rotWithShape="1">
+          <a:blip r:embed="rId2">
+            <a:extLst>
+              <a:ext uri="{28A0092B-C50C-407E-A947-70E740481C1C}">
+                <a14:useLocalDpi xmlns:a14="http://schemas.microsoft.com/office/drawing/2010/main" val="0"/>
+              </a:ext>
+            </a:extLst>
+          </a:blip>
+          <a:srcRect l="66991" t="52048" r="1380" b="784"/>
+          <a:stretch/>
+        </p:blipFill>
+        <p:spPr>
+          <a:xfrm>
+            <a:off x="6838718" y="1014066"/>
+            <a:ext cx="2034240" cy="3234740"/>
+          </a:xfrm>
+          <a:prstGeom prst="rect">
+            <a:avLst/>
+          </a:prstGeom>
+          <a:solidFill>
+            <a:srgbClr val="FFFFFF">
+              <a:shade val="85000"/>
+            </a:srgbClr>
+          </a:solidFill>
+          <a:ln w="88900" cap="sq">
+            <a:solidFill>
+              <a:srgbClr val="FFFFFF"/>
+            </a:solidFill>
+            <a:miter lim="800000"/>
+          </a:ln>
+          <a:effectLst>
+            <a:outerShdw blurRad="55000" dist="18000" dir="5400000" algn="tl" rotWithShape="0">
+              <a:srgbClr val="000000">
+                <a:alpha val="40000"/>
+              </a:srgbClr>
+            </a:outerShdw>
+          </a:effectLst>
+          <a:scene3d>
+            <a:camera prst="orthographicFront"/>
+            <a:lightRig rig="twoPt" dir="t">
+              <a:rot lat="0" lon="0" rev="7200000"/>
+            </a:lightRig>
+          </a:scene3d>
+          <a:sp3d>
+            <a:bevelT w="25400" h="19050"/>
+            <a:contourClr>
+              <a:srgbClr val="FFFFFF"/>
+            </a:contourClr>
+          </a:sp3d>
+        </p:spPr>
+      </p:pic>
+      <p:cxnSp>
+        <p:nvCxnSpPr>
+          <p:cNvPr id="25" name="Straight Arrow Connector 24">
+            <a:extLst>
+              <a:ext uri="{FF2B5EF4-FFF2-40B4-BE49-F238E27FC236}">
+                <a16:creationId xmlns:a16="http://schemas.microsoft.com/office/drawing/2014/main" id="{0319E484-F0C0-40A6-B80E-5DCE18498DFE}"/>
+              </a:ext>
+            </a:extLst>
+          </p:cNvPr>
+          <p:cNvCxnSpPr>
+            <a:stCxn id="22" idx="3"/>
+            <a:endCxn id="8" idx="1"/>
+          </p:cNvCxnSpPr>
+          <p:nvPr/>
+        </p:nvCxnSpPr>
+        <p:spPr>
+          <a:xfrm>
+            <a:off x="3255827" y="2631436"/>
+            <a:ext cx="850882" cy="0"/>
+          </a:xfrm>
+          <a:prstGeom prst="straightConnector1">
+            <a:avLst/>
+          </a:prstGeom>
+          <a:ln w="38100">
+            <a:solidFill>
+              <a:schemeClr val="tx1"/>
+            </a:solidFill>
+            <a:tailEnd type="triangle"/>
+          </a:ln>
+        </p:spPr>
+        <p:style>
+          <a:lnRef idx="1">
+            <a:schemeClr val="accent1"/>
+          </a:lnRef>
+          <a:fillRef idx="0">
+            <a:schemeClr val="accent1"/>
+          </a:fillRef>
+          <a:effectRef idx="0">
+            <a:schemeClr val="accent1"/>
+          </a:effectRef>
+          <a:fontRef idx="minor">
+            <a:schemeClr val="tx1"/>
+          </a:fontRef>
+        </p:style>
+      </p:cxnSp>
+      <p:cxnSp>
+        <p:nvCxnSpPr>
+          <p:cNvPr id="29" name="Straight Arrow Connector 28">
+            <a:extLst>
+              <a:ext uri="{FF2B5EF4-FFF2-40B4-BE49-F238E27FC236}">
+                <a16:creationId xmlns:a16="http://schemas.microsoft.com/office/drawing/2014/main" id="{7B9EA858-70C5-44A9-BA95-593539209DB0}"/>
+              </a:ext>
+            </a:extLst>
+          </p:cNvPr>
+          <p:cNvCxnSpPr>
+            <a:stCxn id="8" idx="3"/>
+            <a:endCxn id="23" idx="1"/>
+          </p:cNvCxnSpPr>
+          <p:nvPr/>
+        </p:nvCxnSpPr>
+        <p:spPr>
+          <a:xfrm>
+            <a:off x="6096000" y="2631436"/>
+            <a:ext cx="742718" cy="0"/>
+          </a:xfrm>
+          <a:prstGeom prst="straightConnector1">
+            <a:avLst/>
+          </a:prstGeom>
+          <a:ln w="38100">
+            <a:tailEnd type="triangle"/>
+          </a:ln>
+        </p:spPr>
+        <p:style>
+          <a:lnRef idx="1">
+            <a:schemeClr val="dk1"/>
+          </a:lnRef>
+          <a:fillRef idx="0">
+            <a:schemeClr val="dk1"/>
+          </a:fillRef>
+          <a:effectRef idx="0">
+            <a:schemeClr val="dk1"/>
+          </a:effectRef>
+          <a:fontRef idx="minor">
+            <a:schemeClr val="tx1"/>
+          </a:fontRef>
+        </p:style>
+      </p:cxnSp>
+    </p:spTree>
+    <p:extLst>
+      <p:ext uri="{BB962C8B-B14F-4D97-AF65-F5344CB8AC3E}">
+        <p14:creationId xmlns:p14="http://schemas.microsoft.com/office/powerpoint/2010/main" val="16742692"/>
+      </p:ext>
+    </p:extLst>
+  </p:cSld>
+  <p:clrMapOvr>
+    <a:masterClrMapping/>
+  </p:clrMapOvr>
+</p:sld>
+</file>
+
+<file path=ppt/slides/slide13.xml><?xml version="1.0" encoding="utf-8"?>
+<p:sld xmlns:a="http://schemas.openxmlformats.org/drawingml/2006/main" xmlns:r="http://schemas.openxmlformats.org/officeDocument/2006/relationships" xmlns:p="http://schemas.openxmlformats.org/presentationml/2006/main">
+  <p:cSld>
+    <p:bg>
+      <p:bgPr>
+        <a:solidFill>
+          <a:schemeClr val="bg1"/>
+        </a:solidFill>
+        <a:effectLst/>
+      </p:bgPr>
+    </p:bg>
+    <p:spTree>
+      <p:nvGrpSpPr>
+        <p:cNvPr id="1" name=""/>
+        <p:cNvGrpSpPr/>
+        <p:nvPr/>
+      </p:nvGrpSpPr>
+      <p:grpSpPr>
+        <a:xfrm>
+          <a:off x="0" y="0"/>
+          <a:ext cx="0" cy="0"/>
+          <a:chOff x="0" y="0"/>
+          <a:chExt cx="0" cy="0"/>
+        </a:xfrm>
+      </p:grpSpPr>
+      <p:grpSp>
+        <p:nvGrpSpPr>
+          <p:cNvPr id="8" name="Group 7">
+            <a:extLst>
+              <a:ext uri="{FF2B5EF4-FFF2-40B4-BE49-F238E27FC236}">
+                <a16:creationId xmlns:a16="http://schemas.microsoft.com/office/drawing/2014/main" id="{28460BD8-AE3F-4AC9-9D0B-717052AA5D3A}"/>
+              </a:ext>
+              <a:ext uri="{C183D7F6-B498-43B3-948B-1728B52AA6E4}">
+                <adec:decorative xmlns:adec="http://schemas.microsoft.com/office/drawing/2017/decorative" val="1"/>
+              </a:ext>
+            </a:extLst>
+          </p:cNvPr>
+          <p:cNvGrpSpPr>
+            <a:grpSpLocks noGrp="1" noUngrp="1" noRot="1" noChangeAspect="1" noMove="1" noResize="1"/>
+          </p:cNvGrpSpPr>
+          <p:nvPr>
+            <p:extLst>
+              <p:ext uri="{386F3935-93C4-4BCD-93E2-E3B085C9AB24}">
+                <p16:designElem xmlns:p16="http://schemas.microsoft.com/office/powerpoint/2015/main" val="1"/>
+              </p:ext>
+            </p:extLst>
+          </p:nvPr>
+        </p:nvGrpSpPr>
+        <p:grpSpPr>
+          <a:xfrm>
+            <a:off x="0" y="-8467"/>
+            <a:ext cx="12192000" cy="6866467"/>
+            <a:chOff x="0" y="-8467"/>
+            <a:chExt cx="12192000" cy="6866467"/>
+          </a:xfrm>
+        </p:grpSpPr>
+        <p:cxnSp>
+          <p:nvCxnSpPr>
+            <p:cNvPr id="27" name="Straight Connector 8">
+              <a:extLst>
+                <a:ext uri="{FF2B5EF4-FFF2-40B4-BE49-F238E27FC236}">
+                  <a16:creationId xmlns:a16="http://schemas.microsoft.com/office/drawing/2014/main" id="{54420CFE-F482-466E-9E1E-C78513C0B85D}"/>
+                </a:ext>
+                <a:ext uri="{C183D7F6-B498-43B3-948B-1728B52AA6E4}">
+                  <adec:decorative xmlns:adec="http://schemas.microsoft.com/office/drawing/2017/decorative" val="1"/>
+                </a:ext>
+              </a:extLst>
+            </p:cNvPr>
+            <p:cNvCxnSpPr/>
+            <p:nvPr>
+              <p:extLst>
+                <p:ext uri="{386F3935-93C4-4BCD-93E2-E3B085C9AB24}">
+                  <p16:designElem xmlns:p16="http://schemas.microsoft.com/office/powerpoint/2015/main" val="1"/>
+                </p:ext>
+              </p:extLst>
+            </p:nvPr>
+          </p:nvCxnSpPr>
+          <p:spPr>
+            <a:xfrm>
+              <a:off x="9371012" y="0"/>
+              <a:ext cx="1219200" cy="6858000"/>
+            </a:xfrm>
+            <a:prstGeom prst="line">
+              <a:avLst/>
+            </a:prstGeom>
+            <a:ln w="9525">
+              <a:solidFill>
+                <a:schemeClr val="bg1">
+                  <a:lumMod val="75000"/>
+                </a:schemeClr>
+              </a:solidFill>
+            </a:ln>
+          </p:spPr>
+          <p:style>
+            <a:lnRef idx="2">
+              <a:schemeClr val="accent1"/>
+            </a:lnRef>
+            <a:fillRef idx="0">
+              <a:schemeClr val="accent1"/>
+            </a:fillRef>
+            <a:effectRef idx="1">
+              <a:schemeClr val="accent1"/>
+            </a:effectRef>
+            <a:fontRef idx="minor">
+              <a:schemeClr val="tx1"/>
+            </a:fontRef>
+          </p:style>
+        </p:cxnSp>
+        <p:cxnSp>
+          <p:nvCxnSpPr>
+            <p:cNvPr id="10" name="Straight Connector 9">
+              <a:extLst>
+                <a:ext uri="{FF2B5EF4-FFF2-40B4-BE49-F238E27FC236}">
+                  <a16:creationId xmlns:a16="http://schemas.microsoft.com/office/drawing/2014/main" id="{5331032B-BD21-4BDA-920C-12E358052567}"/>
+                </a:ext>
+                <a:ext uri="{C183D7F6-B498-43B3-948B-1728B52AA6E4}">
+                  <adec:decorative xmlns:adec="http://schemas.microsoft.com/office/drawing/2017/decorative" val="1"/>
+                </a:ext>
+              </a:extLst>
+            </p:cNvPr>
+            <p:cNvCxnSpPr/>
+            <p:nvPr>
+              <p:extLst>
+                <p:ext uri="{386F3935-93C4-4BCD-93E2-E3B085C9AB24}">
+                  <p16:designElem xmlns:p16="http://schemas.microsoft.com/office/powerpoint/2015/main" val="1"/>
+                </p:ext>
+              </p:extLst>
+            </p:nvPr>
+          </p:nvCxnSpPr>
+          <p:spPr>
+            <a:xfrm flipH="1">
+              <a:off x="7425267" y="3681413"/>
+              <a:ext cx="4763558" cy="3176587"/>
+            </a:xfrm>
+            <a:prstGeom prst="line">
+              <a:avLst/>
+            </a:prstGeom>
+            <a:ln w="9525">
+              <a:solidFill>
+                <a:schemeClr val="bg1">
+                  <a:lumMod val="85000"/>
+                </a:schemeClr>
+              </a:solidFill>
+            </a:ln>
+          </p:spPr>
+          <p:style>
+            <a:lnRef idx="2">
+              <a:schemeClr val="accent1"/>
+            </a:lnRef>
+            <a:fillRef idx="0">
+              <a:schemeClr val="accent1"/>
+            </a:fillRef>
+            <a:effectRef idx="1">
+              <a:schemeClr val="accent1"/>
+            </a:effectRef>
+            <a:fontRef idx="minor">
+              <a:schemeClr val="tx1"/>
+            </a:fontRef>
+          </p:style>
+        </p:cxnSp>
+        <p:sp>
+          <p:nvSpPr>
+            <p:cNvPr id="28" name="Rectangle 23">
+              <a:extLst>
+                <a:ext uri="{FF2B5EF4-FFF2-40B4-BE49-F238E27FC236}">
+                  <a16:creationId xmlns:a16="http://schemas.microsoft.com/office/drawing/2014/main" id="{E7514DA3-59E7-409E-8A3B-AD097F6E5644}"/>
+                </a:ext>
+                <a:ext uri="{C183D7F6-B498-43B3-948B-1728B52AA6E4}">
+                  <adec:decorative xmlns:adec="http://schemas.microsoft.com/office/drawing/2017/decorative" val="1"/>
+                </a:ext>
+              </a:extLst>
+            </p:cNvPr>
+            <p:cNvSpPr/>
+            <p:nvPr>
+              <p:extLst>
+                <p:ext uri="{386F3935-93C4-4BCD-93E2-E3B085C9AB24}">
+                  <p16:designElem xmlns:p16="http://schemas.microsoft.com/office/powerpoint/2015/main" val="1"/>
+                </p:ext>
+              </p:extLst>
+            </p:nvPr>
+          </p:nvSpPr>
+          <p:spPr>
+            <a:xfrm>
+              <a:off x="9181476" y="-8467"/>
+              <a:ext cx="3007349" cy="6866467"/>
+            </a:xfrm>
+            <a:custGeom>
+              <a:avLst/>
+              <a:gdLst/>
+              <a:ahLst/>
+              <a:cxnLst/>
+              <a:rect l="l" t="t" r="r" b="b"/>
+              <a:pathLst>
+                <a:path w="3007349" h="6866467">
+                  <a:moveTo>
+                    <a:pt x="2045532" y="0"/>
+                  </a:moveTo>
+                  <a:lnTo>
+                    <a:pt x="3007349" y="0"/>
+                  </a:lnTo>
+                  <a:lnTo>
+                    <a:pt x="3007349" y="6866467"/>
+                  </a:lnTo>
+                  <a:lnTo>
+                    <a:pt x="0" y="6866467"/>
+                  </a:lnTo>
+                  <a:lnTo>
+                    <a:pt x="2045532" y="0"/>
+                  </a:lnTo>
+                  <a:close/>
+                </a:path>
+              </a:pathLst>
+            </a:custGeom>
+            <a:solidFill>
+              <a:schemeClr val="accent1">
+                <a:alpha val="30000"/>
+              </a:schemeClr>
+            </a:solidFill>
+            <a:ln>
+              <a:noFill/>
+            </a:ln>
+            <a:effectLst/>
+          </p:spPr>
+          <p:style>
+            <a:lnRef idx="1">
+              <a:schemeClr val="accent1"/>
+            </a:lnRef>
+            <a:fillRef idx="3">
+              <a:schemeClr val="accent1"/>
+            </a:fillRef>
+            <a:effectRef idx="2">
+              <a:schemeClr val="accent1"/>
+            </a:effectRef>
+            <a:fontRef idx="minor">
+              <a:schemeClr val="lt1"/>
+            </a:fontRef>
+          </p:style>
+        </p:sp>
+        <p:sp>
+          <p:nvSpPr>
+            <p:cNvPr id="12" name="Rectangle 25">
+              <a:extLst>
+                <a:ext uri="{FF2B5EF4-FFF2-40B4-BE49-F238E27FC236}">
+                  <a16:creationId xmlns:a16="http://schemas.microsoft.com/office/drawing/2014/main" id="{57B9A2A6-3BE4-4599-9364-F71C5BFD61F8}"/>
+                </a:ext>
+                <a:ext uri="{C183D7F6-B498-43B3-948B-1728B52AA6E4}">
+                  <adec:decorative xmlns:adec="http://schemas.microsoft.com/office/drawing/2017/decorative" val="1"/>
+                </a:ext>
+              </a:extLst>
+            </p:cNvPr>
+            <p:cNvSpPr/>
+            <p:nvPr>
+              <p:extLst>
+                <p:ext uri="{386F3935-93C4-4BCD-93E2-E3B085C9AB24}">
+                  <p16:designElem xmlns:p16="http://schemas.microsoft.com/office/powerpoint/2015/main" val="1"/>
+                </p:ext>
+              </p:extLst>
+            </p:nvPr>
+          </p:nvSpPr>
+          <p:spPr>
+            <a:xfrm>
+              <a:off x="9603442" y="-8467"/>
+              <a:ext cx="2588558" cy="6866467"/>
+            </a:xfrm>
+            <a:custGeom>
+              <a:avLst/>
+              <a:gdLst/>
+              <a:ahLst/>
+              <a:cxnLst/>
+              <a:rect l="l" t="t" r="r" b="b"/>
+              <a:pathLst>
+                <a:path w="2573311" h="6866467">
+                  <a:moveTo>
+                    <a:pt x="0" y="0"/>
+                  </a:moveTo>
+                  <a:lnTo>
+                    <a:pt x="2573311" y="0"/>
+                  </a:lnTo>
+                  <a:lnTo>
+                    <a:pt x="2573311" y="6866467"/>
+                  </a:lnTo>
+                  <a:lnTo>
+                    <a:pt x="1202336" y="6866467"/>
+                  </a:lnTo>
+                  <a:lnTo>
+                    <a:pt x="0" y="0"/>
+                  </a:lnTo>
+                  <a:close/>
+                </a:path>
+              </a:pathLst>
+            </a:custGeom>
+            <a:solidFill>
+              <a:schemeClr val="accent1">
+                <a:alpha val="20000"/>
+              </a:schemeClr>
+            </a:solidFill>
+            <a:ln>
+              <a:noFill/>
+            </a:ln>
+            <a:effectLst/>
+          </p:spPr>
+          <p:style>
+            <a:lnRef idx="1">
+              <a:schemeClr val="accent1"/>
+            </a:lnRef>
+            <a:fillRef idx="3">
+              <a:schemeClr val="accent1"/>
+            </a:fillRef>
+            <a:effectRef idx="2">
+              <a:schemeClr val="accent1"/>
+            </a:effectRef>
+            <a:fontRef idx="minor">
+              <a:schemeClr val="lt1"/>
+            </a:fontRef>
+          </p:style>
+        </p:sp>
+        <p:sp>
+          <p:nvSpPr>
+            <p:cNvPr id="29" name="Isosceles Triangle 12">
+              <a:extLst>
+                <a:ext uri="{FF2B5EF4-FFF2-40B4-BE49-F238E27FC236}">
+                  <a16:creationId xmlns:a16="http://schemas.microsoft.com/office/drawing/2014/main" id="{4FD744C6-4ED8-4BC9-BF68-6BDF701C5DB4}"/>
+                </a:ext>
+                <a:ext uri="{C183D7F6-B498-43B3-948B-1728B52AA6E4}">
+                  <adec:decorative xmlns:adec="http://schemas.microsoft.com/office/drawing/2017/decorative" val="1"/>
+                </a:ext>
+              </a:extLst>
+            </p:cNvPr>
+            <p:cNvSpPr/>
+            <p:nvPr>
+              <p:extLst>
+                <p:ext uri="{386F3935-93C4-4BCD-93E2-E3B085C9AB24}">
+                  <p16:designElem xmlns:p16="http://schemas.microsoft.com/office/powerpoint/2015/main" val="1"/>
+                </p:ext>
+              </p:extLst>
+            </p:nvPr>
+          </p:nvSpPr>
+          <p:spPr>
+            <a:xfrm>
+              <a:off x="8932333" y="3048000"/>
+              <a:ext cx="3259667" cy="3810000"/>
+            </a:xfrm>
+            <a:prstGeom prst="triangle">
+              <a:avLst>
+                <a:gd name="adj" fmla="val 100000"/>
+              </a:avLst>
+            </a:prstGeom>
+            <a:solidFill>
+              <a:schemeClr val="accent2">
+                <a:alpha val="72000"/>
+              </a:schemeClr>
+            </a:solidFill>
+            <a:ln>
+              <a:noFill/>
+            </a:ln>
+            <a:effectLst/>
+          </p:spPr>
+          <p:style>
+            <a:lnRef idx="1">
+              <a:schemeClr val="accent1"/>
+            </a:lnRef>
+            <a:fillRef idx="3">
+              <a:schemeClr val="accent1"/>
+            </a:fillRef>
+            <a:effectRef idx="2">
+              <a:schemeClr val="accent1"/>
+            </a:effectRef>
+            <a:fontRef idx="minor">
+              <a:schemeClr val="lt1"/>
+            </a:fontRef>
+          </p:style>
+        </p:sp>
+        <p:sp>
+          <p:nvSpPr>
+            <p:cNvPr id="14" name="Rectangle 27">
+              <a:extLst>
+                <a:ext uri="{FF2B5EF4-FFF2-40B4-BE49-F238E27FC236}">
+                  <a16:creationId xmlns:a16="http://schemas.microsoft.com/office/drawing/2014/main" id="{092C5BAD-C911-4F8F-A1C5-470268BE668B}"/>
+                </a:ext>
+                <a:ext uri="{C183D7F6-B498-43B3-948B-1728B52AA6E4}">
+                  <adec:decorative xmlns:adec="http://schemas.microsoft.com/office/drawing/2017/decorative" val="1"/>
+                </a:ext>
+              </a:extLst>
+            </p:cNvPr>
+            <p:cNvSpPr/>
+            <p:nvPr>
+              <p:extLst>
+                <p:ext uri="{386F3935-93C4-4BCD-93E2-E3B085C9AB24}">
+                  <p16:designElem xmlns:p16="http://schemas.microsoft.com/office/powerpoint/2015/main" val="1"/>
+                </p:ext>
+              </p:extLst>
+            </p:nvPr>
+          </p:nvSpPr>
+          <p:spPr>
+            <a:xfrm>
+              <a:off x="9334500" y="-8467"/>
+              <a:ext cx="2854326" cy="6866467"/>
+            </a:xfrm>
+            <a:custGeom>
+              <a:avLst/>
+              <a:gdLst/>
+              <a:ahLst/>
+              <a:cxnLst/>
+              <a:rect l="l" t="t" r="r" b="b"/>
+              <a:pathLst>
+                <a:path w="2858013" h="6866467">
+                  <a:moveTo>
+                    <a:pt x="0" y="0"/>
+                  </a:moveTo>
+                  <a:lnTo>
+                    <a:pt x="2858013" y="0"/>
+                  </a:lnTo>
+                  <a:lnTo>
+                    <a:pt x="2858013" y="6866467"/>
+                  </a:lnTo>
+                  <a:lnTo>
+                    <a:pt x="2473942" y="6866467"/>
+                  </a:lnTo>
+                  <a:lnTo>
+                    <a:pt x="0" y="0"/>
+                  </a:lnTo>
+                  <a:close/>
+                </a:path>
+              </a:pathLst>
+            </a:custGeom>
+            <a:solidFill>
+              <a:schemeClr val="accent2">
+                <a:lumMod val="75000"/>
+                <a:alpha val="70000"/>
+              </a:schemeClr>
+            </a:solidFill>
+            <a:ln>
+              <a:noFill/>
+            </a:ln>
+            <a:effectLst/>
+          </p:spPr>
+          <p:style>
+            <a:lnRef idx="1">
+              <a:schemeClr val="accent1"/>
+            </a:lnRef>
+            <a:fillRef idx="3">
+              <a:schemeClr val="accent1"/>
+            </a:fillRef>
+            <a:effectRef idx="2">
+              <a:schemeClr val="accent1"/>
+            </a:effectRef>
+            <a:fontRef idx="minor">
+              <a:schemeClr val="lt1"/>
+            </a:fontRef>
+          </p:style>
+        </p:sp>
+        <p:sp>
+          <p:nvSpPr>
+            <p:cNvPr id="30" name="Rectangle 28">
+              <a:extLst>
+                <a:ext uri="{FF2B5EF4-FFF2-40B4-BE49-F238E27FC236}">
+                  <a16:creationId xmlns:a16="http://schemas.microsoft.com/office/drawing/2014/main" id="{B133D0C8-4EC4-424F-8E70-0482D5B1B653}"/>
+                </a:ext>
+                <a:ext uri="{C183D7F6-B498-43B3-948B-1728B52AA6E4}">
+                  <adec:decorative xmlns:adec="http://schemas.microsoft.com/office/drawing/2017/decorative" val="1"/>
+                </a:ext>
+              </a:extLst>
+            </p:cNvPr>
+            <p:cNvSpPr/>
+            <p:nvPr>
+              <p:extLst>
+                <p:ext uri="{386F3935-93C4-4BCD-93E2-E3B085C9AB24}">
+                  <p16:designElem xmlns:p16="http://schemas.microsoft.com/office/powerpoint/2015/main" val="1"/>
+                </p:ext>
+              </p:extLst>
+            </p:nvPr>
+          </p:nvSpPr>
+          <p:spPr>
+            <a:xfrm>
+              <a:off x="10898730" y="-8467"/>
+              <a:ext cx="1290094" cy="6866467"/>
+            </a:xfrm>
+            <a:custGeom>
+              <a:avLst/>
+              <a:gdLst/>
+              <a:ahLst/>
+              <a:cxnLst/>
+              <a:rect l="l" t="t" r="r" b="b"/>
+              <a:pathLst>
+                <a:path w="1290094" h="6858000">
+                  <a:moveTo>
+                    <a:pt x="1019735" y="0"/>
+                  </a:moveTo>
+                  <a:lnTo>
+                    <a:pt x="1290094" y="0"/>
+                  </a:lnTo>
+                  <a:lnTo>
+                    <a:pt x="1290094" y="6858000"/>
+                  </a:lnTo>
+                  <a:lnTo>
+                    <a:pt x="0" y="6858000"/>
+                  </a:lnTo>
+                  <a:lnTo>
+                    <a:pt x="1019735" y="0"/>
+                  </a:lnTo>
+                  <a:close/>
+                </a:path>
+              </a:pathLst>
+            </a:custGeom>
+            <a:solidFill>
+              <a:schemeClr val="accent1">
+                <a:lumMod val="60000"/>
+                <a:lumOff val="40000"/>
+                <a:alpha val="70000"/>
+              </a:schemeClr>
+            </a:solidFill>
+            <a:ln>
+              <a:noFill/>
+            </a:ln>
+            <a:effectLst/>
+          </p:spPr>
+          <p:style>
+            <a:lnRef idx="1">
+              <a:schemeClr val="accent1"/>
+            </a:lnRef>
+            <a:fillRef idx="3">
+              <a:schemeClr val="accent1"/>
+            </a:fillRef>
+            <a:effectRef idx="2">
+              <a:schemeClr val="accent1"/>
+            </a:effectRef>
+            <a:fontRef idx="minor">
+              <a:schemeClr val="lt1"/>
+            </a:fontRef>
+          </p:style>
+        </p:sp>
+        <p:sp>
+          <p:nvSpPr>
+            <p:cNvPr id="16" name="Rectangle 29">
+              <a:extLst>
+                <a:ext uri="{FF2B5EF4-FFF2-40B4-BE49-F238E27FC236}">
+                  <a16:creationId xmlns:a16="http://schemas.microsoft.com/office/drawing/2014/main" id="{7B1532A0-F4B3-4DE8-B18F-740CAAD25AC4}"/>
+                </a:ext>
+                <a:ext uri="{C183D7F6-B498-43B3-948B-1728B52AA6E4}">
+                  <adec:decorative xmlns:adec="http://schemas.microsoft.com/office/drawing/2017/decorative" val="1"/>
+                </a:ext>
+              </a:extLst>
+            </p:cNvPr>
+            <p:cNvSpPr/>
+            <p:nvPr>
+              <p:extLst>
+                <p:ext uri="{386F3935-93C4-4BCD-93E2-E3B085C9AB24}">
+                  <p16:designElem xmlns:p16="http://schemas.microsoft.com/office/powerpoint/2015/main" val="1"/>
+                </p:ext>
+              </p:extLst>
+            </p:nvPr>
+          </p:nvSpPr>
+          <p:spPr>
+            <a:xfrm>
+              <a:off x="10938999" y="-8467"/>
+              <a:ext cx="1249825" cy="6866467"/>
+            </a:xfrm>
+            <a:custGeom>
+              <a:avLst/>
+              <a:gdLst/>
+              <a:ahLst/>
+              <a:cxnLst/>
+              <a:rect l="l" t="t" r="r" b="b"/>
+              <a:pathLst>
+                <a:path w="1249825" h="6858000">
+                  <a:moveTo>
+                    <a:pt x="0" y="0"/>
+                  </a:moveTo>
+                  <a:lnTo>
+                    <a:pt x="1249825" y="0"/>
+                  </a:lnTo>
+                  <a:lnTo>
+                    <a:pt x="1249825" y="6858000"/>
+                  </a:lnTo>
+                  <a:lnTo>
+                    <a:pt x="1109382" y="6858000"/>
+                  </a:lnTo>
+                  <a:lnTo>
+                    <a:pt x="0" y="0"/>
+                  </a:lnTo>
+                  <a:close/>
+                </a:path>
+              </a:pathLst>
+            </a:custGeom>
+            <a:solidFill>
+              <a:schemeClr val="accent1">
+                <a:alpha val="65000"/>
+              </a:schemeClr>
+            </a:solidFill>
+            <a:ln>
+              <a:noFill/>
+            </a:ln>
+            <a:effectLst/>
+          </p:spPr>
+          <p:style>
+            <a:lnRef idx="1">
+              <a:schemeClr val="accent1"/>
+            </a:lnRef>
+            <a:fillRef idx="3">
+              <a:schemeClr val="accent1"/>
+            </a:fillRef>
+            <a:effectRef idx="2">
+              <a:schemeClr val="accent1"/>
+            </a:effectRef>
+            <a:fontRef idx="minor">
+              <a:schemeClr val="lt1"/>
+            </a:fontRef>
+          </p:style>
+        </p:sp>
+        <p:sp>
+          <p:nvSpPr>
+            <p:cNvPr id="31" name="Isosceles Triangle 16">
+              <a:extLst>
+                <a:ext uri="{FF2B5EF4-FFF2-40B4-BE49-F238E27FC236}">
+                  <a16:creationId xmlns:a16="http://schemas.microsoft.com/office/drawing/2014/main" id="{8EFDD162-BBBA-4062-8BBF-53DBA1091374}"/>
+                </a:ext>
+                <a:ext uri="{C183D7F6-B498-43B3-948B-1728B52AA6E4}">
+                  <adec:decorative xmlns:adec="http://schemas.microsoft.com/office/drawing/2017/decorative" val="1"/>
+                </a:ext>
+              </a:extLst>
+            </p:cNvPr>
+            <p:cNvSpPr/>
+            <p:nvPr>
+              <p:extLst>
+                <p:ext uri="{386F3935-93C4-4BCD-93E2-E3B085C9AB24}">
+                  <p16:designElem xmlns:p16="http://schemas.microsoft.com/office/powerpoint/2015/main" val="1"/>
+                </p:ext>
+              </p:extLst>
+            </p:nvPr>
+          </p:nvSpPr>
+          <p:spPr>
+            <a:xfrm>
+              <a:off x="10371666" y="3589867"/>
+              <a:ext cx="1817159" cy="3268133"/>
+            </a:xfrm>
+            <a:prstGeom prst="triangle">
+              <a:avLst>
+                <a:gd name="adj" fmla="val 100000"/>
+              </a:avLst>
+            </a:prstGeom>
+            <a:solidFill>
+              <a:schemeClr val="accent1">
+                <a:alpha val="80000"/>
+              </a:schemeClr>
+            </a:solidFill>
+            <a:ln>
+              <a:noFill/>
+            </a:ln>
+            <a:effectLst/>
+          </p:spPr>
+          <p:style>
+            <a:lnRef idx="1">
+              <a:schemeClr val="accent1"/>
+            </a:lnRef>
+            <a:fillRef idx="3">
+              <a:schemeClr val="accent1"/>
+            </a:fillRef>
+            <a:effectRef idx="2">
+              <a:schemeClr val="accent1"/>
+            </a:effectRef>
+            <a:fontRef idx="minor">
+              <a:schemeClr val="lt1"/>
+            </a:fontRef>
+          </p:style>
+        </p:sp>
+        <p:sp>
+          <p:nvSpPr>
+            <p:cNvPr id="18" name="Isosceles Triangle 17">
+              <a:extLst>
+                <a:ext uri="{FF2B5EF4-FFF2-40B4-BE49-F238E27FC236}">
+                  <a16:creationId xmlns:a16="http://schemas.microsoft.com/office/drawing/2014/main" id="{DCFC9E65-3E19-4483-B952-25D29683CA56}"/>
+                </a:ext>
+                <a:ext uri="{C183D7F6-B498-43B3-948B-1728B52AA6E4}">
+                  <adec:decorative xmlns:adec="http://schemas.microsoft.com/office/drawing/2017/decorative" val="1"/>
+                </a:ext>
+              </a:extLst>
+            </p:cNvPr>
+            <p:cNvSpPr/>
+            <p:nvPr>
+              <p:extLst>
+                <p:ext uri="{386F3935-93C4-4BCD-93E2-E3B085C9AB24}">
+                  <p16:designElem xmlns:p16="http://schemas.microsoft.com/office/powerpoint/2015/main" val="1"/>
+                </p:ext>
+              </p:extLst>
+            </p:nvPr>
+          </p:nvSpPr>
+          <p:spPr>
+            <a:xfrm rot="10800000">
+              <a:off x="0" y="0"/>
+              <a:ext cx="842596" cy="5666154"/>
+            </a:xfrm>
+            <a:prstGeom prst="triangle">
+              <a:avLst>
+                <a:gd name="adj" fmla="val 100000"/>
+              </a:avLst>
+            </a:prstGeom>
+            <a:solidFill>
+              <a:schemeClr val="accent1">
+                <a:alpha val="85000"/>
+              </a:schemeClr>
+            </a:solidFill>
+            <a:ln>
+              <a:noFill/>
+            </a:ln>
+            <a:effectLst/>
+          </p:spPr>
+          <p:style>
+            <a:lnRef idx="1">
+              <a:schemeClr val="accent1"/>
+            </a:lnRef>
+            <a:fillRef idx="3">
+              <a:schemeClr val="accent1"/>
+            </a:fillRef>
+            <a:effectRef idx="2">
+              <a:schemeClr val="accent1"/>
+            </a:effectRef>
+            <a:fontRef idx="minor">
+              <a:schemeClr val="lt1"/>
+            </a:fontRef>
+          </p:style>
+        </p:sp>
+      </p:grpSp>
+      <p:sp useBgFill="1">
+        <p:nvSpPr>
+          <p:cNvPr id="20" name="Rectangle 19">
+            <a:extLst>
+              <a:ext uri="{FF2B5EF4-FFF2-40B4-BE49-F238E27FC236}">
+                <a16:creationId xmlns:a16="http://schemas.microsoft.com/office/drawing/2014/main" id="{DD6BC9EB-F181-48AB-BCA2-3D1DB20D2D87}"/>
+              </a:ext>
+              <a:ext uri="{C183D7F6-B498-43B3-948B-1728B52AA6E4}">
+                <adec:decorative xmlns:adec="http://schemas.microsoft.com/office/drawing/2017/decorative" val="1"/>
+              </a:ext>
+            </a:extLst>
+          </p:cNvPr>
+          <p:cNvSpPr>
+            <a:spLocks noGrp="1" noRot="1" noChangeAspect="1" noMove="1" noResize="1" noEditPoints="1" noAdjustHandles="1" noChangeArrowheads="1" noChangeShapeType="1" noTextEdit="1"/>
+          </p:cNvSpPr>
+          <p:nvPr>
+            <p:extLst>
+              <p:ext uri="{386F3935-93C4-4BCD-93E2-E3B085C9AB24}">
+                <p16:designElem xmlns:p16="http://schemas.microsoft.com/office/powerpoint/2015/main" val="1"/>
+              </p:ext>
+            </p:extLst>
+          </p:nvPr>
+        </p:nvSpPr>
+        <p:spPr>
+          <a:xfrm>
+            <a:off x="0" y="0"/>
+            <a:ext cx="12192000" cy="6866467"/>
+          </a:xfrm>
+          <a:prstGeom prst="rect">
+            <a:avLst/>
+          </a:prstGeom>
+          <a:ln>
+            <a:noFill/>
+          </a:ln>
+        </p:spPr>
+        <p:style>
+          <a:lnRef idx="2">
+            <a:schemeClr val="accent1">
+              <a:shade val="50000"/>
+            </a:schemeClr>
+          </a:lnRef>
+          <a:fillRef idx="1">
+            <a:schemeClr val="accent1"/>
+          </a:fillRef>
+          <a:effectRef idx="0">
+            <a:schemeClr val="accent1"/>
+          </a:effectRef>
+          <a:fontRef idx="minor">
+            <a:schemeClr val="lt1"/>
+          </a:fontRef>
+        </p:style>
+        <p:txBody>
+          <a:bodyPr rtlCol="0" anchor="ctr"/>
+          <a:lstStyle/>
+          <a:p>
+            <a:pPr algn="ctr"/>
+            <a:endParaRPr lang="en-US"/>
+          </a:p>
+        </p:txBody>
+      </p:sp>
+      <p:sp>
+        <p:nvSpPr>
+          <p:cNvPr id="2" name="Title 1">
+            <a:extLst>
+              <a:ext uri="{FF2B5EF4-FFF2-40B4-BE49-F238E27FC236}">
+                <a16:creationId xmlns:a16="http://schemas.microsoft.com/office/drawing/2014/main" id="{3F05F2BC-DCEF-499A-940F-9FEEFC679BC1}"/>
+              </a:ext>
+            </a:extLst>
+          </p:cNvPr>
+          <p:cNvSpPr>
+            <a:spLocks noGrp="1"/>
+          </p:cNvSpPr>
+          <p:nvPr>
+            <p:ph type="title"/>
+          </p:nvPr>
+        </p:nvSpPr>
+        <p:spPr>
+          <a:xfrm>
+            <a:off x="1507066" y="999460"/>
+            <a:ext cx="5698067" cy="4479852"/>
+          </a:xfrm>
+        </p:spPr>
+        <p:txBody>
+          <a:bodyPr vert="horz" lIns="91440" tIns="45720" rIns="91440" bIns="45720" rtlCol="0" anchor="ctr">
+            <a:normAutofit/>
+          </a:bodyPr>
+          <a:lstStyle/>
+          <a:p>
+            <a:pPr algn="r"/>
+            <a:r>
+              <a:rPr lang="en-US" sz="5400" dirty="0"/>
+              <a:t>Standards Used</a:t>
+            </a:r>
+          </a:p>
+        </p:txBody>
+      </p:sp>
+      <p:sp>
+        <p:nvSpPr>
+          <p:cNvPr id="3" name="Content Placeholder 2">
+            <a:extLst>
+              <a:ext uri="{FF2B5EF4-FFF2-40B4-BE49-F238E27FC236}">
+                <a16:creationId xmlns:a16="http://schemas.microsoft.com/office/drawing/2014/main" id="{EA214B48-B3C2-42A7-8E96-E7983757A897}"/>
+              </a:ext>
+            </a:extLst>
+          </p:cNvPr>
+          <p:cNvSpPr>
+            <a:spLocks noGrp="1"/>
+          </p:cNvSpPr>
+          <p:nvPr>
+            <p:ph idx="1"/>
+          </p:nvPr>
+        </p:nvSpPr>
+        <p:spPr>
+          <a:xfrm>
+            <a:off x="7871971" y="999460"/>
+            <a:ext cx="3123620" cy="4479852"/>
+          </a:xfrm>
+        </p:spPr>
+        <p:txBody>
+          <a:bodyPr vert="horz" lIns="91440" tIns="45720" rIns="91440" bIns="45720" rtlCol="0" anchor="ctr">
+            <a:normAutofit/>
+          </a:bodyPr>
+          <a:lstStyle/>
+          <a:p>
+            <a:pPr marL="0" indent="0">
+              <a:buNone/>
+            </a:pPr>
+            <a:r>
+              <a:rPr lang="en-US" dirty="0">
+                <a:solidFill>
+                  <a:schemeClr val="tx1">
+                    <a:lumMod val="50000"/>
+                    <a:lumOff val="50000"/>
+                  </a:schemeClr>
+                </a:solidFill>
+              </a:rPr>
+              <a:t>Design for Android</a:t>
+            </a:r>
+          </a:p>
+        </p:txBody>
+      </p:sp>
+      <p:sp>
+        <p:nvSpPr>
+          <p:cNvPr id="22" name="Isosceles Triangle 21">
+            <a:extLst>
+              <a:ext uri="{FF2B5EF4-FFF2-40B4-BE49-F238E27FC236}">
+                <a16:creationId xmlns:a16="http://schemas.microsoft.com/office/drawing/2014/main" id="{D33AAA80-39DC-4020-9BFF-0718F35C7661}"/>
+              </a:ext>
+              <a:ext uri="{C183D7F6-B498-43B3-948B-1728B52AA6E4}">
+                <adec:decorative xmlns:adec="http://schemas.microsoft.com/office/drawing/2017/decorative" val="1"/>
+              </a:ext>
+            </a:extLst>
+          </p:cNvPr>
+          <p:cNvSpPr>
+            <a:spLocks noGrp="1" noRot="1" noChangeAspect="1" noMove="1" noResize="1" noEditPoints="1" noAdjustHandles="1" noChangeArrowheads="1" noChangeShapeType="1" noTextEdit="1"/>
+          </p:cNvSpPr>
+          <p:nvPr>
+            <p:extLst>
+              <p:ext uri="{386F3935-93C4-4BCD-93E2-E3B085C9AB24}">
+                <p16:designElem xmlns:p16="http://schemas.microsoft.com/office/powerpoint/2015/main" val="1"/>
+              </p:ext>
+            </p:extLst>
+          </p:nvPr>
+        </p:nvSpPr>
+        <p:spPr>
+          <a:xfrm rot="10800000">
+            <a:off x="0" y="0"/>
+            <a:ext cx="842596" cy="5666154"/>
+          </a:xfrm>
+          <a:prstGeom prst="triangle">
+            <a:avLst>
+              <a:gd name="adj" fmla="val 100000"/>
+            </a:avLst>
+          </a:prstGeom>
+          <a:solidFill>
+            <a:schemeClr val="accent1">
+              <a:alpha val="85000"/>
+            </a:schemeClr>
+          </a:solidFill>
+          <a:ln>
+            <a:noFill/>
+          </a:ln>
+          <a:effectLst/>
+        </p:spPr>
+        <p:style>
+          <a:lnRef idx="1">
+            <a:schemeClr val="accent1"/>
+          </a:lnRef>
+          <a:fillRef idx="3">
+            <a:schemeClr val="accent1"/>
+          </a:fillRef>
+          <a:effectRef idx="2">
+            <a:schemeClr val="accent1"/>
+          </a:effectRef>
+          <a:fontRef idx="minor">
+            <a:schemeClr val="lt1"/>
+          </a:fontRef>
+        </p:style>
+      </p:sp>
+      <p:cxnSp>
+        <p:nvCxnSpPr>
+          <p:cNvPr id="24" name="Straight Connector 23">
+            <a:extLst>
+              <a:ext uri="{FF2B5EF4-FFF2-40B4-BE49-F238E27FC236}">
+                <a16:creationId xmlns:a16="http://schemas.microsoft.com/office/drawing/2014/main" id="{C9C5D90B-7EE3-4D26-AB7D-A5A3A6E11203}"/>
+              </a:ext>
+              <a:ext uri="{C183D7F6-B498-43B3-948B-1728B52AA6E4}">
+                <adec:decorative xmlns:adec="http://schemas.microsoft.com/office/drawing/2017/decorative" val="1"/>
+              </a:ext>
+            </a:extLst>
+          </p:cNvPr>
+          <p:cNvCxnSpPr>
+            <a:cxnSpLocks noGrp="1" noRot="1" noChangeAspect="1" noMove="1" noResize="1" noEditPoints="1" noAdjustHandles="1" noChangeArrowheads="1" noChangeShapeType="1"/>
+          </p:cNvCxnSpPr>
+          <p:nvPr>
+            <p:extLst>
+              <p:ext uri="{386F3935-93C4-4BCD-93E2-E3B085C9AB24}">
+                <p16:designElem xmlns:p16="http://schemas.microsoft.com/office/powerpoint/2015/main" val="1"/>
+              </p:ext>
+            </p:extLst>
+          </p:nvPr>
+        </p:nvCxnSpPr>
+        <p:spPr>
+          <a:xfrm>
+            <a:off x="7534656" y="1639186"/>
+            <a:ext cx="0" cy="3200400"/>
+          </a:xfrm>
+          <a:prstGeom prst="line">
+            <a:avLst/>
+          </a:prstGeom>
+        </p:spPr>
+        <p:style>
+          <a:lnRef idx="1">
+            <a:schemeClr val="accent1"/>
+          </a:lnRef>
+          <a:fillRef idx="0">
+            <a:schemeClr val="accent1"/>
+          </a:fillRef>
+          <a:effectRef idx="0">
+            <a:schemeClr val="accent1"/>
+          </a:effectRef>
+          <a:fontRef idx="minor">
+            <a:schemeClr val="tx1"/>
+          </a:fontRef>
+        </p:style>
+      </p:cxnSp>
+      <p:sp>
+        <p:nvSpPr>
+          <p:cNvPr id="26" name="Isosceles Triangle 25">
+            <a:extLst>
+              <a:ext uri="{FF2B5EF4-FFF2-40B4-BE49-F238E27FC236}">
+                <a16:creationId xmlns:a16="http://schemas.microsoft.com/office/drawing/2014/main" id="{1177F295-741F-4EFF-B0CA-BE69295ADA07}"/>
+              </a:ext>
+              <a:ext uri="{C183D7F6-B498-43B3-948B-1728B52AA6E4}">
+                <adec:decorative xmlns:adec="http://schemas.microsoft.com/office/drawing/2017/decorative" val="1"/>
+              </a:ext>
+            </a:extLst>
+          </p:cNvPr>
+          <p:cNvSpPr>
+            <a:spLocks noGrp="1" noRot="1" noChangeAspect="1" noMove="1" noResize="1" noEditPoints="1" noAdjustHandles="1" noChangeArrowheads="1" noChangeShapeType="1" noTextEdit="1"/>
+          </p:cNvSpPr>
+          <p:nvPr>
+            <p:extLst>
+              <p:ext uri="{386F3935-93C4-4BCD-93E2-E3B085C9AB24}">
+                <p16:designElem xmlns:p16="http://schemas.microsoft.com/office/powerpoint/2015/main" val="1"/>
+              </p:ext>
+            </p:extLst>
+          </p:nvPr>
+        </p:nvSpPr>
+        <p:spPr>
+          <a:xfrm rot="10800000" flipH="1" flipV="1">
+            <a:off x="11349404" y="1217756"/>
+            <a:ext cx="842596" cy="5666154"/>
+          </a:xfrm>
+          <a:prstGeom prst="triangle">
+            <a:avLst>
+              <a:gd name="adj" fmla="val 100000"/>
+            </a:avLst>
+          </a:prstGeom>
+          <a:solidFill>
+            <a:schemeClr val="accent1">
+              <a:alpha val="85000"/>
+            </a:schemeClr>
+          </a:solidFill>
+          <a:ln>
+            <a:noFill/>
+          </a:ln>
+          <a:effectLst/>
+        </p:spPr>
+        <p:style>
+          <a:lnRef idx="1">
+            <a:schemeClr val="accent1"/>
+          </a:lnRef>
+          <a:fillRef idx="3">
+            <a:schemeClr val="accent1"/>
+          </a:fillRef>
+          <a:effectRef idx="2">
+            <a:schemeClr val="accent1"/>
+          </a:effectRef>
+          <a:fontRef idx="minor">
+            <a:schemeClr val="lt1"/>
+          </a:fontRef>
+        </p:style>
+      </p:sp>
+    </p:spTree>
+    <p:extLst>
+      <p:ext uri="{BB962C8B-B14F-4D97-AF65-F5344CB8AC3E}">
+        <p14:creationId xmlns:p14="http://schemas.microsoft.com/office/powerpoint/2010/main" val="2647613410"/>
+      </p:ext>
+    </p:extLst>
+  </p:cSld>
+  <p:clrMapOvr>
+    <a:masterClrMapping/>
+  </p:clrMapOvr>
+</p:sld>
+</file>
+
+<file path=ppt/slides/slide14.xml><?xml version="1.0" encoding="utf-8"?>
+<p:sld xmlns:a="http://schemas.openxmlformats.org/drawingml/2006/main" xmlns:r="http://schemas.openxmlformats.org/officeDocument/2006/relationships" xmlns:p="http://schemas.openxmlformats.org/presentationml/2006/main">
+  <p:cSld>
+    <p:spTree>
+      <p:nvGrpSpPr>
+        <p:cNvPr id="1" name=""/>
+        <p:cNvGrpSpPr/>
+        <p:nvPr/>
+      </p:nvGrpSpPr>
+      <p:grpSpPr>
+        <a:xfrm>
+          <a:off x="0" y="0"/>
+          <a:ext cx="0" cy="0"/>
+          <a:chOff x="0" y="0"/>
+          <a:chExt cx="0" cy="0"/>
+        </a:xfrm>
+      </p:grpSpPr>
+      <p:sp>
+        <p:nvSpPr>
+          <p:cNvPr id="2" name="Title 1">
+            <a:extLst>
+              <a:ext uri="{FF2B5EF4-FFF2-40B4-BE49-F238E27FC236}">
+                <a16:creationId xmlns:a16="http://schemas.microsoft.com/office/drawing/2014/main" id="{DF976FD3-52C8-4872-BDBD-C7EBB63B505A}"/>
+              </a:ext>
+            </a:extLst>
+          </p:cNvPr>
+          <p:cNvSpPr>
+            <a:spLocks noGrp="1"/>
+          </p:cNvSpPr>
+          <p:nvPr>
+            <p:ph type="title"/>
+          </p:nvPr>
+        </p:nvSpPr>
+        <p:spPr/>
+        <p:txBody>
+          <a:bodyPr/>
+          <a:lstStyle/>
+          <a:p>
+            <a:r>
+              <a:rPr lang="en-US" dirty="0"/>
+              <a:t>Environmental, Social, Ethical and Safety Aspects</a:t>
+            </a:r>
+          </a:p>
+        </p:txBody>
+      </p:sp>
+      <p:sp>
+        <p:nvSpPr>
+          <p:cNvPr id="3" name="Content Placeholder 2">
+            <a:extLst>
+              <a:ext uri="{FF2B5EF4-FFF2-40B4-BE49-F238E27FC236}">
+                <a16:creationId xmlns:a16="http://schemas.microsoft.com/office/drawing/2014/main" id="{F1D8E1D1-494B-437D-A834-48423EC662FD}"/>
+              </a:ext>
+            </a:extLst>
+          </p:cNvPr>
+          <p:cNvSpPr>
+            <a:spLocks noGrp="1"/>
+          </p:cNvSpPr>
+          <p:nvPr>
+            <p:ph idx="1"/>
+          </p:nvPr>
+        </p:nvSpPr>
+        <p:spPr/>
+        <p:txBody>
+          <a:bodyPr/>
+          <a:lstStyle/>
+          <a:p>
+            <a:endParaRPr lang="en-US"/>
+          </a:p>
+        </p:txBody>
+      </p:sp>
+    </p:spTree>
+    <p:extLst>
+      <p:ext uri="{BB962C8B-B14F-4D97-AF65-F5344CB8AC3E}">
+        <p14:creationId xmlns:p14="http://schemas.microsoft.com/office/powerpoint/2010/main" val="1264189927"/>
+      </p:ext>
+    </p:extLst>
+  </p:cSld>
+  <p:clrMapOvr>
+    <a:masterClrMapping/>
+  </p:clrMapOvr>
+</p:sld>
+</file>
+
+<file path=ppt/slides/slide15.xml><?xml version="1.0" encoding="utf-8"?>
+<p:sld xmlns:a="http://schemas.openxmlformats.org/drawingml/2006/main" xmlns:r="http://schemas.openxmlformats.org/officeDocument/2006/relationships" xmlns:p="http://schemas.openxmlformats.org/presentationml/2006/main">
+  <p:cSld>
+    <p:spTree>
+      <p:nvGrpSpPr>
+        <p:cNvPr id="1" name=""/>
+        <p:cNvGrpSpPr/>
+        <p:nvPr/>
+      </p:nvGrpSpPr>
+      <p:grpSpPr>
+        <a:xfrm>
+          <a:off x="0" y="0"/>
+          <a:ext cx="0" cy="0"/>
+          <a:chOff x="0" y="0"/>
+          <a:chExt cx="0" cy="0"/>
+        </a:xfrm>
+      </p:grpSpPr>
+      <p:sp>
+        <p:nvSpPr>
+          <p:cNvPr id="2" name="Title 1">
+            <a:extLst>
+              <a:ext uri="{FF2B5EF4-FFF2-40B4-BE49-F238E27FC236}">
+                <a16:creationId xmlns:a16="http://schemas.microsoft.com/office/drawing/2014/main" id="{56069545-E8B9-43A9-A30F-956C8D86031C}"/>
+              </a:ext>
+            </a:extLst>
+          </p:cNvPr>
+          <p:cNvSpPr>
+            <a:spLocks noGrp="1"/>
+          </p:cNvSpPr>
+          <p:nvPr>
+            <p:ph type="title"/>
+          </p:nvPr>
+        </p:nvSpPr>
+        <p:spPr/>
+        <p:txBody>
+          <a:bodyPr/>
+          <a:lstStyle/>
+          <a:p>
+            <a:r>
+              <a:rPr lang="en-US" dirty="0"/>
+              <a:t>Future Work and Potential Limitations</a:t>
+            </a:r>
+          </a:p>
+        </p:txBody>
+      </p:sp>
+      <p:sp>
+        <p:nvSpPr>
+          <p:cNvPr id="3" name="Content Placeholder 2">
+            <a:extLst>
+              <a:ext uri="{FF2B5EF4-FFF2-40B4-BE49-F238E27FC236}">
+                <a16:creationId xmlns:a16="http://schemas.microsoft.com/office/drawing/2014/main" id="{648DE63E-3672-4731-BBD5-F11DCDFA8CC9}"/>
+              </a:ext>
+            </a:extLst>
+          </p:cNvPr>
+          <p:cNvSpPr>
+            <a:spLocks noGrp="1"/>
+          </p:cNvSpPr>
+          <p:nvPr>
+            <p:ph idx="1"/>
+          </p:nvPr>
+        </p:nvSpPr>
+        <p:spPr/>
+        <p:txBody>
+          <a:bodyPr/>
+          <a:lstStyle/>
+          <a:p>
+            <a:endParaRPr lang="en-US"/>
+          </a:p>
+        </p:txBody>
+      </p:sp>
+    </p:spTree>
+    <p:extLst>
+      <p:ext uri="{BB962C8B-B14F-4D97-AF65-F5344CB8AC3E}">
+        <p14:creationId xmlns:p14="http://schemas.microsoft.com/office/powerpoint/2010/main" val="375368032"/>
+      </p:ext>
+    </p:extLst>
+  </p:cSld>
+  <p:clrMapOvr>
+    <a:masterClrMapping/>
+  </p:clrMapOvr>
+</p:sld>
+</file>
+
+<file path=ppt/slides/slide16.xml><?xml version="1.0" encoding="utf-8"?>
+<p:sld xmlns:a="http://schemas.openxmlformats.org/drawingml/2006/main" xmlns:r="http://schemas.openxmlformats.org/officeDocument/2006/relationships" xmlns:p="http://schemas.openxmlformats.org/presentationml/2006/main">
+  <p:cSld>
+    <p:spTree>
+      <p:nvGrpSpPr>
+        <p:cNvPr id="1" name=""/>
+        <p:cNvGrpSpPr/>
+        <p:nvPr/>
+      </p:nvGrpSpPr>
+      <p:grpSpPr>
+        <a:xfrm>
+          <a:off x="0" y="0"/>
+          <a:ext cx="0" cy="0"/>
+          <a:chOff x="0" y="0"/>
+          <a:chExt cx="0" cy="0"/>
+        </a:xfrm>
+      </p:grpSpPr>
+      <p:sp>
+        <p:nvSpPr>
+          <p:cNvPr id="2" name="Title 1">
+            <a:extLst>
+              <a:ext uri="{FF2B5EF4-FFF2-40B4-BE49-F238E27FC236}">
+                <a16:creationId xmlns:a16="http://schemas.microsoft.com/office/drawing/2014/main" id="{FC560F59-5372-4B1D-958D-CD0B761FB6FA}"/>
+              </a:ext>
+            </a:extLst>
+          </p:cNvPr>
+          <p:cNvSpPr>
+            <a:spLocks noGrp="1"/>
+          </p:cNvSpPr>
+          <p:nvPr>
+            <p:ph type="title"/>
+          </p:nvPr>
+        </p:nvSpPr>
+        <p:spPr/>
+        <p:txBody>
+          <a:bodyPr/>
+          <a:lstStyle/>
+          <a:p>
+            <a:r>
+              <a:rPr lang="en-US" dirty="0"/>
+              <a:t>Lessons Learned</a:t>
+            </a:r>
+          </a:p>
+        </p:txBody>
+      </p:sp>
+      <p:sp>
+        <p:nvSpPr>
+          <p:cNvPr id="3" name="Content Placeholder 2">
+            <a:extLst>
+              <a:ext uri="{FF2B5EF4-FFF2-40B4-BE49-F238E27FC236}">
+                <a16:creationId xmlns:a16="http://schemas.microsoft.com/office/drawing/2014/main" id="{198F3E45-1086-4EC8-8C00-A44473F903CC}"/>
+              </a:ext>
+            </a:extLst>
+          </p:cNvPr>
+          <p:cNvSpPr>
+            <a:spLocks noGrp="1"/>
+          </p:cNvSpPr>
+          <p:nvPr>
+            <p:ph idx="1"/>
+          </p:nvPr>
+        </p:nvSpPr>
+        <p:spPr/>
+        <p:txBody>
+          <a:bodyPr/>
+          <a:lstStyle/>
+          <a:p>
+            <a:endParaRPr lang="en-US" dirty="0"/>
+          </a:p>
+        </p:txBody>
+      </p:sp>
+    </p:spTree>
+    <p:extLst>
+      <p:ext uri="{BB962C8B-B14F-4D97-AF65-F5344CB8AC3E}">
+        <p14:creationId xmlns:p14="http://schemas.microsoft.com/office/powerpoint/2010/main" val="3647523994"/>
+      </p:ext>
+    </p:extLst>
+  </p:cSld>
+  <p:clrMapOvr>
+    <a:masterClrMapping/>
+  </p:clrMapOvr>
+</p:sld>
+</file>
+
+<file path=ppt/slides/slide17.xml><?xml version="1.0" encoding="utf-8"?>
+<p:sld xmlns:a="http://schemas.openxmlformats.org/drawingml/2006/main" xmlns:r="http://schemas.openxmlformats.org/officeDocument/2006/relationships" xmlns:p="http://schemas.openxmlformats.org/presentationml/2006/main">
+  <p:cSld>
+    <p:spTree>
+      <p:nvGrpSpPr>
+        <p:cNvPr id="1" name=""/>
+        <p:cNvGrpSpPr/>
+        <p:nvPr/>
+      </p:nvGrpSpPr>
+      <p:grpSpPr>
+        <a:xfrm>
+          <a:off x="0" y="0"/>
+          <a:ext cx="0" cy="0"/>
+          <a:chOff x="0" y="0"/>
+          <a:chExt cx="0" cy="0"/>
+        </a:xfrm>
+      </p:grpSpPr>
+      <p:sp>
+        <p:nvSpPr>
+          <p:cNvPr id="2" name="Title 1">
+            <a:extLst>
+              <a:ext uri="{FF2B5EF4-FFF2-40B4-BE49-F238E27FC236}">
+                <a16:creationId xmlns:a16="http://schemas.microsoft.com/office/drawing/2014/main" id="{412AC14A-5361-462D-8A96-019ECAA5A8C9}"/>
+              </a:ext>
+            </a:extLst>
+          </p:cNvPr>
+          <p:cNvSpPr>
+            <a:spLocks noGrp="1"/>
+          </p:cNvSpPr>
+          <p:nvPr>
+            <p:ph type="title"/>
+          </p:nvPr>
+        </p:nvSpPr>
+        <p:spPr/>
+        <p:txBody>
+          <a:bodyPr/>
+          <a:lstStyle/>
+          <a:p>
+            <a:r>
+              <a:rPr lang="en-US" dirty="0"/>
+              <a:t>References</a:t>
+            </a:r>
+          </a:p>
+        </p:txBody>
+      </p:sp>
+      <p:sp>
+        <p:nvSpPr>
+          <p:cNvPr id="3" name="Content Placeholder 2">
+            <a:extLst>
+              <a:ext uri="{FF2B5EF4-FFF2-40B4-BE49-F238E27FC236}">
+                <a16:creationId xmlns:a16="http://schemas.microsoft.com/office/drawing/2014/main" id="{5C7CAF2E-61A9-4F23-8A53-DFD3C9208DAA}"/>
+              </a:ext>
+            </a:extLst>
+          </p:cNvPr>
+          <p:cNvSpPr>
+            <a:spLocks noGrp="1"/>
+          </p:cNvSpPr>
+          <p:nvPr>
+            <p:ph idx="1"/>
+          </p:nvPr>
+        </p:nvSpPr>
+        <p:spPr/>
+        <p:txBody>
+          <a:bodyPr/>
+          <a:lstStyle/>
+          <a:p>
+            <a:r>
+              <a:rPr lang="en-US" dirty="0">
+                <a:hlinkClick r:id="rId2"/>
+              </a:rPr>
+              <a:t>https://www.techstrikers.com/MySQL/advantages-and-disadvantages-of-mysql.php </a:t>
+            </a:r>
+            <a:r>
+              <a:rPr lang="en-US" dirty="0"/>
+              <a:t> </a:t>
+            </a:r>
+          </a:p>
+          <a:p>
+            <a:r>
+              <a:rPr lang="en-US" dirty="0">
+                <a:hlinkClick r:id="rId3"/>
+              </a:rPr>
+              <a:t>https://osdb.io/firebase-pros-and-cons-when-you-should-and-shouldnt-use-firebase-osdb/</a:t>
+            </a:r>
+            <a:r>
+              <a:rPr lang="en-US" dirty="0"/>
+              <a:t> </a:t>
+            </a:r>
+          </a:p>
+          <a:p>
+            <a:r>
+              <a:rPr lang="en-US" dirty="0">
+                <a:hlinkClick r:id="rId4"/>
+              </a:rPr>
+              <a:t>https://developer.android.com/design</a:t>
+            </a:r>
+            <a:r>
+              <a:rPr lang="en-US" dirty="0"/>
+              <a:t> </a:t>
+            </a:r>
+          </a:p>
+        </p:txBody>
+      </p:sp>
+    </p:spTree>
+    <p:extLst>
+      <p:ext uri="{BB962C8B-B14F-4D97-AF65-F5344CB8AC3E}">
+        <p14:creationId xmlns:p14="http://schemas.microsoft.com/office/powerpoint/2010/main" val="2184240861"/>
+      </p:ext>
+    </p:extLst>
+  </p:cSld>
+  <p:clrMapOvr>
+    <a:masterClrMapping/>
+  </p:clrMapOvr>
+</p:sld>
+</file>
+
 <file path=ppt/slides/slide2.xml><?xml version="1.0" encoding="utf-8"?>
 <p:sld xmlns:a="http://schemas.openxmlformats.org/drawingml/2006/main" xmlns:r="http://schemas.openxmlformats.org/officeDocument/2006/relationships" xmlns:p="http://schemas.openxmlformats.org/presentationml/2006/main">
   <p:cSld>
@@ -24429,7 +30565,7 @@
             <p:ph idx="1"/>
             <p:extLst>
               <p:ext uri="{D42A27DB-BD31-4B8C-83A1-F6EECF244321}">
-                <p14:modId xmlns:p14="http://schemas.microsoft.com/office/powerpoint/2010/main" val="3132873958"/>
+                <p14:modId xmlns:p14="http://schemas.microsoft.com/office/powerpoint/2010/main" val="864663674"/>
               </p:ext>
             </p:extLst>
           </p:nvPr>
@@ -25953,6 +32089,14 @@
 <file path=ppt/slides/slide8.xml><?xml version="1.0" encoding="utf-8"?>
 <p:sld xmlns:a="http://schemas.openxmlformats.org/drawingml/2006/main" xmlns:r="http://schemas.openxmlformats.org/officeDocument/2006/relationships" xmlns:p="http://schemas.openxmlformats.org/presentationml/2006/main">
   <p:cSld>
+    <p:bg>
+      <p:bgPr>
+        <a:solidFill>
+          <a:schemeClr val="bg1"/>
+        </a:solidFill>
+        <a:effectLst/>
+      </p:bgPr>
+    </p:bg>
     <p:spTree>
       <p:nvGrpSpPr>
         <p:cNvPr id="1" name=""/>
@@ -25967,6 +32111,66 @@
           <a:chExt cx="0" cy="0"/>
         </a:xfrm>
       </p:grpSpPr>
+      <p:sp useBgFill="1">
+        <p:nvSpPr>
+          <p:cNvPr id="9" name="Rectangle 8">
+            <a:extLst>
+              <a:ext uri="{FF2B5EF4-FFF2-40B4-BE49-F238E27FC236}">
+                <a16:creationId xmlns:a16="http://schemas.microsoft.com/office/drawing/2014/main" id="{655AE6B0-AC9E-4167-806F-E9DB135FC46B}"/>
+              </a:ext>
+              <a:ext uri="{C183D7F6-B498-43B3-948B-1728B52AA6E4}">
+                <adec:decorative xmlns:adec="http://schemas.microsoft.com/office/drawing/2017/decorative" val="1"/>
+              </a:ext>
+            </a:extLst>
+          </p:cNvPr>
+          <p:cNvSpPr>
+            <a:spLocks noGrp="1" noRot="1" noChangeAspect="1" noMove="1" noResize="1" noEditPoints="1" noAdjustHandles="1" noChangeArrowheads="1" noChangeShapeType="1" noTextEdit="1"/>
+          </p:cNvSpPr>
+          <p:nvPr>
+            <p:extLst>
+              <p:ext uri="{386F3935-93C4-4BCD-93E2-E3B085C9AB24}">
+                <p16:designElem xmlns:p16="http://schemas.microsoft.com/office/powerpoint/2015/main" val="1"/>
+              </p:ext>
+            </p:extLst>
+          </p:nvPr>
+        </p:nvSpPr>
+        <p:spPr>
+          <a:xfrm>
+            <a:off x="0" y="0"/>
+            <a:ext cx="12192000" cy="6858000"/>
+          </a:xfrm>
+          <a:prstGeom prst="rect">
+            <a:avLst/>
+          </a:prstGeom>
+          <a:ln>
+            <a:noFill/>
+          </a:ln>
+        </p:spPr>
+        <p:style>
+          <a:lnRef idx="2">
+            <a:schemeClr val="accent1">
+              <a:shade val="50000"/>
+            </a:schemeClr>
+          </a:lnRef>
+          <a:fillRef idx="1">
+            <a:schemeClr val="accent1"/>
+          </a:fillRef>
+          <a:effectRef idx="0">
+            <a:schemeClr val="accent1"/>
+          </a:effectRef>
+          <a:fontRef idx="minor">
+            <a:schemeClr val="lt1"/>
+          </a:fontRef>
+        </p:style>
+        <p:txBody>
+          <a:bodyPr rtlCol="0" anchor="ctr"/>
+          <a:lstStyle/>
+          <a:p>
+            <a:pPr algn="ctr"/>
+            <a:endParaRPr lang="en-US"/>
+          </a:p>
+        </p:txBody>
+      </p:sp>
       <p:sp>
         <p:nvSpPr>
           <p:cNvPr id="2" name="Title 1">
@@ -25983,43 +32187,757 @@
             <p:ph type="title"/>
           </p:nvPr>
         </p:nvSpPr>
-        <p:spPr/>
+        <p:spPr>
+          <a:xfrm>
+            <a:off x="652481" y="1382486"/>
+            <a:ext cx="3547581" cy="4093028"/>
+          </a:xfrm>
+        </p:spPr>
         <p:txBody>
-          <a:bodyPr/>
+          <a:bodyPr anchor="ctr">
+            <a:normAutofit/>
+          </a:bodyPr>
           <a:lstStyle/>
           <a:p>
             <a:r>
-              <a:rPr lang="en-US" dirty="0"/>
+              <a:rPr lang="en-US" sz="4400"/>
               <a:t>Final Solution</a:t>
             </a:r>
           </a:p>
         </p:txBody>
       </p:sp>
+      <p:grpSp>
+        <p:nvGrpSpPr>
+          <p:cNvPr id="11" name="Group 10">
+            <a:extLst>
+              <a:ext uri="{FF2B5EF4-FFF2-40B4-BE49-F238E27FC236}">
+                <a16:creationId xmlns:a16="http://schemas.microsoft.com/office/drawing/2014/main" id="{3523416A-383B-4FDC-B4C9-D8EDDFE9C043}"/>
+              </a:ext>
+              <a:ext uri="{C183D7F6-B498-43B3-948B-1728B52AA6E4}">
+                <adec:decorative xmlns:adec="http://schemas.microsoft.com/office/drawing/2017/decorative" val="1"/>
+              </a:ext>
+            </a:extLst>
+          </p:cNvPr>
+          <p:cNvGrpSpPr>
+            <a:grpSpLocks noGrp="1" noUngrp="1" noRot="1" noChangeAspect="1" noMove="1" noResize="1"/>
+          </p:cNvGrpSpPr>
+          <p:nvPr>
+            <p:extLst>
+              <p:ext uri="{386F3935-93C4-4BCD-93E2-E3B085C9AB24}">
+                <p16:designElem xmlns:p16="http://schemas.microsoft.com/office/powerpoint/2015/main" val="1"/>
+              </p:ext>
+            </p:extLst>
+          </p:nvPr>
+        </p:nvGrpSpPr>
+        <p:grpSpPr>
+          <a:xfrm>
+            <a:off x="1329267" y="-8467"/>
+            <a:ext cx="4766733" cy="6866467"/>
+            <a:chOff x="7425267" y="-8467"/>
+            <a:chExt cx="4766733" cy="6866467"/>
+          </a:xfrm>
+        </p:grpSpPr>
+        <p:cxnSp>
+          <p:nvCxnSpPr>
+            <p:cNvPr id="12" name="Straight Connector 11">
+              <a:extLst>
+                <a:ext uri="{FF2B5EF4-FFF2-40B4-BE49-F238E27FC236}">
+                  <a16:creationId xmlns:a16="http://schemas.microsoft.com/office/drawing/2014/main" id="{CB0D29D5-3F7C-4197-821B-6D60A66CC04B}"/>
+                </a:ext>
+                <a:ext uri="{C183D7F6-B498-43B3-948B-1728B52AA6E4}">
+                  <adec:decorative xmlns:adec="http://schemas.microsoft.com/office/drawing/2017/decorative" val="1"/>
+                </a:ext>
+              </a:extLst>
+            </p:cNvPr>
+            <p:cNvCxnSpPr/>
+            <p:nvPr>
+              <p:extLst>
+                <p:ext uri="{386F3935-93C4-4BCD-93E2-E3B085C9AB24}">
+                  <p16:designElem xmlns:p16="http://schemas.microsoft.com/office/powerpoint/2015/main" val="1"/>
+                </p:ext>
+              </p:extLst>
+            </p:nvPr>
+          </p:nvCxnSpPr>
+          <p:spPr>
+            <a:xfrm>
+              <a:off x="9371012" y="0"/>
+              <a:ext cx="1219200" cy="6858000"/>
+            </a:xfrm>
+            <a:prstGeom prst="line">
+              <a:avLst/>
+            </a:prstGeom>
+            <a:ln w="9525">
+              <a:solidFill>
+                <a:srgbClr val="BFBFBF">
+                  <a:alpha val="75000"/>
+                </a:srgbClr>
+              </a:solidFill>
+            </a:ln>
+          </p:spPr>
+          <p:style>
+            <a:lnRef idx="2">
+              <a:schemeClr val="accent1"/>
+            </a:lnRef>
+            <a:fillRef idx="0">
+              <a:schemeClr val="accent1"/>
+            </a:fillRef>
+            <a:effectRef idx="1">
+              <a:schemeClr val="accent1"/>
+            </a:effectRef>
+            <a:fontRef idx="minor">
+              <a:schemeClr val="tx1"/>
+            </a:fontRef>
+          </p:style>
+        </p:cxnSp>
+        <p:cxnSp>
+          <p:nvCxnSpPr>
+            <p:cNvPr id="13" name="Straight Connector 12">
+              <a:extLst>
+                <a:ext uri="{FF2B5EF4-FFF2-40B4-BE49-F238E27FC236}">
+                  <a16:creationId xmlns:a16="http://schemas.microsoft.com/office/drawing/2014/main" id="{347FB49A-3541-428A-AADE-682A3C50563D}"/>
+                </a:ext>
+                <a:ext uri="{C183D7F6-B498-43B3-948B-1728B52AA6E4}">
+                  <adec:decorative xmlns:adec="http://schemas.microsoft.com/office/drawing/2017/decorative" val="1"/>
+                </a:ext>
+              </a:extLst>
+            </p:cNvPr>
+            <p:cNvCxnSpPr/>
+            <p:nvPr>
+              <p:extLst>
+                <p:ext uri="{386F3935-93C4-4BCD-93E2-E3B085C9AB24}">
+                  <p16:designElem xmlns:p16="http://schemas.microsoft.com/office/powerpoint/2015/main" val="1"/>
+                </p:ext>
+              </p:extLst>
+            </p:nvPr>
+          </p:nvCxnSpPr>
+          <p:spPr>
+            <a:xfrm flipH="1">
+              <a:off x="7425267" y="3681413"/>
+              <a:ext cx="4763558" cy="3176587"/>
+            </a:xfrm>
+            <a:prstGeom prst="line">
+              <a:avLst/>
+            </a:prstGeom>
+            <a:ln w="9525">
+              <a:solidFill>
+                <a:srgbClr val="BFBFBF">
+                  <a:alpha val="80000"/>
+                </a:srgbClr>
+              </a:solidFill>
+            </a:ln>
+          </p:spPr>
+          <p:style>
+            <a:lnRef idx="2">
+              <a:schemeClr val="accent1"/>
+            </a:lnRef>
+            <a:fillRef idx="0">
+              <a:schemeClr val="accent1"/>
+            </a:fillRef>
+            <a:effectRef idx="1">
+              <a:schemeClr val="accent1"/>
+            </a:effectRef>
+            <a:fontRef idx="minor">
+              <a:schemeClr val="tx1"/>
+            </a:fontRef>
+          </p:style>
+        </p:cxnSp>
+        <p:sp>
+          <p:nvSpPr>
+            <p:cNvPr id="14" name="Rectangle 23">
+              <a:extLst>
+                <a:ext uri="{FF2B5EF4-FFF2-40B4-BE49-F238E27FC236}">
+                  <a16:creationId xmlns:a16="http://schemas.microsoft.com/office/drawing/2014/main" id="{D96F53DC-08F1-42C6-B558-B83D54B27664}"/>
+                </a:ext>
+                <a:ext uri="{C183D7F6-B498-43B3-948B-1728B52AA6E4}">
+                  <adec:decorative xmlns:adec="http://schemas.microsoft.com/office/drawing/2017/decorative" val="1"/>
+                </a:ext>
+              </a:extLst>
+            </p:cNvPr>
+            <p:cNvSpPr/>
+            <p:nvPr>
+              <p:extLst>
+                <p:ext uri="{386F3935-93C4-4BCD-93E2-E3B085C9AB24}">
+                  <p16:designElem xmlns:p16="http://schemas.microsoft.com/office/powerpoint/2015/main" val="1"/>
+                </p:ext>
+              </p:extLst>
+            </p:nvPr>
+          </p:nvSpPr>
+          <p:spPr>
+            <a:xfrm>
+              <a:off x="9181476" y="-8467"/>
+              <a:ext cx="3007349" cy="6866467"/>
+            </a:xfrm>
+            <a:custGeom>
+              <a:avLst/>
+              <a:gdLst/>
+              <a:ahLst/>
+              <a:cxnLst/>
+              <a:rect l="l" t="t" r="r" b="b"/>
+              <a:pathLst>
+                <a:path w="3007349" h="6866467">
+                  <a:moveTo>
+                    <a:pt x="2045532" y="0"/>
+                  </a:moveTo>
+                  <a:lnTo>
+                    <a:pt x="3007349" y="0"/>
+                  </a:lnTo>
+                  <a:lnTo>
+                    <a:pt x="3007349" y="6866467"/>
+                  </a:lnTo>
+                  <a:lnTo>
+                    <a:pt x="0" y="6866467"/>
+                  </a:lnTo>
+                  <a:lnTo>
+                    <a:pt x="2045532" y="0"/>
+                  </a:lnTo>
+                  <a:close/>
+                </a:path>
+              </a:pathLst>
+            </a:custGeom>
+            <a:solidFill>
+              <a:schemeClr val="accent1">
+                <a:alpha val="30000"/>
+              </a:schemeClr>
+            </a:solidFill>
+            <a:ln>
+              <a:noFill/>
+            </a:ln>
+            <a:effectLst/>
+          </p:spPr>
+          <p:style>
+            <a:lnRef idx="1">
+              <a:schemeClr val="accent1"/>
+            </a:lnRef>
+            <a:fillRef idx="3">
+              <a:schemeClr val="accent1"/>
+            </a:fillRef>
+            <a:effectRef idx="2">
+              <a:schemeClr val="accent1"/>
+            </a:effectRef>
+            <a:fontRef idx="minor">
+              <a:schemeClr val="lt1"/>
+            </a:fontRef>
+          </p:style>
+        </p:sp>
+        <p:sp>
+          <p:nvSpPr>
+            <p:cNvPr id="15" name="Rectangle 25">
+              <a:extLst>
+                <a:ext uri="{FF2B5EF4-FFF2-40B4-BE49-F238E27FC236}">
+                  <a16:creationId xmlns:a16="http://schemas.microsoft.com/office/drawing/2014/main" id="{AFE48CAF-A51C-463F-A570-ED99439A5CA3}"/>
+                </a:ext>
+                <a:ext uri="{C183D7F6-B498-43B3-948B-1728B52AA6E4}">
+                  <adec:decorative xmlns:adec="http://schemas.microsoft.com/office/drawing/2017/decorative" val="1"/>
+                </a:ext>
+              </a:extLst>
+            </p:cNvPr>
+            <p:cNvSpPr/>
+            <p:nvPr>
+              <p:extLst>
+                <p:ext uri="{386F3935-93C4-4BCD-93E2-E3B085C9AB24}">
+                  <p16:designElem xmlns:p16="http://schemas.microsoft.com/office/powerpoint/2015/main" val="1"/>
+                </p:ext>
+              </p:extLst>
+            </p:nvPr>
+          </p:nvSpPr>
+          <p:spPr>
+            <a:xfrm>
+              <a:off x="9603442" y="-8467"/>
+              <a:ext cx="2588558" cy="6866467"/>
+            </a:xfrm>
+            <a:custGeom>
+              <a:avLst/>
+              <a:gdLst/>
+              <a:ahLst/>
+              <a:cxnLst/>
+              <a:rect l="l" t="t" r="r" b="b"/>
+              <a:pathLst>
+                <a:path w="2573311" h="6866467">
+                  <a:moveTo>
+                    <a:pt x="0" y="0"/>
+                  </a:moveTo>
+                  <a:lnTo>
+                    <a:pt x="2573311" y="0"/>
+                  </a:lnTo>
+                  <a:lnTo>
+                    <a:pt x="2573311" y="6866467"/>
+                  </a:lnTo>
+                  <a:lnTo>
+                    <a:pt x="1202336" y="6866467"/>
+                  </a:lnTo>
+                  <a:lnTo>
+                    <a:pt x="0" y="0"/>
+                  </a:lnTo>
+                  <a:close/>
+                </a:path>
+              </a:pathLst>
+            </a:custGeom>
+            <a:solidFill>
+              <a:schemeClr val="accent1">
+                <a:alpha val="20000"/>
+              </a:schemeClr>
+            </a:solidFill>
+            <a:ln>
+              <a:noFill/>
+            </a:ln>
+            <a:effectLst/>
+          </p:spPr>
+          <p:style>
+            <a:lnRef idx="1">
+              <a:schemeClr val="accent1"/>
+            </a:lnRef>
+            <a:fillRef idx="3">
+              <a:schemeClr val="accent1"/>
+            </a:fillRef>
+            <a:effectRef idx="2">
+              <a:schemeClr val="accent1"/>
+            </a:effectRef>
+            <a:fontRef idx="minor">
+              <a:schemeClr val="lt1"/>
+            </a:fontRef>
+          </p:style>
+        </p:sp>
+        <p:sp>
+          <p:nvSpPr>
+            <p:cNvPr id="16" name="Isosceles Triangle 15">
+              <a:extLst>
+                <a:ext uri="{FF2B5EF4-FFF2-40B4-BE49-F238E27FC236}">
+                  <a16:creationId xmlns:a16="http://schemas.microsoft.com/office/drawing/2014/main" id="{01F0C48B-50FF-4351-8207-16D096048311}"/>
+                </a:ext>
+                <a:ext uri="{C183D7F6-B498-43B3-948B-1728B52AA6E4}">
+                  <adec:decorative xmlns:adec="http://schemas.microsoft.com/office/drawing/2017/decorative" val="1"/>
+                </a:ext>
+              </a:extLst>
+            </p:cNvPr>
+            <p:cNvSpPr/>
+            <p:nvPr>
+              <p:extLst>
+                <p:ext uri="{386F3935-93C4-4BCD-93E2-E3B085C9AB24}">
+                  <p16:designElem xmlns:p16="http://schemas.microsoft.com/office/powerpoint/2015/main" val="1"/>
+                </p:ext>
+              </p:extLst>
+            </p:nvPr>
+          </p:nvSpPr>
+          <p:spPr>
+            <a:xfrm>
+              <a:off x="8932333" y="3048000"/>
+              <a:ext cx="3259667" cy="3810000"/>
+            </a:xfrm>
+            <a:prstGeom prst="triangle">
+              <a:avLst>
+                <a:gd name="adj" fmla="val 100000"/>
+              </a:avLst>
+            </a:prstGeom>
+            <a:solidFill>
+              <a:schemeClr val="accent2">
+                <a:alpha val="72000"/>
+              </a:schemeClr>
+            </a:solidFill>
+            <a:ln>
+              <a:noFill/>
+            </a:ln>
+            <a:effectLst/>
+          </p:spPr>
+          <p:style>
+            <a:lnRef idx="1">
+              <a:schemeClr val="accent1"/>
+            </a:lnRef>
+            <a:fillRef idx="3">
+              <a:schemeClr val="accent1"/>
+            </a:fillRef>
+            <a:effectRef idx="2">
+              <a:schemeClr val="accent1"/>
+            </a:effectRef>
+            <a:fontRef idx="minor">
+              <a:schemeClr val="lt1"/>
+            </a:fontRef>
+          </p:style>
+        </p:sp>
+        <p:sp>
+          <p:nvSpPr>
+            <p:cNvPr id="17" name="Rectangle 27">
+              <a:extLst>
+                <a:ext uri="{FF2B5EF4-FFF2-40B4-BE49-F238E27FC236}">
+                  <a16:creationId xmlns:a16="http://schemas.microsoft.com/office/drawing/2014/main" id="{300384B6-5ED6-4F91-A548-B706D837513E}"/>
+                </a:ext>
+                <a:ext uri="{C183D7F6-B498-43B3-948B-1728B52AA6E4}">
+                  <adec:decorative xmlns:adec="http://schemas.microsoft.com/office/drawing/2017/decorative" val="1"/>
+                </a:ext>
+              </a:extLst>
+            </p:cNvPr>
+            <p:cNvSpPr/>
+            <p:nvPr>
+              <p:extLst>
+                <p:ext uri="{386F3935-93C4-4BCD-93E2-E3B085C9AB24}">
+                  <p16:designElem xmlns:p16="http://schemas.microsoft.com/office/powerpoint/2015/main" val="1"/>
+                </p:ext>
+              </p:extLst>
+            </p:nvPr>
+          </p:nvSpPr>
+          <p:spPr>
+            <a:xfrm>
+              <a:off x="9334500" y="-8467"/>
+              <a:ext cx="2854326" cy="6866467"/>
+            </a:xfrm>
+            <a:custGeom>
+              <a:avLst/>
+              <a:gdLst/>
+              <a:ahLst/>
+              <a:cxnLst/>
+              <a:rect l="l" t="t" r="r" b="b"/>
+              <a:pathLst>
+                <a:path w="2858013" h="6866467">
+                  <a:moveTo>
+                    <a:pt x="0" y="0"/>
+                  </a:moveTo>
+                  <a:lnTo>
+                    <a:pt x="2858013" y="0"/>
+                  </a:lnTo>
+                  <a:lnTo>
+                    <a:pt x="2858013" y="6866467"/>
+                  </a:lnTo>
+                  <a:lnTo>
+                    <a:pt x="2473942" y="6866467"/>
+                  </a:lnTo>
+                  <a:lnTo>
+                    <a:pt x="0" y="0"/>
+                  </a:lnTo>
+                  <a:close/>
+                </a:path>
+              </a:pathLst>
+            </a:custGeom>
+            <a:solidFill>
+              <a:schemeClr val="accent2">
+                <a:lumMod val="75000"/>
+                <a:alpha val="70000"/>
+              </a:schemeClr>
+            </a:solidFill>
+            <a:ln>
+              <a:noFill/>
+            </a:ln>
+            <a:effectLst/>
+          </p:spPr>
+          <p:style>
+            <a:lnRef idx="1">
+              <a:schemeClr val="accent1"/>
+            </a:lnRef>
+            <a:fillRef idx="3">
+              <a:schemeClr val="accent1"/>
+            </a:fillRef>
+            <a:effectRef idx="2">
+              <a:schemeClr val="accent1"/>
+            </a:effectRef>
+            <a:fontRef idx="minor">
+              <a:schemeClr val="lt1"/>
+            </a:fontRef>
+          </p:style>
+        </p:sp>
+        <p:sp>
+          <p:nvSpPr>
+            <p:cNvPr id="18" name="Rectangle 28">
+              <a:extLst>
+                <a:ext uri="{FF2B5EF4-FFF2-40B4-BE49-F238E27FC236}">
+                  <a16:creationId xmlns:a16="http://schemas.microsoft.com/office/drawing/2014/main" id="{337AFFAE-C182-463C-9459-8AB3C69D9A29}"/>
+                </a:ext>
+                <a:ext uri="{C183D7F6-B498-43B3-948B-1728B52AA6E4}">
+                  <adec:decorative xmlns:adec="http://schemas.microsoft.com/office/drawing/2017/decorative" val="1"/>
+                </a:ext>
+              </a:extLst>
+            </p:cNvPr>
+            <p:cNvSpPr/>
+            <p:nvPr>
+              <p:extLst>
+                <p:ext uri="{386F3935-93C4-4BCD-93E2-E3B085C9AB24}">
+                  <p16:designElem xmlns:p16="http://schemas.microsoft.com/office/powerpoint/2015/main" val="1"/>
+                </p:ext>
+              </p:extLst>
+            </p:nvPr>
+          </p:nvSpPr>
+          <p:spPr>
+            <a:xfrm>
+              <a:off x="10898730" y="-8467"/>
+              <a:ext cx="1290094" cy="6866467"/>
+            </a:xfrm>
+            <a:custGeom>
+              <a:avLst/>
+              <a:gdLst/>
+              <a:ahLst/>
+              <a:cxnLst/>
+              <a:rect l="l" t="t" r="r" b="b"/>
+              <a:pathLst>
+                <a:path w="1290094" h="6858000">
+                  <a:moveTo>
+                    <a:pt x="1019735" y="0"/>
+                  </a:moveTo>
+                  <a:lnTo>
+                    <a:pt x="1290094" y="0"/>
+                  </a:lnTo>
+                  <a:lnTo>
+                    <a:pt x="1290094" y="6858000"/>
+                  </a:lnTo>
+                  <a:lnTo>
+                    <a:pt x="0" y="6858000"/>
+                  </a:lnTo>
+                  <a:lnTo>
+                    <a:pt x="1019735" y="0"/>
+                  </a:lnTo>
+                  <a:close/>
+                </a:path>
+              </a:pathLst>
+            </a:custGeom>
+            <a:solidFill>
+              <a:schemeClr val="accent1">
+                <a:lumMod val="60000"/>
+                <a:lumOff val="40000"/>
+                <a:alpha val="70000"/>
+              </a:schemeClr>
+            </a:solidFill>
+            <a:ln>
+              <a:noFill/>
+            </a:ln>
+            <a:effectLst/>
+          </p:spPr>
+          <p:style>
+            <a:lnRef idx="1">
+              <a:schemeClr val="accent1"/>
+            </a:lnRef>
+            <a:fillRef idx="3">
+              <a:schemeClr val="accent1"/>
+            </a:fillRef>
+            <a:effectRef idx="2">
+              <a:schemeClr val="accent1"/>
+            </a:effectRef>
+            <a:fontRef idx="minor">
+              <a:schemeClr val="lt1"/>
+            </a:fontRef>
+          </p:style>
+        </p:sp>
+        <p:sp>
+          <p:nvSpPr>
+            <p:cNvPr id="19" name="Rectangle 29">
+              <a:extLst>
+                <a:ext uri="{FF2B5EF4-FFF2-40B4-BE49-F238E27FC236}">
+                  <a16:creationId xmlns:a16="http://schemas.microsoft.com/office/drawing/2014/main" id="{510ACF17-C3F0-42BF-BDEB-D079277121E4}"/>
+                </a:ext>
+                <a:ext uri="{C183D7F6-B498-43B3-948B-1728B52AA6E4}">
+                  <adec:decorative xmlns:adec="http://schemas.microsoft.com/office/drawing/2017/decorative" val="1"/>
+                </a:ext>
+              </a:extLst>
+            </p:cNvPr>
+            <p:cNvSpPr/>
+            <p:nvPr>
+              <p:extLst>
+                <p:ext uri="{386F3935-93C4-4BCD-93E2-E3B085C9AB24}">
+                  <p16:designElem xmlns:p16="http://schemas.microsoft.com/office/powerpoint/2015/main" val="1"/>
+                </p:ext>
+              </p:extLst>
+            </p:nvPr>
+          </p:nvSpPr>
+          <p:spPr>
+            <a:xfrm>
+              <a:off x="10938999" y="-8467"/>
+              <a:ext cx="1249825" cy="6866467"/>
+            </a:xfrm>
+            <a:custGeom>
+              <a:avLst/>
+              <a:gdLst/>
+              <a:ahLst/>
+              <a:cxnLst/>
+              <a:rect l="l" t="t" r="r" b="b"/>
+              <a:pathLst>
+                <a:path w="1249825" h="6858000">
+                  <a:moveTo>
+                    <a:pt x="0" y="0"/>
+                  </a:moveTo>
+                  <a:lnTo>
+                    <a:pt x="1249825" y="0"/>
+                  </a:lnTo>
+                  <a:lnTo>
+                    <a:pt x="1249825" y="6858000"/>
+                  </a:lnTo>
+                  <a:lnTo>
+                    <a:pt x="1109382" y="6858000"/>
+                  </a:lnTo>
+                  <a:lnTo>
+                    <a:pt x="0" y="0"/>
+                  </a:lnTo>
+                  <a:close/>
+                </a:path>
+              </a:pathLst>
+            </a:custGeom>
+            <a:solidFill>
+              <a:schemeClr val="accent1">
+                <a:alpha val="65000"/>
+              </a:schemeClr>
+            </a:solidFill>
+            <a:ln>
+              <a:noFill/>
+            </a:ln>
+            <a:effectLst/>
+          </p:spPr>
+          <p:style>
+            <a:lnRef idx="1">
+              <a:schemeClr val="accent1"/>
+            </a:lnRef>
+            <a:fillRef idx="3">
+              <a:schemeClr val="accent1"/>
+            </a:fillRef>
+            <a:effectRef idx="2">
+              <a:schemeClr val="accent1"/>
+            </a:effectRef>
+            <a:fontRef idx="minor">
+              <a:schemeClr val="lt1"/>
+            </a:fontRef>
+          </p:style>
+        </p:sp>
+        <p:sp>
+          <p:nvSpPr>
+            <p:cNvPr id="20" name="Isosceles Triangle 19">
+              <a:extLst>
+                <a:ext uri="{FF2B5EF4-FFF2-40B4-BE49-F238E27FC236}">
+                  <a16:creationId xmlns:a16="http://schemas.microsoft.com/office/drawing/2014/main" id="{E804EFD0-B84E-476F-9FC6-6C4A42EA0054}"/>
+                </a:ext>
+                <a:ext uri="{C183D7F6-B498-43B3-948B-1728B52AA6E4}">
+                  <adec:decorative xmlns:adec="http://schemas.microsoft.com/office/drawing/2017/decorative" val="1"/>
+                </a:ext>
+              </a:extLst>
+            </p:cNvPr>
+            <p:cNvSpPr/>
+            <p:nvPr>
+              <p:extLst>
+                <p:ext uri="{386F3935-93C4-4BCD-93E2-E3B085C9AB24}">
+                  <p16:designElem xmlns:p16="http://schemas.microsoft.com/office/powerpoint/2015/main" val="1"/>
+                </p:ext>
+              </p:extLst>
+            </p:nvPr>
+          </p:nvSpPr>
+          <p:spPr>
+            <a:xfrm>
+              <a:off x="10371666" y="3589867"/>
+              <a:ext cx="1817159" cy="3268133"/>
+            </a:xfrm>
+            <a:prstGeom prst="triangle">
+              <a:avLst>
+                <a:gd name="adj" fmla="val 100000"/>
+              </a:avLst>
+            </a:prstGeom>
+            <a:solidFill>
+              <a:schemeClr val="accent1">
+                <a:alpha val="80000"/>
+              </a:schemeClr>
+            </a:solidFill>
+            <a:ln>
+              <a:noFill/>
+            </a:ln>
+            <a:effectLst/>
+          </p:spPr>
+          <p:style>
+            <a:lnRef idx="1">
+              <a:schemeClr val="accent1"/>
+            </a:lnRef>
+            <a:fillRef idx="3">
+              <a:schemeClr val="accent1"/>
+            </a:fillRef>
+            <a:effectRef idx="2">
+              <a:schemeClr val="accent1"/>
+            </a:effectRef>
+            <a:fontRef idx="minor">
+              <a:schemeClr val="lt1"/>
+            </a:fontRef>
+          </p:style>
+        </p:sp>
+      </p:grpSp>
       <p:sp>
         <p:nvSpPr>
-          <p:cNvPr id="3" name="Content Placeholder 2">
+          <p:cNvPr id="22" name="Rectangle 21">
             <a:extLst>
               <a:ext uri="{FF2B5EF4-FFF2-40B4-BE49-F238E27FC236}">
-                <a16:creationId xmlns:a16="http://schemas.microsoft.com/office/drawing/2014/main" id="{3934C5EB-412D-44B9-8037-B41E2B118647}"/>
+                <a16:creationId xmlns:a16="http://schemas.microsoft.com/office/drawing/2014/main" id="{87BD1F4E-A66D-4C06-86DA-8D56CA7A3B41}"/>
+              </a:ext>
+              <a:ext uri="{C183D7F6-B498-43B3-948B-1728B52AA6E4}">
+                <adec:decorative xmlns:adec="http://schemas.microsoft.com/office/drawing/2017/decorative" val="1"/>
               </a:ext>
             </a:extLst>
           </p:cNvPr>
           <p:cNvSpPr>
-            <a:spLocks noGrp="1"/>
+            <a:spLocks noGrp="1" noRot="1" noChangeAspect="1" noMove="1" noResize="1" noEditPoints="1" noAdjustHandles="1" noChangeArrowheads="1" noChangeShapeType="1" noTextEdit="1"/>
           </p:cNvSpPr>
           <p:nvPr>
-            <p:ph idx="1"/>
+            <p:extLst>
+              <p:ext uri="{386F3935-93C4-4BCD-93E2-E3B085C9AB24}">
+                <p16:designElem xmlns:p16="http://schemas.microsoft.com/office/powerpoint/2015/main" val="1"/>
+              </p:ext>
+            </p:extLst>
           </p:nvPr>
         </p:nvSpPr>
-        <p:spPr/>
+        <p:spPr>
+          <a:xfrm>
+            <a:off x="5977719" y="0"/>
+            <a:ext cx="6214281" cy="6858000"/>
+          </a:xfrm>
+          <a:prstGeom prst="rect">
+            <a:avLst/>
+          </a:prstGeom>
+          <a:ln>
+            <a:noFill/>
+          </a:ln>
+        </p:spPr>
+        <p:style>
+          <a:lnRef idx="2">
+            <a:schemeClr val="accent1">
+              <a:shade val="50000"/>
+            </a:schemeClr>
+          </a:lnRef>
+          <a:fillRef idx="1">
+            <a:schemeClr val="accent1"/>
+          </a:fillRef>
+          <a:effectRef idx="0">
+            <a:schemeClr val="accent1"/>
+          </a:effectRef>
+          <a:fontRef idx="minor">
+            <a:schemeClr val="lt1"/>
+          </a:fontRef>
+        </p:style>
         <p:txBody>
-          <a:bodyPr/>
+          <a:bodyPr rtlCol="0" anchor="ctr"/>
           <a:lstStyle/>
           <a:p>
-            <a:endParaRPr lang="en-US" dirty="0"/>
+            <a:pPr algn="ctr"/>
+            <a:endParaRPr lang="en-US"/>
           </a:p>
         </p:txBody>
       </p:sp>
+      <p:graphicFrame>
+        <p:nvGraphicFramePr>
+          <p:cNvPr id="5" name="Content Placeholder 2">
+            <a:extLst>
+              <a:ext uri="{FF2B5EF4-FFF2-40B4-BE49-F238E27FC236}">
+                <a16:creationId xmlns:a16="http://schemas.microsoft.com/office/drawing/2014/main" id="{ADBE7A4E-AD67-EC87-70A5-5DB3D57190BD}"/>
+              </a:ext>
+            </a:extLst>
+          </p:cNvPr>
+          <p:cNvGraphicFramePr>
+            <a:graphicFrameLocks noGrp="1"/>
+          </p:cNvGraphicFramePr>
+          <p:nvPr>
+            <p:ph idx="1"/>
+            <p:extLst>
+              <p:ext uri="{D42A27DB-BD31-4B8C-83A1-F6EECF244321}">
+                <p14:modId xmlns:p14="http://schemas.microsoft.com/office/powerpoint/2010/main" val="724657373"/>
+              </p:ext>
+            </p:extLst>
+          </p:nvPr>
+        </p:nvGraphicFramePr>
+        <p:xfrm>
+          <a:off x="4916553" y="944563"/>
+          <a:ext cx="6628804" cy="4979581"/>
+        </p:xfrm>
+        <a:graphic>
+          <a:graphicData uri="http://schemas.openxmlformats.org/drawingml/2006/diagram">
+            <dgm:relIds xmlns:dgm="http://schemas.openxmlformats.org/drawingml/2006/diagram" xmlns:r="http://schemas.openxmlformats.org/officeDocument/2006/relationships" r:dm="rId3" r:lo="rId4" r:qs="rId5" r:cs="rId6"/>
+          </a:graphicData>
+        </a:graphic>
+      </p:graphicFrame>
     </p:spTree>
     <p:extLst>
       <p:ext uri="{BB962C8B-B14F-4D97-AF65-F5344CB8AC3E}">
@@ -26055,7 +32973,7 @@
           <p:cNvPr id="2" name="Title 1">
             <a:extLst>
               <a:ext uri="{FF2B5EF4-FFF2-40B4-BE49-F238E27FC236}">
-                <a16:creationId xmlns:a16="http://schemas.microsoft.com/office/drawing/2014/main" id="{412AC14A-5361-462D-8A96-019ECAA5A8C9}"/>
+                <a16:creationId xmlns:a16="http://schemas.microsoft.com/office/drawing/2014/main" id="{BA9481E0-7CFE-4A3A-9E3A-AC497B6F0C74}"/>
               </a:ext>
             </a:extLst>
           </p:cNvPr>
@@ -26073,7 +32991,7 @@
           <a:p>
             <a:r>
               <a:rPr lang="en-US" dirty="0"/>
-              <a:t>References</a:t>
+              <a:t>Final Solution</a:t>
             </a:r>
           </a:p>
         </p:txBody>
@@ -26083,7 +33001,7 @@
           <p:cNvPr id="3" name="Content Placeholder 2">
             <a:extLst>
               <a:ext uri="{FF2B5EF4-FFF2-40B4-BE49-F238E27FC236}">
-                <a16:creationId xmlns:a16="http://schemas.microsoft.com/office/drawing/2014/main" id="{5C7CAF2E-61A9-4F23-8A53-DFD3C9208DAA}"/>
+                <a16:creationId xmlns:a16="http://schemas.microsoft.com/office/drawing/2014/main" id="{47759666-95B4-4F06-8476-D98BEA366B47}"/>
               </a:ext>
             </a:extLst>
           </p:cNvPr>
@@ -26100,26 +33018,55 @@
           <a:lstStyle/>
           <a:p>
             <a:r>
-              <a:rPr lang="en-US" dirty="0">
-                <a:hlinkClick r:id="rId2"/>
-              </a:rPr>
-              <a:t>https://www.techstrikers.com/MySQL/advantages-and-disadvantages-of-mysql.php </a:t>
-            </a:r>
-            <a:r>
               <a:rPr lang="en-US" dirty="0"/>
-              <a:t> [1]</a:t>
+              <a:t>Features</a:t>
             </a:r>
           </a:p>
           <a:p>
+            <a:pPr lvl="1"/>
             <a:r>
-              <a:rPr lang="en-US" dirty="0">
-                <a:hlinkClick r:id="rId3"/>
-              </a:rPr>
-              <a:t>https://osdb.io/firebase-pros-and-cons-when-you-should-and-shouldnt-use-firebase-osdb/</a:t>
+              <a:rPr lang="en-US" dirty="0"/>
+              <a:t>Single application for both user and manager</a:t>
+            </a:r>
+          </a:p>
+          <a:p>
+            <a:pPr lvl="1"/>
+            <a:r>
+              <a:rPr lang="en-US" dirty="0"/>
+              <a:t>Login integrated with firebase</a:t>
+            </a:r>
+          </a:p>
+          <a:p>
+            <a:pPr lvl="1"/>
+            <a:r>
+              <a:rPr lang="en-US" dirty="0"/>
+              <a:t>Dynamic voting list</a:t>
+            </a:r>
+          </a:p>
+          <a:p>
+            <a:pPr lvl="1"/>
+            <a:r>
+              <a:rPr lang="en-US" dirty="0"/>
+              <a:t>Voting on topics</a:t>
+            </a:r>
+          </a:p>
+          <a:p>
+            <a:pPr lvl="1"/>
+            <a:r>
+              <a:rPr lang="en-US" dirty="0"/>
+              <a:t>View the statistics on available topics in </a:t>
             </a:r>
             <a:r>
+              <a:rPr lang="en-US" dirty="0" err="1"/>
+              <a:t>realtime</a:t>
+            </a:r>
+            <a:endParaRPr lang="en-US" dirty="0"/>
+          </a:p>
+          <a:p>
+            <a:pPr lvl="1"/>
+            <a:r>
               <a:rPr lang="en-US" dirty="0"/>
-              <a:t> [2]</a:t>
+              <a:t>Create topics</a:t>
             </a:r>
           </a:p>
         </p:txBody>
@@ -26127,7 +33074,7 @@
     </p:spTree>
     <p:extLst>
       <p:ext uri="{BB962C8B-B14F-4D97-AF65-F5344CB8AC3E}">
-        <p14:creationId xmlns:p14="http://schemas.microsoft.com/office/powerpoint/2010/main" val="2184240861"/>
+        <p14:creationId xmlns:p14="http://schemas.microsoft.com/office/powerpoint/2010/main" val="3887127095"/>
       </p:ext>
     </p:extLst>
   </p:cSld>
